--- a/examples/stocks.pptx
+++ b/examples/stocks.pptx
@@ -1,11 +1,11 @@
 
 <file path=ppt/presentation.xml><?xml version="1.0" encoding="utf-8"?>
-<p:presentation xmlns:a="http://schemas.openxmlformats.org/drawingml/2006/main" xmlns:r="http://schemas.openxmlformats.org/officeDocument/2006/relationships" xmlns:p="http://schemas.openxmlformats.org/presentationml/2006/main" saveSubsetFonts="1" autoCompressPictures="0">
+<p:presentation xmlns:a="http://schemas.openxmlformats.org/drawingml/2006/main" xmlns:r="http://schemas.openxmlformats.org/officeDocument/2006/relationships" xmlns:p="http://schemas.openxmlformats.org/presentationml/2006/main" strictFirstAndLastChars="0" saveSubsetFonts="1" autoCompressPictures="0">
   <p:sldMasterIdLst>
-    <p:sldMasterId id="2147483648" r:id="rId1"/>
+    <p:sldMasterId id="2147483659" r:id="rId1"/>
   </p:sldMasterIdLst>
   <p:notesMasterIdLst>
-    <p:NotesMasterId r:id="rId8"/>
+    <p:NotesMasterId r:id="rId9"/>
   </p:notesMasterIdLst>
   <p:sldIdLst>
     <p:sldId id="256" r:id="rId2"/>
@@ -14,118 +14,242 @@
     <p:sldId id="259" r:id="rId5"/>
     <p:sldId id="260" r:id="rId6"/>
     <p:sldId id="261" r:id="rId7"/>
+    <p:sldId id="262" r:id="rId8"/>
   </p:sldIdLst>
-  <p:sldSz cx="9144000" cy="6858000" type="screen4x3"/>
+  <p:sldSz cx="12192000" cy="6858000"/>
   <p:notesSz cx="6858000" cy="9144000"/>
   <p:defaultTextStyle>
-    <a:defPPr>
-      <a:defRPr lang="en-US"/>
+    <a:defPPr marR="0" lvl="0" algn="l" rtl="0">
+      <a:lnSpc>
+        <a:spcPct val="100000"/>
+      </a:lnSpc>
+      <a:spcBef>
+        <a:spcPts val="0"/>
+      </a:spcBef>
+      <a:spcAft>
+        <a:spcPts val="0"/>
+      </a:spcAft>
     </a:defPPr>
-    <a:lvl1pPr marL="0" algn="l" defTabSz="457200" rtl="0" eaLnBrk="1" latinLnBrk="0" hangingPunct="1">
-      <a:defRPr sz="1800" kern="1200">
+    <a:lvl1pPr marR="0" lvl="0" algn="l" rtl="0">
+      <a:lnSpc>
+        <a:spcPct val="100000"/>
+      </a:lnSpc>
+      <a:spcBef>
+        <a:spcPts val="0"/>
+      </a:spcBef>
+      <a:spcAft>
+        <a:spcPts val="0"/>
+      </a:spcAft>
+      <a:buClr>
+        <a:srgbClr val="000000"/>
+      </a:buClr>
+      <a:buFont typeface="Arial"/>
+      <a:defRPr sz="1400" b="0" i="0" u="none" strike="noStrike" cap="none">
         <a:solidFill>
-          <a:schemeClr val="tx1"/>
+          <a:srgbClr val="000000"/>
         </a:solidFill>
-        <a:latin typeface="+mn-lt"/>
-        <a:ea typeface="+mn-ea"/>
-        <a:cs typeface="+mn-cs"/>
+        <a:latin typeface="Arial"/>
+        <a:ea typeface="Arial"/>
+        <a:cs typeface="Arial"/>
+        <a:sym typeface="Arial"/>
       </a:defRPr>
     </a:lvl1pPr>
-    <a:lvl2pPr marL="457200" algn="l" defTabSz="457200" rtl="0" eaLnBrk="1" latinLnBrk="0" hangingPunct="1">
-      <a:defRPr sz="1800" kern="1200">
+    <a:lvl2pPr marR="0" lvl="1" algn="l" rtl="0">
+      <a:lnSpc>
+        <a:spcPct val="100000"/>
+      </a:lnSpc>
+      <a:spcBef>
+        <a:spcPts val="0"/>
+      </a:spcBef>
+      <a:spcAft>
+        <a:spcPts val="0"/>
+      </a:spcAft>
+      <a:buClr>
+        <a:srgbClr val="000000"/>
+      </a:buClr>
+      <a:buFont typeface="Arial"/>
+      <a:defRPr sz="1400" b="0" i="0" u="none" strike="noStrike" cap="none">
         <a:solidFill>
-          <a:schemeClr val="tx1"/>
+          <a:srgbClr val="000000"/>
         </a:solidFill>
-        <a:latin typeface="+mn-lt"/>
-        <a:ea typeface="+mn-ea"/>
-        <a:cs typeface="+mn-cs"/>
+        <a:latin typeface="Arial"/>
+        <a:ea typeface="Arial"/>
+        <a:cs typeface="Arial"/>
+        <a:sym typeface="Arial"/>
       </a:defRPr>
     </a:lvl2pPr>
-    <a:lvl3pPr marL="914400" algn="l" defTabSz="457200" rtl="0" eaLnBrk="1" latinLnBrk="0" hangingPunct="1">
-      <a:defRPr sz="1800" kern="1200">
+    <a:lvl3pPr marR="0" lvl="2" algn="l" rtl="0">
+      <a:lnSpc>
+        <a:spcPct val="100000"/>
+      </a:lnSpc>
+      <a:spcBef>
+        <a:spcPts val="0"/>
+      </a:spcBef>
+      <a:spcAft>
+        <a:spcPts val="0"/>
+      </a:spcAft>
+      <a:buClr>
+        <a:srgbClr val="000000"/>
+      </a:buClr>
+      <a:buFont typeface="Arial"/>
+      <a:defRPr sz="1400" b="0" i="0" u="none" strike="noStrike" cap="none">
         <a:solidFill>
-          <a:schemeClr val="tx1"/>
+          <a:srgbClr val="000000"/>
         </a:solidFill>
-        <a:latin typeface="+mn-lt"/>
-        <a:ea typeface="+mn-ea"/>
-        <a:cs typeface="+mn-cs"/>
+        <a:latin typeface="Arial"/>
+        <a:ea typeface="Arial"/>
+        <a:cs typeface="Arial"/>
+        <a:sym typeface="Arial"/>
       </a:defRPr>
     </a:lvl3pPr>
-    <a:lvl4pPr marL="1371600" algn="l" defTabSz="457200" rtl="0" eaLnBrk="1" latinLnBrk="0" hangingPunct="1">
-      <a:defRPr sz="1800" kern="1200">
+    <a:lvl4pPr marR="0" lvl="3" algn="l" rtl="0">
+      <a:lnSpc>
+        <a:spcPct val="100000"/>
+      </a:lnSpc>
+      <a:spcBef>
+        <a:spcPts val="0"/>
+      </a:spcBef>
+      <a:spcAft>
+        <a:spcPts val="0"/>
+      </a:spcAft>
+      <a:buClr>
+        <a:srgbClr val="000000"/>
+      </a:buClr>
+      <a:buFont typeface="Arial"/>
+      <a:defRPr sz="1400" b="0" i="0" u="none" strike="noStrike" cap="none">
         <a:solidFill>
-          <a:schemeClr val="tx1"/>
+          <a:srgbClr val="000000"/>
         </a:solidFill>
-        <a:latin typeface="+mn-lt"/>
-        <a:ea typeface="+mn-ea"/>
-        <a:cs typeface="+mn-cs"/>
+        <a:latin typeface="Arial"/>
+        <a:ea typeface="Arial"/>
+        <a:cs typeface="Arial"/>
+        <a:sym typeface="Arial"/>
       </a:defRPr>
     </a:lvl4pPr>
-    <a:lvl5pPr marL="1828800" algn="l" defTabSz="457200" rtl="0" eaLnBrk="1" latinLnBrk="0" hangingPunct="1">
-      <a:defRPr sz="1800" kern="1200">
+    <a:lvl5pPr marR="0" lvl="4" algn="l" rtl="0">
+      <a:lnSpc>
+        <a:spcPct val="100000"/>
+      </a:lnSpc>
+      <a:spcBef>
+        <a:spcPts val="0"/>
+      </a:spcBef>
+      <a:spcAft>
+        <a:spcPts val="0"/>
+      </a:spcAft>
+      <a:buClr>
+        <a:srgbClr val="000000"/>
+      </a:buClr>
+      <a:buFont typeface="Arial"/>
+      <a:defRPr sz="1400" b="0" i="0" u="none" strike="noStrike" cap="none">
         <a:solidFill>
-          <a:schemeClr val="tx1"/>
+          <a:srgbClr val="000000"/>
         </a:solidFill>
-        <a:latin typeface="+mn-lt"/>
-        <a:ea typeface="+mn-ea"/>
-        <a:cs typeface="+mn-cs"/>
+        <a:latin typeface="Arial"/>
+        <a:ea typeface="Arial"/>
+        <a:cs typeface="Arial"/>
+        <a:sym typeface="Arial"/>
       </a:defRPr>
     </a:lvl5pPr>
-    <a:lvl6pPr marL="2286000" algn="l" defTabSz="457200" rtl="0" eaLnBrk="1" latinLnBrk="0" hangingPunct="1">
-      <a:defRPr sz="1800" kern="1200">
+    <a:lvl6pPr marR="0" lvl="5" algn="l" rtl="0">
+      <a:lnSpc>
+        <a:spcPct val="100000"/>
+      </a:lnSpc>
+      <a:spcBef>
+        <a:spcPts val="0"/>
+      </a:spcBef>
+      <a:spcAft>
+        <a:spcPts val="0"/>
+      </a:spcAft>
+      <a:buClr>
+        <a:srgbClr val="000000"/>
+      </a:buClr>
+      <a:buFont typeface="Arial"/>
+      <a:defRPr sz="1400" b="0" i="0" u="none" strike="noStrike" cap="none">
         <a:solidFill>
-          <a:schemeClr val="tx1"/>
+          <a:srgbClr val="000000"/>
         </a:solidFill>
-        <a:latin typeface="+mn-lt"/>
-        <a:ea typeface="+mn-ea"/>
-        <a:cs typeface="+mn-cs"/>
+        <a:latin typeface="Arial"/>
+        <a:ea typeface="Arial"/>
+        <a:cs typeface="Arial"/>
+        <a:sym typeface="Arial"/>
       </a:defRPr>
     </a:lvl6pPr>
-    <a:lvl7pPr marL="2743200" algn="l" defTabSz="457200" rtl="0" eaLnBrk="1" latinLnBrk="0" hangingPunct="1">
-      <a:defRPr sz="1800" kern="1200">
+    <a:lvl7pPr marR="0" lvl="6" algn="l" rtl="0">
+      <a:lnSpc>
+        <a:spcPct val="100000"/>
+      </a:lnSpc>
+      <a:spcBef>
+        <a:spcPts val="0"/>
+      </a:spcBef>
+      <a:spcAft>
+        <a:spcPts val="0"/>
+      </a:spcAft>
+      <a:buClr>
+        <a:srgbClr val="000000"/>
+      </a:buClr>
+      <a:buFont typeface="Arial"/>
+      <a:defRPr sz="1400" b="0" i="0" u="none" strike="noStrike" cap="none">
         <a:solidFill>
-          <a:schemeClr val="tx1"/>
+          <a:srgbClr val="000000"/>
         </a:solidFill>
-        <a:latin typeface="+mn-lt"/>
-        <a:ea typeface="+mn-ea"/>
-        <a:cs typeface="+mn-cs"/>
+        <a:latin typeface="Arial"/>
+        <a:ea typeface="Arial"/>
+        <a:cs typeface="Arial"/>
+        <a:sym typeface="Arial"/>
       </a:defRPr>
     </a:lvl7pPr>
-    <a:lvl8pPr marL="3200400" algn="l" defTabSz="457200" rtl="0" eaLnBrk="1" latinLnBrk="0" hangingPunct="1">
-      <a:defRPr sz="1800" kern="1200">
+    <a:lvl8pPr marR="0" lvl="7" algn="l" rtl="0">
+      <a:lnSpc>
+        <a:spcPct val="100000"/>
+      </a:lnSpc>
+      <a:spcBef>
+        <a:spcPts val="0"/>
+      </a:spcBef>
+      <a:spcAft>
+        <a:spcPts val="0"/>
+      </a:spcAft>
+      <a:buClr>
+        <a:srgbClr val="000000"/>
+      </a:buClr>
+      <a:buFont typeface="Arial"/>
+      <a:defRPr sz="1400" b="0" i="0" u="none" strike="noStrike" cap="none">
         <a:solidFill>
-          <a:schemeClr val="tx1"/>
+          <a:srgbClr val="000000"/>
         </a:solidFill>
-        <a:latin typeface="+mn-lt"/>
-        <a:ea typeface="+mn-ea"/>
-        <a:cs typeface="+mn-cs"/>
+        <a:latin typeface="Arial"/>
+        <a:ea typeface="Arial"/>
+        <a:cs typeface="Arial"/>
+        <a:sym typeface="Arial"/>
       </a:defRPr>
     </a:lvl8pPr>
-    <a:lvl9pPr marL="3657600" algn="l" defTabSz="457200" rtl="0" eaLnBrk="1" latinLnBrk="0" hangingPunct="1">
-      <a:defRPr sz="1800" kern="1200">
+    <a:lvl9pPr marR="0" lvl="8" algn="l" rtl="0">
+      <a:lnSpc>
+        <a:spcPct val="100000"/>
+      </a:lnSpc>
+      <a:spcBef>
+        <a:spcPts val="0"/>
+      </a:spcBef>
+      <a:spcAft>
+        <a:spcPts val="0"/>
+      </a:spcAft>
+      <a:buClr>
+        <a:srgbClr val="000000"/>
+      </a:buClr>
+      <a:buFont typeface="Arial"/>
+      <a:defRPr sz="1400" b="0" i="0" u="none" strike="noStrike" cap="none">
         <a:solidFill>
-          <a:schemeClr val="tx1"/>
+          <a:srgbClr val="000000"/>
         </a:solidFill>
-        <a:latin typeface="+mn-lt"/>
-        <a:ea typeface="+mn-ea"/>
-        <a:cs typeface="+mn-cs"/>
+        <a:latin typeface="Arial"/>
+        <a:ea typeface="Arial"/>
+        <a:cs typeface="Arial"/>
+        <a:sym typeface="Arial"/>
       </a:defRPr>
     </a:lvl9pPr>
   </p:defaultTextStyle>
   <p:extLst>
     <p:ext uri="{EFAFB233-063F-42B5-8137-9DF3F51BA10A}">
-      <p15:sldGuideLst xmlns:p15="http://schemas.microsoft.com/office/powerpoint/2012/main">
-        <p15:guide id="1" orient="horz" pos="2160">
-          <p15:clr>
-            <a:srgbClr val="A4A3A4"/>
-          </p15:clr>
-        </p15:guide>
-        <p15:guide id="2" pos="2880">
-          <p15:clr>
-            <a:srgbClr val="A4A3A4"/>
-          </p15:clr>
-        </p15:guide>
-      </p15:sldGuideLst>
+      <p15:sldGuideLst xmlns:p15="http://schemas.microsoft.com/office/powerpoint/2012/main"/>
     </p:ext>
   </p:extLst>
 </p:presentation>
@@ -135,13 +259,16 @@
 <p:notesMaster xmlns:a="http://schemas.openxmlformats.org/drawingml/2006/main" xmlns:r="http://schemas.openxmlformats.org/officeDocument/2006/relationships" xmlns:p="http://schemas.openxmlformats.org/presentationml/2006/main">
   <p:cSld>
     <p:bg>
-      <p:bgRef idx="1001">
-        <a:schemeClr val="bg1"/>
-      </p:bgRef>
+      <p:bgPr>
+        <a:solidFill>
+          <a:schemeClr val="lt1"/>
+        </a:solidFill>
+        <a:effectLst/>
+      </p:bgPr>
     </p:bg>
     <p:spTree>
       <p:nvGrpSpPr>
-        <p:cNvPr id="1" name=""/>
+        <p:cNvPr id="1" name="Shape 2"/>
         <p:cNvGrpSpPr/>
         <p:nvPr/>
       </p:nvGrpSpPr>
@@ -155,12 +282,12 @@
       </p:grpSpPr>
       <p:sp>
         <p:nvSpPr>
-          <p:cNvPr id="2" name="Header Placeholder 1"/>
-          <p:cNvSpPr>
+          <p:cNvPr id="3" name="Shape 3"/>
+          <p:cNvSpPr txBox="1">
             <a:spLocks noGrp="1"/>
           </p:cNvSpPr>
           <p:nvPr>
-            <p:ph type="hdr" sz="quarter"/>
+            <p:ph type="hdr" idx="2"/>
           </p:nvPr>
         </p:nvSpPr>
         <p:spPr>
@@ -171,27 +298,199 @@
           <a:prstGeom prst="rect">
             <a:avLst/>
           </a:prstGeom>
+          <a:noFill/>
+          <a:ln>
+            <a:noFill/>
+          </a:ln>
         </p:spPr>
         <p:txBody>
-          <a:bodyPr vert="horz" lIns="91440" tIns="45720" rIns="91440" bIns="45720" rtlCol="0"/>
+          <a:bodyPr spcFirstLastPara="1" wrap="square" lIns="91425" tIns="91425" rIns="91425" bIns="91425" anchor="t" anchorCtr="0"/>
           <a:lstStyle>
-            <a:lvl1pPr algn="l">
-              <a:defRPr sz="1200"/>
+            <a:lvl1pPr marR="0" lvl="0" algn="l" rtl="0">
+              <a:spcBef>
+                <a:spcPts val="0"/>
+              </a:spcBef>
+              <a:spcAft>
+                <a:spcPts val="0"/>
+              </a:spcAft>
+              <a:buSzPts val="1400"/>
+              <a:buNone/>
+              <a:defRPr sz="1200" b="0" i="0" u="none" strike="noStrike" cap="none">
+                <a:solidFill>
+                  <a:schemeClr val="dk1"/>
+                </a:solidFill>
+                <a:latin typeface="Calibri"/>
+                <a:ea typeface="Calibri"/>
+                <a:cs typeface="Calibri"/>
+                <a:sym typeface="Calibri"/>
+              </a:defRPr>
             </a:lvl1pPr>
+            <a:lvl2pPr marR="0" lvl="1" algn="l" rtl="0">
+              <a:spcBef>
+                <a:spcPts val="0"/>
+              </a:spcBef>
+              <a:spcAft>
+                <a:spcPts val="0"/>
+              </a:spcAft>
+              <a:buSzPts val="1400"/>
+              <a:buNone/>
+              <a:defRPr sz="1800" b="0" i="0" u="none" strike="noStrike" cap="none">
+                <a:solidFill>
+                  <a:schemeClr val="dk1"/>
+                </a:solidFill>
+                <a:latin typeface="Calibri"/>
+                <a:ea typeface="Calibri"/>
+                <a:cs typeface="Calibri"/>
+                <a:sym typeface="Calibri"/>
+              </a:defRPr>
+            </a:lvl2pPr>
+            <a:lvl3pPr marR="0" lvl="2" algn="l" rtl="0">
+              <a:spcBef>
+                <a:spcPts val="0"/>
+              </a:spcBef>
+              <a:spcAft>
+                <a:spcPts val="0"/>
+              </a:spcAft>
+              <a:buSzPts val="1400"/>
+              <a:buNone/>
+              <a:defRPr sz="1800" b="0" i="0" u="none" strike="noStrike" cap="none">
+                <a:solidFill>
+                  <a:schemeClr val="dk1"/>
+                </a:solidFill>
+                <a:latin typeface="Calibri"/>
+                <a:ea typeface="Calibri"/>
+                <a:cs typeface="Calibri"/>
+                <a:sym typeface="Calibri"/>
+              </a:defRPr>
+            </a:lvl3pPr>
+            <a:lvl4pPr marR="0" lvl="3" algn="l" rtl="0">
+              <a:spcBef>
+                <a:spcPts val="0"/>
+              </a:spcBef>
+              <a:spcAft>
+                <a:spcPts val="0"/>
+              </a:spcAft>
+              <a:buSzPts val="1400"/>
+              <a:buNone/>
+              <a:defRPr sz="1800" b="0" i="0" u="none" strike="noStrike" cap="none">
+                <a:solidFill>
+                  <a:schemeClr val="dk1"/>
+                </a:solidFill>
+                <a:latin typeface="Calibri"/>
+                <a:ea typeface="Calibri"/>
+                <a:cs typeface="Calibri"/>
+                <a:sym typeface="Calibri"/>
+              </a:defRPr>
+            </a:lvl4pPr>
+            <a:lvl5pPr marR="0" lvl="4" algn="l" rtl="0">
+              <a:spcBef>
+                <a:spcPts val="0"/>
+              </a:spcBef>
+              <a:spcAft>
+                <a:spcPts val="0"/>
+              </a:spcAft>
+              <a:buSzPts val="1400"/>
+              <a:buNone/>
+              <a:defRPr sz="1800" b="0" i="0" u="none" strike="noStrike" cap="none">
+                <a:solidFill>
+                  <a:schemeClr val="dk1"/>
+                </a:solidFill>
+                <a:latin typeface="Calibri"/>
+                <a:ea typeface="Calibri"/>
+                <a:cs typeface="Calibri"/>
+                <a:sym typeface="Calibri"/>
+              </a:defRPr>
+            </a:lvl5pPr>
+            <a:lvl6pPr marR="0" lvl="5" algn="l" rtl="0">
+              <a:spcBef>
+                <a:spcPts val="0"/>
+              </a:spcBef>
+              <a:spcAft>
+                <a:spcPts val="0"/>
+              </a:spcAft>
+              <a:buSzPts val="1400"/>
+              <a:buNone/>
+              <a:defRPr sz="1800" b="0" i="0" u="none" strike="noStrike" cap="none">
+                <a:solidFill>
+                  <a:schemeClr val="dk1"/>
+                </a:solidFill>
+                <a:latin typeface="Calibri"/>
+                <a:ea typeface="Calibri"/>
+                <a:cs typeface="Calibri"/>
+                <a:sym typeface="Calibri"/>
+              </a:defRPr>
+            </a:lvl6pPr>
+            <a:lvl7pPr marR="0" lvl="6" algn="l" rtl="0">
+              <a:spcBef>
+                <a:spcPts val="0"/>
+              </a:spcBef>
+              <a:spcAft>
+                <a:spcPts val="0"/>
+              </a:spcAft>
+              <a:buSzPts val="1400"/>
+              <a:buNone/>
+              <a:defRPr sz="1800" b="0" i="0" u="none" strike="noStrike" cap="none">
+                <a:solidFill>
+                  <a:schemeClr val="dk1"/>
+                </a:solidFill>
+                <a:latin typeface="Calibri"/>
+                <a:ea typeface="Calibri"/>
+                <a:cs typeface="Calibri"/>
+                <a:sym typeface="Calibri"/>
+              </a:defRPr>
+            </a:lvl7pPr>
+            <a:lvl8pPr marR="0" lvl="7" algn="l" rtl="0">
+              <a:spcBef>
+                <a:spcPts val="0"/>
+              </a:spcBef>
+              <a:spcAft>
+                <a:spcPts val="0"/>
+              </a:spcAft>
+              <a:buSzPts val="1400"/>
+              <a:buNone/>
+              <a:defRPr sz="1800" b="0" i="0" u="none" strike="noStrike" cap="none">
+                <a:solidFill>
+                  <a:schemeClr val="dk1"/>
+                </a:solidFill>
+                <a:latin typeface="Calibri"/>
+                <a:ea typeface="Calibri"/>
+                <a:cs typeface="Calibri"/>
+                <a:sym typeface="Calibri"/>
+              </a:defRPr>
+            </a:lvl8pPr>
+            <a:lvl9pPr marR="0" lvl="8" algn="l" rtl="0">
+              <a:spcBef>
+                <a:spcPts val="0"/>
+              </a:spcBef>
+              <a:spcAft>
+                <a:spcPts val="0"/>
+              </a:spcAft>
+              <a:buSzPts val="1400"/>
+              <a:buNone/>
+              <a:defRPr sz="1800" b="0" i="0" u="none" strike="noStrike" cap="none">
+                <a:solidFill>
+                  <a:schemeClr val="dk1"/>
+                </a:solidFill>
+                <a:latin typeface="Calibri"/>
+                <a:ea typeface="Calibri"/>
+                <a:cs typeface="Calibri"/>
+                <a:sym typeface="Calibri"/>
+              </a:defRPr>
+            </a:lvl9pPr>
           </a:lstStyle>
           <a:p>
-            <a:endParaRPr lang="en-US"/>
+            <a:endParaRPr/>
           </a:p>
         </p:txBody>
       </p:sp>
       <p:sp>
         <p:nvSpPr>
-          <p:cNvPr id="3" name="Date Placeholder 2"/>
-          <p:cNvSpPr>
+          <p:cNvPr id="4" name="Shape 4"/>
+          <p:cNvSpPr txBox="1">
             <a:spLocks noGrp="1"/>
           </p:cNvSpPr>
           <p:nvPr>
-            <p:ph type="dt" idx="1"/>
+            <p:ph type="dt" idx="10"/>
           </p:nvPr>
         </p:nvSpPr>
         <p:spPr>
@@ -202,64 +501,250 @@
           <a:prstGeom prst="rect">
             <a:avLst/>
           </a:prstGeom>
+          <a:noFill/>
+          <a:ln>
+            <a:noFill/>
+          </a:ln>
         </p:spPr>
         <p:txBody>
-          <a:bodyPr vert="horz" lIns="91440" tIns="45720" rIns="91440" bIns="45720" rtlCol="0"/>
+          <a:bodyPr spcFirstLastPara="1" wrap="square" lIns="91425" tIns="91425" rIns="91425" bIns="91425" anchor="t" anchorCtr="0"/>
           <a:lstStyle>
-            <a:lvl1pPr algn="r">
-              <a:defRPr sz="1200"/>
+            <a:lvl1pPr marR="0" lvl="0" algn="r" rtl="0">
+              <a:spcBef>
+                <a:spcPts val="0"/>
+              </a:spcBef>
+              <a:spcAft>
+                <a:spcPts val="0"/>
+              </a:spcAft>
+              <a:buSzPts val="1400"/>
+              <a:buNone/>
+              <a:defRPr sz="1200" b="0" i="0" u="none" strike="noStrike" cap="none">
+                <a:solidFill>
+                  <a:schemeClr val="dk1"/>
+                </a:solidFill>
+                <a:latin typeface="Calibri"/>
+                <a:ea typeface="Calibri"/>
+                <a:cs typeface="Calibri"/>
+                <a:sym typeface="Calibri"/>
+              </a:defRPr>
             </a:lvl1pPr>
+            <a:lvl2pPr marR="0" lvl="1" algn="l" rtl="0">
+              <a:spcBef>
+                <a:spcPts val="0"/>
+              </a:spcBef>
+              <a:spcAft>
+                <a:spcPts val="0"/>
+              </a:spcAft>
+              <a:buSzPts val="1400"/>
+              <a:buNone/>
+              <a:defRPr sz="1800" b="0" i="0" u="none" strike="noStrike" cap="none">
+                <a:solidFill>
+                  <a:schemeClr val="dk1"/>
+                </a:solidFill>
+                <a:latin typeface="Calibri"/>
+                <a:ea typeface="Calibri"/>
+                <a:cs typeface="Calibri"/>
+                <a:sym typeface="Calibri"/>
+              </a:defRPr>
+            </a:lvl2pPr>
+            <a:lvl3pPr marR="0" lvl="2" algn="l" rtl="0">
+              <a:spcBef>
+                <a:spcPts val="0"/>
+              </a:spcBef>
+              <a:spcAft>
+                <a:spcPts val="0"/>
+              </a:spcAft>
+              <a:buSzPts val="1400"/>
+              <a:buNone/>
+              <a:defRPr sz="1800" b="0" i="0" u="none" strike="noStrike" cap="none">
+                <a:solidFill>
+                  <a:schemeClr val="dk1"/>
+                </a:solidFill>
+                <a:latin typeface="Calibri"/>
+                <a:ea typeface="Calibri"/>
+                <a:cs typeface="Calibri"/>
+                <a:sym typeface="Calibri"/>
+              </a:defRPr>
+            </a:lvl3pPr>
+            <a:lvl4pPr marR="0" lvl="3" algn="l" rtl="0">
+              <a:spcBef>
+                <a:spcPts val="0"/>
+              </a:spcBef>
+              <a:spcAft>
+                <a:spcPts val="0"/>
+              </a:spcAft>
+              <a:buSzPts val="1400"/>
+              <a:buNone/>
+              <a:defRPr sz="1800" b="0" i="0" u="none" strike="noStrike" cap="none">
+                <a:solidFill>
+                  <a:schemeClr val="dk1"/>
+                </a:solidFill>
+                <a:latin typeface="Calibri"/>
+                <a:ea typeface="Calibri"/>
+                <a:cs typeface="Calibri"/>
+                <a:sym typeface="Calibri"/>
+              </a:defRPr>
+            </a:lvl4pPr>
+            <a:lvl5pPr marR="0" lvl="4" algn="l" rtl="0">
+              <a:spcBef>
+                <a:spcPts val="0"/>
+              </a:spcBef>
+              <a:spcAft>
+                <a:spcPts val="0"/>
+              </a:spcAft>
+              <a:buSzPts val="1400"/>
+              <a:buNone/>
+              <a:defRPr sz="1800" b="0" i="0" u="none" strike="noStrike" cap="none">
+                <a:solidFill>
+                  <a:schemeClr val="dk1"/>
+                </a:solidFill>
+                <a:latin typeface="Calibri"/>
+                <a:ea typeface="Calibri"/>
+                <a:cs typeface="Calibri"/>
+                <a:sym typeface="Calibri"/>
+              </a:defRPr>
+            </a:lvl5pPr>
+            <a:lvl6pPr marR="0" lvl="5" algn="l" rtl="0">
+              <a:spcBef>
+                <a:spcPts val="0"/>
+              </a:spcBef>
+              <a:spcAft>
+                <a:spcPts val="0"/>
+              </a:spcAft>
+              <a:buSzPts val="1400"/>
+              <a:buNone/>
+              <a:defRPr sz="1800" b="0" i="0" u="none" strike="noStrike" cap="none">
+                <a:solidFill>
+                  <a:schemeClr val="dk1"/>
+                </a:solidFill>
+                <a:latin typeface="Calibri"/>
+                <a:ea typeface="Calibri"/>
+                <a:cs typeface="Calibri"/>
+                <a:sym typeface="Calibri"/>
+              </a:defRPr>
+            </a:lvl6pPr>
+            <a:lvl7pPr marR="0" lvl="6" algn="l" rtl="0">
+              <a:spcBef>
+                <a:spcPts val="0"/>
+              </a:spcBef>
+              <a:spcAft>
+                <a:spcPts val="0"/>
+              </a:spcAft>
+              <a:buSzPts val="1400"/>
+              <a:buNone/>
+              <a:defRPr sz="1800" b="0" i="0" u="none" strike="noStrike" cap="none">
+                <a:solidFill>
+                  <a:schemeClr val="dk1"/>
+                </a:solidFill>
+                <a:latin typeface="Calibri"/>
+                <a:ea typeface="Calibri"/>
+                <a:cs typeface="Calibri"/>
+                <a:sym typeface="Calibri"/>
+              </a:defRPr>
+            </a:lvl7pPr>
+            <a:lvl8pPr marR="0" lvl="7" algn="l" rtl="0">
+              <a:spcBef>
+                <a:spcPts val="0"/>
+              </a:spcBef>
+              <a:spcAft>
+                <a:spcPts val="0"/>
+              </a:spcAft>
+              <a:buSzPts val="1400"/>
+              <a:buNone/>
+              <a:defRPr sz="1800" b="0" i="0" u="none" strike="noStrike" cap="none">
+                <a:solidFill>
+                  <a:schemeClr val="dk1"/>
+                </a:solidFill>
+                <a:latin typeface="Calibri"/>
+                <a:ea typeface="Calibri"/>
+                <a:cs typeface="Calibri"/>
+                <a:sym typeface="Calibri"/>
+              </a:defRPr>
+            </a:lvl8pPr>
+            <a:lvl9pPr marR="0" lvl="8" algn="l" rtl="0">
+              <a:spcBef>
+                <a:spcPts val="0"/>
+              </a:spcBef>
+              <a:spcAft>
+                <a:spcPts val="0"/>
+              </a:spcAft>
+              <a:buSzPts val="1400"/>
+              <a:buNone/>
+              <a:defRPr sz="1800" b="0" i="0" u="none" strike="noStrike" cap="none">
+                <a:solidFill>
+                  <a:schemeClr val="dk1"/>
+                </a:solidFill>
+                <a:latin typeface="Calibri"/>
+                <a:ea typeface="Calibri"/>
+                <a:cs typeface="Calibri"/>
+                <a:sym typeface="Calibri"/>
+              </a:defRPr>
+            </a:lvl9pPr>
           </a:lstStyle>
           <a:p>
-            <a:fld id="{0F9C1CCF-B725-44A7-AA57-5E433BD85C9F}" type="datetimeFigureOut">
-              <a:rPr lang="en-US" smtClean="0"/>
-              <a:t>2/17/2018</a:t>
-            </a:fld>
-            <a:endParaRPr lang="en-US"/>
+            <a:endParaRPr/>
           </a:p>
         </p:txBody>
       </p:sp>
       <p:sp>
         <p:nvSpPr>
-          <p:cNvPr id="4" name="Slide Image Placeholder 3"/>
+          <p:cNvPr id="5" name="Shape 5"/>
           <p:cNvSpPr>
             <a:spLocks noGrp="1" noRot="1" noChangeAspect="1"/>
           </p:cNvSpPr>
           <p:nvPr>
-            <p:ph type="sldImg" idx="2"/>
+            <p:ph type="sldImg" idx="3"/>
           </p:nvPr>
         </p:nvSpPr>
         <p:spPr>
           <a:xfrm>
-            <a:off x="1371600" y="1143000"/>
-            <a:ext cx="4114800" cy="3086100"/>
+            <a:off x="685800" y="1143000"/>
+            <a:ext cx="5486400" cy="3086100"/>
           </a:xfrm>
-          <a:prstGeom prst="rect">
+          <a:custGeom>
             <a:avLst/>
-          </a:prstGeom>
+            <a:gdLst/>
+            <a:ahLst/>
+            <a:cxnLst/>
+            <a:rect l="0" t="0" r="0" b="0"/>
+            <a:pathLst>
+              <a:path w="120000" h="120000" extrusionOk="0">
+                <a:moveTo>
+                  <a:pt x="0" y="0"/>
+                </a:moveTo>
+                <a:lnTo>
+                  <a:pt x="120000" y="0"/>
+                </a:lnTo>
+                <a:lnTo>
+                  <a:pt x="120000" y="120000"/>
+                </a:lnTo>
+                <a:lnTo>
+                  <a:pt x="0" y="120000"/>
+                </a:lnTo>
+                <a:close/>
+              </a:path>
+            </a:pathLst>
+          </a:custGeom>
           <a:noFill/>
-          <a:ln w="12700">
+          <a:ln w="12700" cap="flat" cmpd="sng">
             <a:solidFill>
-              <a:prstClr val="black"/>
+              <a:srgbClr val="000000"/>
             </a:solidFill>
+            <a:prstDash val="solid"/>
+            <a:round/>
+            <a:headEnd type="none" w="med" len="med"/>
+            <a:tailEnd type="none" w="med" len="med"/>
           </a:ln>
         </p:spPr>
-        <p:txBody>
-          <a:bodyPr vert="horz" lIns="91440" tIns="45720" rIns="91440" bIns="45720" rtlCol="0" anchor="ctr"/>
-          <a:lstStyle/>
-          <a:p>
-            <a:endParaRPr lang="en-US"/>
-          </a:p>
-        </p:txBody>
       </p:sp>
       <p:sp>
         <p:nvSpPr>
-          <p:cNvPr id="5" name="Notes Placeholder 4"/>
-          <p:cNvSpPr>
+          <p:cNvPr id="6" name="Shape 6"/>
+          <p:cNvSpPr txBox="1">
             <a:spLocks noGrp="1"/>
           </p:cNvSpPr>
           <p:nvPr>
-            <p:ph type="body" sz="quarter" idx="3"/>
+            <p:ph type="body" idx="1"/>
           </p:nvPr>
         </p:nvSpPr>
         <p:spPr>
@@ -270,56 +755,199 @@
           <a:prstGeom prst="rect">
             <a:avLst/>
           </a:prstGeom>
+          <a:noFill/>
+          <a:ln>
+            <a:noFill/>
+          </a:ln>
         </p:spPr>
         <p:txBody>
-          <a:bodyPr vert="horz" lIns="91440" tIns="45720" rIns="91440" bIns="45720" rtlCol="0"/>
-          <a:lstStyle/>
-          <a:p>
-            <a:pPr lvl="0"/>
-            <a:r>
-              <a:rPr lang="en-US" smtClean="0"/>
-              <a:t>Click to edit Master text styles</a:t>
-            </a:r>
-          </a:p>
-          <a:p>
-            <a:pPr lvl="1"/>
-            <a:r>
-              <a:rPr lang="en-US" smtClean="0"/>
-              <a:t>Second level</a:t>
-            </a:r>
-          </a:p>
-          <a:p>
-            <a:pPr lvl="2"/>
-            <a:r>
-              <a:rPr lang="en-US" smtClean="0"/>
-              <a:t>Third level</a:t>
-            </a:r>
-          </a:p>
-          <a:p>
-            <a:pPr lvl="3"/>
-            <a:r>
-              <a:rPr lang="en-US" smtClean="0"/>
-              <a:t>Fourth level</a:t>
-            </a:r>
-          </a:p>
-          <a:p>
-            <a:pPr lvl="4"/>
-            <a:r>
-              <a:rPr lang="en-US" smtClean="0"/>
-              <a:t>Fifth level</a:t>
-            </a:r>
-            <a:endParaRPr lang="en-US"/>
+          <a:bodyPr spcFirstLastPara="1" wrap="square" lIns="91425" tIns="91425" rIns="91425" bIns="91425" anchor="t" anchorCtr="0"/>
+          <a:lstStyle>
+            <a:lvl1pPr marL="457200" marR="0" lvl="0" indent="-228600" algn="l" rtl="0">
+              <a:spcBef>
+                <a:spcPts val="0"/>
+              </a:spcBef>
+              <a:spcAft>
+                <a:spcPts val="0"/>
+              </a:spcAft>
+              <a:buSzPts val="1400"/>
+              <a:buNone/>
+              <a:defRPr sz="1200" b="0" i="0" u="none" strike="noStrike" cap="none">
+                <a:solidFill>
+                  <a:schemeClr val="dk1"/>
+                </a:solidFill>
+                <a:latin typeface="Calibri"/>
+                <a:ea typeface="Calibri"/>
+                <a:cs typeface="Calibri"/>
+                <a:sym typeface="Calibri"/>
+              </a:defRPr>
+            </a:lvl1pPr>
+            <a:lvl2pPr marL="914400" marR="0" lvl="1" indent="-228600" algn="l" rtl="0">
+              <a:spcBef>
+                <a:spcPts val="0"/>
+              </a:spcBef>
+              <a:spcAft>
+                <a:spcPts val="0"/>
+              </a:spcAft>
+              <a:buSzPts val="1400"/>
+              <a:buNone/>
+              <a:defRPr sz="1200" b="0" i="0" u="none" strike="noStrike" cap="none">
+                <a:solidFill>
+                  <a:schemeClr val="dk1"/>
+                </a:solidFill>
+                <a:latin typeface="Calibri"/>
+                <a:ea typeface="Calibri"/>
+                <a:cs typeface="Calibri"/>
+                <a:sym typeface="Calibri"/>
+              </a:defRPr>
+            </a:lvl2pPr>
+            <a:lvl3pPr marL="1371600" marR="0" lvl="2" indent="-228600" algn="l" rtl="0">
+              <a:spcBef>
+                <a:spcPts val="0"/>
+              </a:spcBef>
+              <a:spcAft>
+                <a:spcPts val="0"/>
+              </a:spcAft>
+              <a:buSzPts val="1400"/>
+              <a:buNone/>
+              <a:defRPr sz="1200" b="0" i="0" u="none" strike="noStrike" cap="none">
+                <a:solidFill>
+                  <a:schemeClr val="dk1"/>
+                </a:solidFill>
+                <a:latin typeface="Calibri"/>
+                <a:ea typeface="Calibri"/>
+                <a:cs typeface="Calibri"/>
+                <a:sym typeface="Calibri"/>
+              </a:defRPr>
+            </a:lvl3pPr>
+            <a:lvl4pPr marL="1828800" marR="0" lvl="3" indent="-228600" algn="l" rtl="0">
+              <a:spcBef>
+                <a:spcPts val="0"/>
+              </a:spcBef>
+              <a:spcAft>
+                <a:spcPts val="0"/>
+              </a:spcAft>
+              <a:buSzPts val="1400"/>
+              <a:buNone/>
+              <a:defRPr sz="1200" b="0" i="0" u="none" strike="noStrike" cap="none">
+                <a:solidFill>
+                  <a:schemeClr val="dk1"/>
+                </a:solidFill>
+                <a:latin typeface="Calibri"/>
+                <a:ea typeface="Calibri"/>
+                <a:cs typeface="Calibri"/>
+                <a:sym typeface="Calibri"/>
+              </a:defRPr>
+            </a:lvl4pPr>
+            <a:lvl5pPr marL="2286000" marR="0" lvl="4" indent="-228600" algn="l" rtl="0">
+              <a:spcBef>
+                <a:spcPts val="0"/>
+              </a:spcBef>
+              <a:spcAft>
+                <a:spcPts val="0"/>
+              </a:spcAft>
+              <a:buSzPts val="1400"/>
+              <a:buNone/>
+              <a:defRPr sz="1200" b="0" i="0" u="none" strike="noStrike" cap="none">
+                <a:solidFill>
+                  <a:schemeClr val="dk1"/>
+                </a:solidFill>
+                <a:latin typeface="Calibri"/>
+                <a:ea typeface="Calibri"/>
+                <a:cs typeface="Calibri"/>
+                <a:sym typeface="Calibri"/>
+              </a:defRPr>
+            </a:lvl5pPr>
+            <a:lvl6pPr marL="2743200" marR="0" lvl="5" indent="-228600" algn="l" rtl="0">
+              <a:spcBef>
+                <a:spcPts val="0"/>
+              </a:spcBef>
+              <a:spcAft>
+                <a:spcPts val="0"/>
+              </a:spcAft>
+              <a:buSzPts val="1400"/>
+              <a:buNone/>
+              <a:defRPr sz="1200" b="0" i="0" u="none" strike="noStrike" cap="none">
+                <a:solidFill>
+                  <a:schemeClr val="dk1"/>
+                </a:solidFill>
+                <a:latin typeface="Calibri"/>
+                <a:ea typeface="Calibri"/>
+                <a:cs typeface="Calibri"/>
+                <a:sym typeface="Calibri"/>
+              </a:defRPr>
+            </a:lvl6pPr>
+            <a:lvl7pPr marL="3200400" marR="0" lvl="6" indent="-228600" algn="l" rtl="0">
+              <a:spcBef>
+                <a:spcPts val="0"/>
+              </a:spcBef>
+              <a:spcAft>
+                <a:spcPts val="0"/>
+              </a:spcAft>
+              <a:buSzPts val="1400"/>
+              <a:buNone/>
+              <a:defRPr sz="1200" b="0" i="0" u="none" strike="noStrike" cap="none">
+                <a:solidFill>
+                  <a:schemeClr val="dk1"/>
+                </a:solidFill>
+                <a:latin typeface="Calibri"/>
+                <a:ea typeface="Calibri"/>
+                <a:cs typeface="Calibri"/>
+                <a:sym typeface="Calibri"/>
+              </a:defRPr>
+            </a:lvl7pPr>
+            <a:lvl8pPr marL="3657600" marR="0" lvl="7" indent="-228600" algn="l" rtl="0">
+              <a:spcBef>
+                <a:spcPts val="0"/>
+              </a:spcBef>
+              <a:spcAft>
+                <a:spcPts val="0"/>
+              </a:spcAft>
+              <a:buSzPts val="1400"/>
+              <a:buNone/>
+              <a:defRPr sz="1200" b="0" i="0" u="none" strike="noStrike" cap="none">
+                <a:solidFill>
+                  <a:schemeClr val="dk1"/>
+                </a:solidFill>
+                <a:latin typeface="Calibri"/>
+                <a:ea typeface="Calibri"/>
+                <a:cs typeface="Calibri"/>
+                <a:sym typeface="Calibri"/>
+              </a:defRPr>
+            </a:lvl8pPr>
+            <a:lvl9pPr marL="4114800" marR="0" lvl="8" indent="-228600" algn="l" rtl="0">
+              <a:spcBef>
+                <a:spcPts val="0"/>
+              </a:spcBef>
+              <a:spcAft>
+                <a:spcPts val="0"/>
+              </a:spcAft>
+              <a:buSzPts val="1400"/>
+              <a:buNone/>
+              <a:defRPr sz="1200" b="0" i="0" u="none" strike="noStrike" cap="none">
+                <a:solidFill>
+                  <a:schemeClr val="dk1"/>
+                </a:solidFill>
+                <a:latin typeface="Calibri"/>
+                <a:ea typeface="Calibri"/>
+                <a:cs typeface="Calibri"/>
+                <a:sym typeface="Calibri"/>
+              </a:defRPr>
+            </a:lvl9pPr>
+          </a:lstStyle>
+          <a:p>
+            <a:endParaRPr/>
           </a:p>
         </p:txBody>
       </p:sp>
       <p:sp>
         <p:nvSpPr>
-          <p:cNvPr id="6" name="Footer Placeholder 5"/>
-          <p:cNvSpPr>
+          <p:cNvPr id="7" name="Shape 7"/>
+          <p:cNvSpPr txBox="1">
             <a:spLocks noGrp="1"/>
           </p:cNvSpPr>
           <p:nvPr>
-            <p:ph type="ftr" sz="quarter" idx="4"/>
+            <p:ph type="ftr" idx="11"/>
           </p:nvPr>
         </p:nvSpPr>
         <p:spPr>
@@ -330,27 +958,199 @@
           <a:prstGeom prst="rect">
             <a:avLst/>
           </a:prstGeom>
+          <a:noFill/>
+          <a:ln>
+            <a:noFill/>
+          </a:ln>
         </p:spPr>
         <p:txBody>
-          <a:bodyPr vert="horz" lIns="91440" tIns="45720" rIns="91440" bIns="45720" rtlCol="0" anchor="b"/>
+          <a:bodyPr spcFirstLastPara="1" wrap="square" lIns="91425" tIns="91425" rIns="91425" bIns="91425" anchor="b" anchorCtr="0"/>
           <a:lstStyle>
-            <a:lvl1pPr algn="l">
-              <a:defRPr sz="1200"/>
+            <a:lvl1pPr marR="0" lvl="0" algn="l" rtl="0">
+              <a:spcBef>
+                <a:spcPts val="0"/>
+              </a:spcBef>
+              <a:spcAft>
+                <a:spcPts val="0"/>
+              </a:spcAft>
+              <a:buSzPts val="1400"/>
+              <a:buNone/>
+              <a:defRPr sz="1200" b="0" i="0" u="none" strike="noStrike" cap="none">
+                <a:solidFill>
+                  <a:schemeClr val="dk1"/>
+                </a:solidFill>
+                <a:latin typeface="Calibri"/>
+                <a:ea typeface="Calibri"/>
+                <a:cs typeface="Calibri"/>
+                <a:sym typeface="Calibri"/>
+              </a:defRPr>
             </a:lvl1pPr>
+            <a:lvl2pPr marR="0" lvl="1" algn="l" rtl="0">
+              <a:spcBef>
+                <a:spcPts val="0"/>
+              </a:spcBef>
+              <a:spcAft>
+                <a:spcPts val="0"/>
+              </a:spcAft>
+              <a:buSzPts val="1400"/>
+              <a:buNone/>
+              <a:defRPr sz="1800" b="0" i="0" u="none" strike="noStrike" cap="none">
+                <a:solidFill>
+                  <a:schemeClr val="dk1"/>
+                </a:solidFill>
+                <a:latin typeface="Calibri"/>
+                <a:ea typeface="Calibri"/>
+                <a:cs typeface="Calibri"/>
+                <a:sym typeface="Calibri"/>
+              </a:defRPr>
+            </a:lvl2pPr>
+            <a:lvl3pPr marR="0" lvl="2" algn="l" rtl="0">
+              <a:spcBef>
+                <a:spcPts val="0"/>
+              </a:spcBef>
+              <a:spcAft>
+                <a:spcPts val="0"/>
+              </a:spcAft>
+              <a:buSzPts val="1400"/>
+              <a:buNone/>
+              <a:defRPr sz="1800" b="0" i="0" u="none" strike="noStrike" cap="none">
+                <a:solidFill>
+                  <a:schemeClr val="dk1"/>
+                </a:solidFill>
+                <a:latin typeface="Calibri"/>
+                <a:ea typeface="Calibri"/>
+                <a:cs typeface="Calibri"/>
+                <a:sym typeface="Calibri"/>
+              </a:defRPr>
+            </a:lvl3pPr>
+            <a:lvl4pPr marR="0" lvl="3" algn="l" rtl="0">
+              <a:spcBef>
+                <a:spcPts val="0"/>
+              </a:spcBef>
+              <a:spcAft>
+                <a:spcPts val="0"/>
+              </a:spcAft>
+              <a:buSzPts val="1400"/>
+              <a:buNone/>
+              <a:defRPr sz="1800" b="0" i="0" u="none" strike="noStrike" cap="none">
+                <a:solidFill>
+                  <a:schemeClr val="dk1"/>
+                </a:solidFill>
+                <a:latin typeface="Calibri"/>
+                <a:ea typeface="Calibri"/>
+                <a:cs typeface="Calibri"/>
+                <a:sym typeface="Calibri"/>
+              </a:defRPr>
+            </a:lvl4pPr>
+            <a:lvl5pPr marR="0" lvl="4" algn="l" rtl="0">
+              <a:spcBef>
+                <a:spcPts val="0"/>
+              </a:spcBef>
+              <a:spcAft>
+                <a:spcPts val="0"/>
+              </a:spcAft>
+              <a:buSzPts val="1400"/>
+              <a:buNone/>
+              <a:defRPr sz="1800" b="0" i="0" u="none" strike="noStrike" cap="none">
+                <a:solidFill>
+                  <a:schemeClr val="dk1"/>
+                </a:solidFill>
+                <a:latin typeface="Calibri"/>
+                <a:ea typeface="Calibri"/>
+                <a:cs typeface="Calibri"/>
+                <a:sym typeface="Calibri"/>
+              </a:defRPr>
+            </a:lvl5pPr>
+            <a:lvl6pPr marR="0" lvl="5" algn="l" rtl="0">
+              <a:spcBef>
+                <a:spcPts val="0"/>
+              </a:spcBef>
+              <a:spcAft>
+                <a:spcPts val="0"/>
+              </a:spcAft>
+              <a:buSzPts val="1400"/>
+              <a:buNone/>
+              <a:defRPr sz="1800" b="0" i="0" u="none" strike="noStrike" cap="none">
+                <a:solidFill>
+                  <a:schemeClr val="dk1"/>
+                </a:solidFill>
+                <a:latin typeface="Calibri"/>
+                <a:ea typeface="Calibri"/>
+                <a:cs typeface="Calibri"/>
+                <a:sym typeface="Calibri"/>
+              </a:defRPr>
+            </a:lvl6pPr>
+            <a:lvl7pPr marR="0" lvl="6" algn="l" rtl="0">
+              <a:spcBef>
+                <a:spcPts val="0"/>
+              </a:spcBef>
+              <a:spcAft>
+                <a:spcPts val="0"/>
+              </a:spcAft>
+              <a:buSzPts val="1400"/>
+              <a:buNone/>
+              <a:defRPr sz="1800" b="0" i="0" u="none" strike="noStrike" cap="none">
+                <a:solidFill>
+                  <a:schemeClr val="dk1"/>
+                </a:solidFill>
+                <a:latin typeface="Calibri"/>
+                <a:ea typeface="Calibri"/>
+                <a:cs typeface="Calibri"/>
+                <a:sym typeface="Calibri"/>
+              </a:defRPr>
+            </a:lvl7pPr>
+            <a:lvl8pPr marR="0" lvl="7" algn="l" rtl="0">
+              <a:spcBef>
+                <a:spcPts val="0"/>
+              </a:spcBef>
+              <a:spcAft>
+                <a:spcPts val="0"/>
+              </a:spcAft>
+              <a:buSzPts val="1400"/>
+              <a:buNone/>
+              <a:defRPr sz="1800" b="0" i="0" u="none" strike="noStrike" cap="none">
+                <a:solidFill>
+                  <a:schemeClr val="dk1"/>
+                </a:solidFill>
+                <a:latin typeface="Calibri"/>
+                <a:ea typeface="Calibri"/>
+                <a:cs typeface="Calibri"/>
+                <a:sym typeface="Calibri"/>
+              </a:defRPr>
+            </a:lvl8pPr>
+            <a:lvl9pPr marR="0" lvl="8" algn="l" rtl="0">
+              <a:spcBef>
+                <a:spcPts val="0"/>
+              </a:spcBef>
+              <a:spcAft>
+                <a:spcPts val="0"/>
+              </a:spcAft>
+              <a:buSzPts val="1400"/>
+              <a:buNone/>
+              <a:defRPr sz="1800" b="0" i="0" u="none" strike="noStrike" cap="none">
+                <a:solidFill>
+                  <a:schemeClr val="dk1"/>
+                </a:solidFill>
+                <a:latin typeface="Calibri"/>
+                <a:ea typeface="Calibri"/>
+                <a:cs typeface="Calibri"/>
+                <a:sym typeface="Calibri"/>
+              </a:defRPr>
+            </a:lvl9pPr>
           </a:lstStyle>
           <a:p>
-            <a:endParaRPr lang="en-US"/>
+            <a:endParaRPr/>
           </a:p>
         </p:txBody>
       </p:sp>
       <p:sp>
         <p:nvSpPr>
-          <p:cNvPr id="7" name="Slide Number Placeholder 6"/>
-          <p:cNvSpPr>
+          <p:cNvPr id="8" name="Shape 8"/>
+          <p:cNvSpPr txBox="1">
             <a:spLocks noGrp="1"/>
           </p:cNvSpPr>
           <p:nvPr>
-            <p:ph type="sldNum" sz="quarter" idx="5"/>
+            <p:ph type="sldNum" idx="12"/>
           </p:nvPr>
         </p:nvSpPr>
         <p:spPr>
@@ -361,120 +1161,279 @@
           <a:prstGeom prst="rect">
             <a:avLst/>
           </a:prstGeom>
+          <a:noFill/>
+          <a:ln>
+            <a:noFill/>
+          </a:ln>
         </p:spPr>
         <p:txBody>
-          <a:bodyPr vert="horz" lIns="91440" tIns="45720" rIns="91440" bIns="45720" rtlCol="0" anchor="b"/>
-          <a:lstStyle>
-            <a:lvl1pPr algn="r">
-              <a:defRPr sz="1200"/>
-            </a:lvl1pPr>
-          </a:lstStyle>
-          <a:p>
-            <a:fld id="{18BDFEC3-8487-43E8-A154-7C12CBC1FFF2}" type="slidenum">
-              <a:rPr lang="en-US" smtClean="0"/>
+          <a:bodyPr spcFirstLastPara="1" wrap="square" lIns="91425" tIns="45700" rIns="91425" bIns="45700" anchor="b" anchorCtr="0">
+            <a:noAutofit/>
+          </a:bodyPr>
+          <a:lstStyle/>
+          <a:p>
+            <a:pPr marL="0" marR="0" lvl="0" indent="0" algn="r" rtl="0">
+              <a:spcBef>
+                <a:spcPts val="0"/>
+              </a:spcBef>
+              <a:spcAft>
+                <a:spcPts val="0"/>
+              </a:spcAft>
+              <a:buNone/>
+            </a:pPr>
+            <a:fld id="{00000000-1234-1234-1234-123412341234}" type="slidenum">
+              <a:rPr lang="en-US" sz="1200" b="0" i="0" u="none" strike="noStrike" cap="none">
+                <a:solidFill>
+                  <a:schemeClr val="dk1"/>
+                </a:solidFill>
+                <a:latin typeface="Calibri"/>
+                <a:ea typeface="Calibri"/>
+                <a:cs typeface="Calibri"/>
+                <a:sym typeface="Calibri"/>
+              </a:rPr>
               <a:t>‹#›</a:t>
             </a:fld>
-            <a:endParaRPr lang="en-US"/>
+            <a:endParaRPr sz="1200" b="0" i="0" u="none" strike="noStrike" cap="none">
+              <a:solidFill>
+                <a:schemeClr val="dk1"/>
+              </a:solidFill>
+              <a:latin typeface="Calibri"/>
+              <a:ea typeface="Calibri"/>
+              <a:cs typeface="Calibri"/>
+              <a:sym typeface="Calibri"/>
+            </a:endParaRPr>
           </a:p>
         </p:txBody>
       </p:sp>
     </p:spTree>
-    <p:extLst>
-      <p:ext uri="{BB962C8B-B14F-4D97-AF65-F5344CB8AC3E}">
-        <p14:creationId xmlns:p14="http://schemas.microsoft.com/office/powerpoint/2010/main" val="3782709779"/>
-      </p:ext>
-    </p:extLst>
   </p:cSld>
-  <p:clrMap bg1="lt1" tx1="dk1" bg2="lt2" tx2="dk2" accent1="accent1" accent2="accent2" accent3="accent3" accent4="accent4" accent5="accent5" accent6="accent6" hlink="hlink" folHlink="folHlink"/>
+  <p:clrMap bg1="lt1" tx1="dk1" bg2="dk2" tx2="lt2" accent1="accent1" accent2="accent2" accent3="accent3" accent4="accent4" accent5="accent5" accent6="accent6" hlink="hlink" folHlink="folHlink"/>
   <p:notesStyle>
-    <a:lvl1pPr marL="0" algn="l" defTabSz="914400" rtl="0" eaLnBrk="1" latinLnBrk="0" hangingPunct="1">
-      <a:defRPr sz="1200" kern="1200">
+    <a:defPPr marR="0" lvl="0" algn="l" rtl="0">
+      <a:lnSpc>
+        <a:spcPct val="100000"/>
+      </a:lnSpc>
+      <a:spcBef>
+        <a:spcPts val="0"/>
+      </a:spcBef>
+      <a:spcAft>
+        <a:spcPts val="0"/>
+      </a:spcAft>
+    </a:defPPr>
+    <a:lvl1pPr marR="0" lvl="0" algn="l" rtl="0">
+      <a:lnSpc>
+        <a:spcPct val="100000"/>
+      </a:lnSpc>
+      <a:spcBef>
+        <a:spcPts val="0"/>
+      </a:spcBef>
+      <a:spcAft>
+        <a:spcPts val="0"/>
+      </a:spcAft>
+      <a:buClr>
+        <a:srgbClr val="000000"/>
+      </a:buClr>
+      <a:buFont typeface="Arial"/>
+      <a:defRPr sz="1400" b="0" i="0" u="none" strike="noStrike" cap="none">
         <a:solidFill>
-          <a:schemeClr val="tx1"/>
+          <a:srgbClr val="000000"/>
         </a:solidFill>
-        <a:latin typeface="+mn-lt"/>
-        <a:ea typeface="+mn-ea"/>
-        <a:cs typeface="+mn-cs"/>
+        <a:latin typeface="Arial"/>
+        <a:ea typeface="Arial"/>
+        <a:cs typeface="Arial"/>
+        <a:sym typeface="Arial"/>
       </a:defRPr>
     </a:lvl1pPr>
-    <a:lvl2pPr marL="457200" algn="l" defTabSz="914400" rtl="0" eaLnBrk="1" latinLnBrk="0" hangingPunct="1">
-      <a:defRPr sz="1200" kern="1200">
+    <a:lvl2pPr marR="0" lvl="1" algn="l" rtl="0">
+      <a:lnSpc>
+        <a:spcPct val="100000"/>
+      </a:lnSpc>
+      <a:spcBef>
+        <a:spcPts val="0"/>
+      </a:spcBef>
+      <a:spcAft>
+        <a:spcPts val="0"/>
+      </a:spcAft>
+      <a:buClr>
+        <a:srgbClr val="000000"/>
+      </a:buClr>
+      <a:buFont typeface="Arial"/>
+      <a:defRPr sz="1400" b="0" i="0" u="none" strike="noStrike" cap="none">
         <a:solidFill>
-          <a:schemeClr val="tx1"/>
+          <a:srgbClr val="000000"/>
         </a:solidFill>
-        <a:latin typeface="+mn-lt"/>
-        <a:ea typeface="+mn-ea"/>
-        <a:cs typeface="+mn-cs"/>
+        <a:latin typeface="Arial"/>
+        <a:ea typeface="Arial"/>
+        <a:cs typeface="Arial"/>
+        <a:sym typeface="Arial"/>
       </a:defRPr>
     </a:lvl2pPr>
-    <a:lvl3pPr marL="914400" algn="l" defTabSz="914400" rtl="0" eaLnBrk="1" latinLnBrk="0" hangingPunct="1">
-      <a:defRPr sz="1200" kern="1200">
+    <a:lvl3pPr marR="0" lvl="2" algn="l" rtl="0">
+      <a:lnSpc>
+        <a:spcPct val="100000"/>
+      </a:lnSpc>
+      <a:spcBef>
+        <a:spcPts val="0"/>
+      </a:spcBef>
+      <a:spcAft>
+        <a:spcPts val="0"/>
+      </a:spcAft>
+      <a:buClr>
+        <a:srgbClr val="000000"/>
+      </a:buClr>
+      <a:buFont typeface="Arial"/>
+      <a:defRPr sz="1400" b="0" i="0" u="none" strike="noStrike" cap="none">
         <a:solidFill>
-          <a:schemeClr val="tx1"/>
+          <a:srgbClr val="000000"/>
         </a:solidFill>
-        <a:latin typeface="+mn-lt"/>
-        <a:ea typeface="+mn-ea"/>
-        <a:cs typeface="+mn-cs"/>
+        <a:latin typeface="Arial"/>
+        <a:ea typeface="Arial"/>
+        <a:cs typeface="Arial"/>
+        <a:sym typeface="Arial"/>
       </a:defRPr>
     </a:lvl3pPr>
-    <a:lvl4pPr marL="1371600" algn="l" defTabSz="914400" rtl="0" eaLnBrk="1" latinLnBrk="0" hangingPunct="1">
-      <a:defRPr sz="1200" kern="1200">
+    <a:lvl4pPr marR="0" lvl="3" algn="l" rtl="0">
+      <a:lnSpc>
+        <a:spcPct val="100000"/>
+      </a:lnSpc>
+      <a:spcBef>
+        <a:spcPts val="0"/>
+      </a:spcBef>
+      <a:spcAft>
+        <a:spcPts val="0"/>
+      </a:spcAft>
+      <a:buClr>
+        <a:srgbClr val="000000"/>
+      </a:buClr>
+      <a:buFont typeface="Arial"/>
+      <a:defRPr sz="1400" b="0" i="0" u="none" strike="noStrike" cap="none">
         <a:solidFill>
-          <a:schemeClr val="tx1"/>
+          <a:srgbClr val="000000"/>
         </a:solidFill>
-        <a:latin typeface="+mn-lt"/>
-        <a:ea typeface="+mn-ea"/>
-        <a:cs typeface="+mn-cs"/>
+        <a:latin typeface="Arial"/>
+        <a:ea typeface="Arial"/>
+        <a:cs typeface="Arial"/>
+        <a:sym typeface="Arial"/>
       </a:defRPr>
     </a:lvl4pPr>
-    <a:lvl5pPr marL="1828800" algn="l" defTabSz="914400" rtl="0" eaLnBrk="1" latinLnBrk="0" hangingPunct="1">
-      <a:defRPr sz="1200" kern="1200">
+    <a:lvl5pPr marR="0" lvl="4" algn="l" rtl="0">
+      <a:lnSpc>
+        <a:spcPct val="100000"/>
+      </a:lnSpc>
+      <a:spcBef>
+        <a:spcPts val="0"/>
+      </a:spcBef>
+      <a:spcAft>
+        <a:spcPts val="0"/>
+      </a:spcAft>
+      <a:buClr>
+        <a:srgbClr val="000000"/>
+      </a:buClr>
+      <a:buFont typeface="Arial"/>
+      <a:defRPr sz="1400" b="0" i="0" u="none" strike="noStrike" cap="none">
         <a:solidFill>
-          <a:schemeClr val="tx1"/>
+          <a:srgbClr val="000000"/>
         </a:solidFill>
-        <a:latin typeface="+mn-lt"/>
-        <a:ea typeface="+mn-ea"/>
-        <a:cs typeface="+mn-cs"/>
+        <a:latin typeface="Arial"/>
+        <a:ea typeface="Arial"/>
+        <a:cs typeface="Arial"/>
+        <a:sym typeface="Arial"/>
       </a:defRPr>
     </a:lvl5pPr>
-    <a:lvl6pPr marL="2286000" algn="l" defTabSz="914400" rtl="0" eaLnBrk="1" latinLnBrk="0" hangingPunct="1">
-      <a:defRPr sz="1200" kern="1200">
+    <a:lvl6pPr marR="0" lvl="5" algn="l" rtl="0">
+      <a:lnSpc>
+        <a:spcPct val="100000"/>
+      </a:lnSpc>
+      <a:spcBef>
+        <a:spcPts val="0"/>
+      </a:spcBef>
+      <a:spcAft>
+        <a:spcPts val="0"/>
+      </a:spcAft>
+      <a:buClr>
+        <a:srgbClr val="000000"/>
+      </a:buClr>
+      <a:buFont typeface="Arial"/>
+      <a:defRPr sz="1400" b="0" i="0" u="none" strike="noStrike" cap="none">
         <a:solidFill>
-          <a:schemeClr val="tx1"/>
+          <a:srgbClr val="000000"/>
         </a:solidFill>
-        <a:latin typeface="+mn-lt"/>
-        <a:ea typeface="+mn-ea"/>
-        <a:cs typeface="+mn-cs"/>
+        <a:latin typeface="Arial"/>
+        <a:ea typeface="Arial"/>
+        <a:cs typeface="Arial"/>
+        <a:sym typeface="Arial"/>
       </a:defRPr>
     </a:lvl6pPr>
-    <a:lvl7pPr marL="2743200" algn="l" defTabSz="914400" rtl="0" eaLnBrk="1" latinLnBrk="0" hangingPunct="1">
-      <a:defRPr sz="1200" kern="1200">
+    <a:lvl7pPr marR="0" lvl="6" algn="l" rtl="0">
+      <a:lnSpc>
+        <a:spcPct val="100000"/>
+      </a:lnSpc>
+      <a:spcBef>
+        <a:spcPts val="0"/>
+      </a:spcBef>
+      <a:spcAft>
+        <a:spcPts val="0"/>
+      </a:spcAft>
+      <a:buClr>
+        <a:srgbClr val="000000"/>
+      </a:buClr>
+      <a:buFont typeface="Arial"/>
+      <a:defRPr sz="1400" b="0" i="0" u="none" strike="noStrike" cap="none">
         <a:solidFill>
-          <a:schemeClr val="tx1"/>
+          <a:srgbClr val="000000"/>
         </a:solidFill>
-        <a:latin typeface="+mn-lt"/>
-        <a:ea typeface="+mn-ea"/>
-        <a:cs typeface="+mn-cs"/>
+        <a:latin typeface="Arial"/>
+        <a:ea typeface="Arial"/>
+        <a:cs typeface="Arial"/>
+        <a:sym typeface="Arial"/>
       </a:defRPr>
     </a:lvl7pPr>
-    <a:lvl8pPr marL="3200400" algn="l" defTabSz="914400" rtl="0" eaLnBrk="1" latinLnBrk="0" hangingPunct="1">
-      <a:defRPr sz="1200" kern="1200">
+    <a:lvl8pPr marR="0" lvl="7" algn="l" rtl="0">
+      <a:lnSpc>
+        <a:spcPct val="100000"/>
+      </a:lnSpc>
+      <a:spcBef>
+        <a:spcPts val="0"/>
+      </a:spcBef>
+      <a:spcAft>
+        <a:spcPts val="0"/>
+      </a:spcAft>
+      <a:buClr>
+        <a:srgbClr val="000000"/>
+      </a:buClr>
+      <a:buFont typeface="Arial"/>
+      <a:defRPr sz="1400" b="0" i="0" u="none" strike="noStrike" cap="none">
         <a:solidFill>
-          <a:schemeClr val="tx1"/>
+          <a:srgbClr val="000000"/>
         </a:solidFill>
-        <a:latin typeface="+mn-lt"/>
-        <a:ea typeface="+mn-ea"/>
-        <a:cs typeface="+mn-cs"/>
+        <a:latin typeface="Arial"/>
+        <a:ea typeface="Arial"/>
+        <a:cs typeface="Arial"/>
+        <a:sym typeface="Arial"/>
       </a:defRPr>
     </a:lvl8pPr>
-    <a:lvl9pPr marL="3657600" algn="l" defTabSz="914400" rtl="0" eaLnBrk="1" latinLnBrk="0" hangingPunct="1">
-      <a:defRPr sz="1200" kern="1200">
+    <a:lvl9pPr marR="0" lvl="8" algn="l" rtl="0">
+      <a:lnSpc>
+        <a:spcPct val="100000"/>
+      </a:lnSpc>
+      <a:spcBef>
+        <a:spcPts val="0"/>
+      </a:spcBef>
+      <a:spcAft>
+        <a:spcPts val="0"/>
+      </a:spcAft>
+      <a:buClr>
+        <a:srgbClr val="000000"/>
+      </a:buClr>
+      <a:buFont typeface="Arial"/>
+      <a:defRPr sz="1400" b="0" i="0" u="none" strike="noStrike" cap="none">
         <a:solidFill>
-          <a:schemeClr val="tx1"/>
+          <a:srgbClr val="000000"/>
         </a:solidFill>
-        <a:latin typeface="+mn-lt"/>
-        <a:ea typeface="+mn-ea"/>
-        <a:cs typeface="+mn-cs"/>
+        <a:latin typeface="Arial"/>
+        <a:ea typeface="Arial"/>
+        <a:cs typeface="Arial"/>
+        <a:sym typeface="Arial"/>
       </a:defRPr>
     </a:lvl9pPr>
   </p:notesStyle>
@@ -626,9 +1585,9 @@
           <a:bodyPr/>
           <a:lstStyle/>
           <a:p>
-            <a:fld id="{18BDFEC3-8487-43E8-A154-7C12CBC1FFF2}" type="slidenum">
+            <a:fld id="{00000000-1234-1234-1234-123412341234}" type="slidenum">
               <a:rPr lang="en-US"/>
-              <a:t>3</a:t>
+              <a:t>4</a:t>
             </a:fld>
             <a:endParaRPr lang="en-US"/>
           </a:p>
@@ -640,11 +1599,40 @@
 </file>
 
 <file path=ppt/slideLayouts/slideLayout1.xml><?xml version="1.0" encoding="utf-8"?>
-<p:sldLayout xmlns:a="http://schemas.openxmlformats.org/drawingml/2006/main" xmlns:r="http://schemas.openxmlformats.org/officeDocument/2006/relationships" xmlns:p="http://schemas.openxmlformats.org/presentationml/2006/main" type="title" preserve="1">
-  <p:cSld name="Title Slide">
+<p:sldLayout xmlns:a="http://schemas.openxmlformats.org/drawingml/2006/main" xmlns:r="http://schemas.openxmlformats.org/officeDocument/2006/relationships" xmlns:p="http://schemas.openxmlformats.org/presentationml/2006/main" matchingName="Title and Content" type="obj" preserve="1">
+  <p:cSld name="Section">
+    <p:bg>
+      <p:bgPr>
+        <a:gradFill flip="none" rotWithShape="1">
+          <a:gsLst>
+            <a:gs pos="0">
+              <a:schemeClr val="accent1">
+                <a:lumMod val="20000"/>
+                <a:lumOff val="80000"/>
+              </a:schemeClr>
+            </a:gs>
+            <a:gs pos="40000">
+              <a:schemeClr val="bg2">
+                <a:tint val="45000"/>
+                <a:shade val="99000"/>
+                <a:satMod val="350000"/>
+              </a:schemeClr>
+            </a:gs>
+            <a:gs pos="100000">
+              <a:schemeClr val="accent1">
+                <a:lumMod val="75000"/>
+              </a:schemeClr>
+            </a:gs>
+          </a:gsLst>
+          <a:lin ang="2700000" scaled="1"/>
+          <a:tileRect/>
+        </a:gradFill>
+        <a:effectLst/>
+      </p:bgPr>
+    </p:bg>
     <p:spTree>
       <p:nvGrpSpPr>
-        <p:cNvPr id="1" name=""/>
+        <p:cNvPr id="1" name="Shape 21"/>
         <p:cNvGrpSpPr/>
         <p:nvPr/>
       </p:nvGrpSpPr>
@@ -658,225 +1646,1013 @@
       </p:grpSpPr>
       <p:sp>
         <p:nvSpPr>
-          <p:cNvPr id="2" name="Title 1"/>
-          <p:cNvSpPr>
+          <p:cNvPr id="22" name="Shape 22"/>
+          <p:cNvSpPr txBox="1">
             <a:spLocks noGrp="1"/>
           </p:cNvSpPr>
           <p:nvPr>
-            <p:ph type="ctrTitle"/>
+            <p:ph type="title"/>
           </p:nvPr>
         </p:nvSpPr>
         <p:spPr>
           <a:xfrm>
-            <a:off x="685800" y="2130425"/>
-            <a:ext cx="7772400" cy="1470025"/>
+            <a:off x="838200" y="3853824"/>
+            <a:ext cx="10515600" cy="1325563"/>
           </a:xfrm>
+          <a:prstGeom prst="rect">
+            <a:avLst/>
+          </a:prstGeom>
+          <a:noFill/>
+          <a:ln>
+            <a:noFill/>
+          </a:ln>
         </p:spPr>
         <p:txBody>
-          <a:bodyPr/>
-          <a:lstStyle/>
-          <a:p>
-            <a:r>
-              <a:rPr lang="en-US" smtClean="0"/>
-              <a:t>Click to edit Master title style</a:t>
-            </a:r>
-            <a:endParaRPr lang="en-US"/>
+          <a:bodyPr spcFirstLastPara="1" wrap="square" lIns="91425" tIns="91425" rIns="91425" bIns="91425" anchor="ctr" anchorCtr="0"/>
+          <a:lstStyle>
+            <a:lvl1pPr marR="0" lvl="0" algn="l" rtl="0">
+              <a:lnSpc>
+                <a:spcPct val="90000"/>
+              </a:lnSpc>
+              <a:spcBef>
+                <a:spcPts val="0"/>
+              </a:spcBef>
+              <a:spcAft>
+                <a:spcPts val="0"/>
+              </a:spcAft>
+              <a:buClr>
+                <a:schemeClr val="dk1"/>
+              </a:buClr>
+              <a:buSzPts val="4400"/>
+              <a:buFont typeface="Calibri"/>
+              <a:buNone/>
+              <a:defRPr sz="4400" b="0" i="0" u="none" strike="noStrike" cap="none">
+                <a:solidFill>
+                  <a:schemeClr val="dk1"/>
+                </a:solidFill>
+                <a:latin typeface="Calibri"/>
+                <a:ea typeface="Calibri"/>
+                <a:cs typeface="Calibri"/>
+                <a:sym typeface="Calibri"/>
+              </a:defRPr>
+            </a:lvl1pPr>
+            <a:lvl2pPr lvl="1">
+              <a:spcBef>
+                <a:spcPts val="0"/>
+              </a:spcBef>
+              <a:spcAft>
+                <a:spcPts val="0"/>
+              </a:spcAft>
+              <a:buSzPts val="1400"/>
+              <a:buNone/>
+              <a:defRPr sz="1800"/>
+            </a:lvl2pPr>
+            <a:lvl3pPr lvl="2">
+              <a:spcBef>
+                <a:spcPts val="0"/>
+              </a:spcBef>
+              <a:spcAft>
+                <a:spcPts val="0"/>
+              </a:spcAft>
+              <a:buSzPts val="1400"/>
+              <a:buNone/>
+              <a:defRPr sz="1800"/>
+            </a:lvl3pPr>
+            <a:lvl4pPr lvl="3">
+              <a:spcBef>
+                <a:spcPts val="0"/>
+              </a:spcBef>
+              <a:spcAft>
+                <a:spcPts val="0"/>
+              </a:spcAft>
+              <a:buSzPts val="1400"/>
+              <a:buNone/>
+              <a:defRPr sz="1800"/>
+            </a:lvl4pPr>
+            <a:lvl5pPr lvl="4">
+              <a:spcBef>
+                <a:spcPts val="0"/>
+              </a:spcBef>
+              <a:spcAft>
+                <a:spcPts val="0"/>
+              </a:spcAft>
+              <a:buSzPts val="1400"/>
+              <a:buNone/>
+              <a:defRPr sz="1800"/>
+            </a:lvl5pPr>
+            <a:lvl6pPr lvl="5">
+              <a:spcBef>
+                <a:spcPts val="0"/>
+              </a:spcBef>
+              <a:spcAft>
+                <a:spcPts val="0"/>
+              </a:spcAft>
+              <a:buSzPts val="1400"/>
+              <a:buNone/>
+              <a:defRPr sz="1800"/>
+            </a:lvl6pPr>
+            <a:lvl7pPr lvl="6">
+              <a:spcBef>
+                <a:spcPts val="0"/>
+              </a:spcBef>
+              <a:spcAft>
+                <a:spcPts val="0"/>
+              </a:spcAft>
+              <a:buSzPts val="1400"/>
+              <a:buNone/>
+              <a:defRPr sz="1800"/>
+            </a:lvl7pPr>
+            <a:lvl8pPr lvl="7">
+              <a:spcBef>
+                <a:spcPts val="0"/>
+              </a:spcBef>
+              <a:spcAft>
+                <a:spcPts val="0"/>
+              </a:spcAft>
+              <a:buSzPts val="1400"/>
+              <a:buNone/>
+              <a:defRPr sz="1800"/>
+            </a:lvl8pPr>
+            <a:lvl9pPr lvl="8">
+              <a:spcBef>
+                <a:spcPts val="0"/>
+              </a:spcBef>
+              <a:spcAft>
+                <a:spcPts val="0"/>
+              </a:spcAft>
+              <a:buSzPts val="1400"/>
+              <a:buNone/>
+              <a:defRPr sz="1800"/>
+            </a:lvl9pPr>
+          </a:lstStyle>
+          <a:p>
+            <a:endParaRPr dirty="0"/>
           </a:p>
         </p:txBody>
       </p:sp>
       <p:sp>
         <p:nvSpPr>
-          <p:cNvPr id="3" name="Subtitle 2"/>
-          <p:cNvSpPr>
+          <p:cNvPr id="23" name="Shape 23"/>
+          <p:cNvSpPr txBox="1">
             <a:spLocks noGrp="1"/>
           </p:cNvSpPr>
           <p:nvPr>
-            <p:ph type="subTitle" idx="1"/>
+            <p:ph type="body" idx="1"/>
           </p:nvPr>
         </p:nvSpPr>
         <p:spPr>
           <a:xfrm>
-            <a:off x="1371600" y="3886200"/>
-            <a:ext cx="6400800" cy="1752600"/>
+            <a:off x="838200" y="5404861"/>
+            <a:ext cx="10515600" cy="772102"/>
           </a:xfrm>
+          <a:prstGeom prst="rect">
+            <a:avLst/>
+          </a:prstGeom>
+          <a:noFill/>
+          <a:ln>
+            <a:noFill/>
+          </a:ln>
         </p:spPr>
         <p:txBody>
-          <a:bodyPr/>
+          <a:bodyPr spcFirstLastPara="1" wrap="square" lIns="91425" tIns="91425" rIns="91425" bIns="91425" anchor="t" anchorCtr="0"/>
           <a:lstStyle>
-            <a:lvl1pPr marL="0" indent="0" algn="ctr">
-              <a:buNone/>
-              <a:defRPr>
-                <a:solidFill>
-                  <a:schemeClr val="tx1">
-                    <a:tint val="75000"/>
-                  </a:schemeClr>
-                </a:solidFill>
+            <a:lvl1pPr marL="457200" marR="0" lvl="0" indent="-406400" algn="l" rtl="0">
+              <a:lnSpc>
+                <a:spcPct val="90000"/>
+              </a:lnSpc>
+              <a:spcBef>
+                <a:spcPts val="1000"/>
+              </a:spcBef>
+              <a:spcAft>
+                <a:spcPts val="0"/>
+              </a:spcAft>
+              <a:buClr>
+                <a:schemeClr val="dk1"/>
+              </a:buClr>
+              <a:buSzPts val="2800"/>
+              <a:buFont typeface="Arial"/>
+              <a:buChar char="•"/>
+              <a:defRPr sz="2800" b="0" i="0" u="none" strike="noStrike" cap="none">
+                <a:solidFill>
+                  <a:schemeClr val="dk1"/>
+                </a:solidFill>
+                <a:latin typeface="Calibri"/>
+                <a:ea typeface="Calibri"/>
+                <a:cs typeface="Calibri"/>
+                <a:sym typeface="Calibri"/>
               </a:defRPr>
             </a:lvl1pPr>
-            <a:lvl2pPr marL="457200" indent="0" algn="ctr">
-              <a:buNone/>
-              <a:defRPr>
-                <a:solidFill>
-                  <a:schemeClr val="tx1">
-                    <a:tint val="75000"/>
-                  </a:schemeClr>
-                </a:solidFill>
+            <a:lvl2pPr marL="914400" marR="0" lvl="1" indent="-381000" algn="l" rtl="0">
+              <a:lnSpc>
+                <a:spcPct val="90000"/>
+              </a:lnSpc>
+              <a:spcBef>
+                <a:spcPts val="500"/>
+              </a:spcBef>
+              <a:spcAft>
+                <a:spcPts val="0"/>
+              </a:spcAft>
+              <a:buClr>
+                <a:schemeClr val="dk1"/>
+              </a:buClr>
+              <a:buSzPts val="2400"/>
+              <a:buFont typeface="Arial"/>
+              <a:buChar char="•"/>
+              <a:defRPr sz="2400" b="0" i="0" u="none" strike="noStrike" cap="none">
+                <a:solidFill>
+                  <a:schemeClr val="dk1"/>
+                </a:solidFill>
+                <a:latin typeface="Calibri"/>
+                <a:ea typeface="Calibri"/>
+                <a:cs typeface="Calibri"/>
+                <a:sym typeface="Calibri"/>
               </a:defRPr>
             </a:lvl2pPr>
-            <a:lvl3pPr marL="914400" indent="0" algn="ctr">
-              <a:buNone/>
-              <a:defRPr>
-                <a:solidFill>
-                  <a:schemeClr val="tx1">
-                    <a:tint val="75000"/>
-                  </a:schemeClr>
-                </a:solidFill>
+            <a:lvl3pPr marL="1371600" marR="0" lvl="2" indent="-355600" algn="l" rtl="0">
+              <a:lnSpc>
+                <a:spcPct val="90000"/>
+              </a:lnSpc>
+              <a:spcBef>
+                <a:spcPts val="500"/>
+              </a:spcBef>
+              <a:spcAft>
+                <a:spcPts val="0"/>
+              </a:spcAft>
+              <a:buClr>
+                <a:schemeClr val="dk1"/>
+              </a:buClr>
+              <a:buSzPts val="2000"/>
+              <a:buFont typeface="Arial"/>
+              <a:buChar char="•"/>
+              <a:defRPr sz="2000" b="0" i="0" u="none" strike="noStrike" cap="none">
+                <a:solidFill>
+                  <a:schemeClr val="dk1"/>
+                </a:solidFill>
+                <a:latin typeface="Calibri"/>
+                <a:ea typeface="Calibri"/>
+                <a:cs typeface="Calibri"/>
+                <a:sym typeface="Calibri"/>
               </a:defRPr>
             </a:lvl3pPr>
-            <a:lvl4pPr marL="1371600" indent="0" algn="ctr">
-              <a:buNone/>
-              <a:defRPr>
-                <a:solidFill>
-                  <a:schemeClr val="tx1">
-                    <a:tint val="75000"/>
-                  </a:schemeClr>
-                </a:solidFill>
+            <a:lvl4pPr marL="1828800" marR="0" lvl="3" indent="-342900" algn="l" rtl="0">
+              <a:lnSpc>
+                <a:spcPct val="90000"/>
+              </a:lnSpc>
+              <a:spcBef>
+                <a:spcPts val="500"/>
+              </a:spcBef>
+              <a:spcAft>
+                <a:spcPts val="0"/>
+              </a:spcAft>
+              <a:buClr>
+                <a:schemeClr val="dk1"/>
+              </a:buClr>
+              <a:buSzPts val="1800"/>
+              <a:buFont typeface="Arial"/>
+              <a:buChar char="•"/>
+              <a:defRPr sz="1800" b="0" i="0" u="none" strike="noStrike" cap="none">
+                <a:solidFill>
+                  <a:schemeClr val="dk1"/>
+                </a:solidFill>
+                <a:latin typeface="Calibri"/>
+                <a:ea typeface="Calibri"/>
+                <a:cs typeface="Calibri"/>
+                <a:sym typeface="Calibri"/>
               </a:defRPr>
             </a:lvl4pPr>
-            <a:lvl5pPr marL="1828800" indent="0" algn="ctr">
-              <a:buNone/>
-              <a:defRPr>
-                <a:solidFill>
-                  <a:schemeClr val="tx1">
-                    <a:tint val="75000"/>
-                  </a:schemeClr>
-                </a:solidFill>
+            <a:lvl5pPr marL="2286000" marR="0" lvl="4" indent="-342900" algn="l" rtl="0">
+              <a:lnSpc>
+                <a:spcPct val="90000"/>
+              </a:lnSpc>
+              <a:spcBef>
+                <a:spcPts val="500"/>
+              </a:spcBef>
+              <a:spcAft>
+                <a:spcPts val="0"/>
+              </a:spcAft>
+              <a:buClr>
+                <a:schemeClr val="dk1"/>
+              </a:buClr>
+              <a:buSzPts val="1800"/>
+              <a:buFont typeface="Arial"/>
+              <a:buChar char="•"/>
+              <a:defRPr sz="1800" b="0" i="0" u="none" strike="noStrike" cap="none">
+                <a:solidFill>
+                  <a:schemeClr val="dk1"/>
+                </a:solidFill>
+                <a:latin typeface="Calibri"/>
+                <a:ea typeface="Calibri"/>
+                <a:cs typeface="Calibri"/>
+                <a:sym typeface="Calibri"/>
               </a:defRPr>
             </a:lvl5pPr>
-            <a:lvl6pPr marL="2286000" indent="0" algn="ctr">
-              <a:buNone/>
-              <a:defRPr>
-                <a:solidFill>
-                  <a:schemeClr val="tx1">
-                    <a:tint val="75000"/>
-                  </a:schemeClr>
-                </a:solidFill>
+            <a:lvl6pPr marL="2743200" marR="0" lvl="5" indent="-342900" algn="l" rtl="0">
+              <a:lnSpc>
+                <a:spcPct val="90000"/>
+              </a:lnSpc>
+              <a:spcBef>
+                <a:spcPts val="500"/>
+              </a:spcBef>
+              <a:spcAft>
+                <a:spcPts val="0"/>
+              </a:spcAft>
+              <a:buClr>
+                <a:schemeClr val="dk1"/>
+              </a:buClr>
+              <a:buSzPts val="1800"/>
+              <a:buFont typeface="Arial"/>
+              <a:buChar char="•"/>
+              <a:defRPr sz="1800" b="0" i="0" u="none" strike="noStrike" cap="none">
+                <a:solidFill>
+                  <a:schemeClr val="dk1"/>
+                </a:solidFill>
+                <a:latin typeface="Calibri"/>
+                <a:ea typeface="Calibri"/>
+                <a:cs typeface="Calibri"/>
+                <a:sym typeface="Calibri"/>
               </a:defRPr>
             </a:lvl6pPr>
-            <a:lvl7pPr marL="2743200" indent="0" algn="ctr">
-              <a:buNone/>
-              <a:defRPr>
-                <a:solidFill>
-                  <a:schemeClr val="tx1">
-                    <a:tint val="75000"/>
-                  </a:schemeClr>
-                </a:solidFill>
+            <a:lvl7pPr marL="3200400" marR="0" lvl="6" indent="-342900" algn="l" rtl="0">
+              <a:lnSpc>
+                <a:spcPct val="90000"/>
+              </a:lnSpc>
+              <a:spcBef>
+                <a:spcPts val="500"/>
+              </a:spcBef>
+              <a:spcAft>
+                <a:spcPts val="0"/>
+              </a:spcAft>
+              <a:buClr>
+                <a:schemeClr val="dk1"/>
+              </a:buClr>
+              <a:buSzPts val="1800"/>
+              <a:buFont typeface="Arial"/>
+              <a:buChar char="•"/>
+              <a:defRPr sz="1800" b="0" i="0" u="none" strike="noStrike" cap="none">
+                <a:solidFill>
+                  <a:schemeClr val="dk1"/>
+                </a:solidFill>
+                <a:latin typeface="Calibri"/>
+                <a:ea typeface="Calibri"/>
+                <a:cs typeface="Calibri"/>
+                <a:sym typeface="Calibri"/>
               </a:defRPr>
             </a:lvl7pPr>
-            <a:lvl8pPr marL="3200400" indent="0" algn="ctr">
-              <a:buNone/>
-              <a:defRPr>
-                <a:solidFill>
-                  <a:schemeClr val="tx1">
-                    <a:tint val="75000"/>
-                  </a:schemeClr>
-                </a:solidFill>
+            <a:lvl8pPr marL="3657600" marR="0" lvl="7" indent="-342900" algn="l" rtl="0">
+              <a:lnSpc>
+                <a:spcPct val="90000"/>
+              </a:lnSpc>
+              <a:spcBef>
+                <a:spcPts val="500"/>
+              </a:spcBef>
+              <a:spcAft>
+                <a:spcPts val="0"/>
+              </a:spcAft>
+              <a:buClr>
+                <a:schemeClr val="dk1"/>
+              </a:buClr>
+              <a:buSzPts val="1800"/>
+              <a:buFont typeface="Arial"/>
+              <a:buChar char="•"/>
+              <a:defRPr sz="1800" b="0" i="0" u="none" strike="noStrike" cap="none">
+                <a:solidFill>
+                  <a:schemeClr val="dk1"/>
+                </a:solidFill>
+                <a:latin typeface="Calibri"/>
+                <a:ea typeface="Calibri"/>
+                <a:cs typeface="Calibri"/>
+                <a:sym typeface="Calibri"/>
               </a:defRPr>
             </a:lvl8pPr>
-            <a:lvl9pPr marL="3657600" indent="0" algn="ctr">
-              <a:buNone/>
-              <a:defRPr>
-                <a:solidFill>
-                  <a:schemeClr val="tx1">
-                    <a:tint val="75000"/>
-                  </a:schemeClr>
-                </a:solidFill>
+            <a:lvl9pPr marL="4114800" marR="0" lvl="8" indent="-342900" algn="l" rtl="0">
+              <a:lnSpc>
+                <a:spcPct val="90000"/>
+              </a:lnSpc>
+              <a:spcBef>
+                <a:spcPts val="500"/>
+              </a:spcBef>
+              <a:spcAft>
+                <a:spcPts val="0"/>
+              </a:spcAft>
+              <a:buClr>
+                <a:schemeClr val="dk1"/>
+              </a:buClr>
+              <a:buSzPts val="1800"/>
+              <a:buFont typeface="Arial"/>
+              <a:buChar char="•"/>
+              <a:defRPr sz="1800" b="0" i="0" u="none" strike="noStrike" cap="none">
+                <a:solidFill>
+                  <a:schemeClr val="dk1"/>
+                </a:solidFill>
+                <a:latin typeface="Calibri"/>
+                <a:ea typeface="Calibri"/>
+                <a:cs typeface="Calibri"/>
+                <a:sym typeface="Calibri"/>
               </a:defRPr>
             </a:lvl9pPr>
           </a:lstStyle>
           <a:p>
-            <a:r>
-              <a:rPr lang="en-US" smtClean="0"/>
-              <a:t>Click to edit Master subtitle style</a:t>
-            </a:r>
-            <a:endParaRPr lang="en-US"/>
+            <a:endParaRPr dirty="0"/>
           </a:p>
         </p:txBody>
       </p:sp>
       <p:sp>
         <p:nvSpPr>
-          <p:cNvPr id="4" name="Date Placeholder 3"/>
-          <p:cNvSpPr>
+          <p:cNvPr id="24" name="Shape 24"/>
+          <p:cNvSpPr txBox="1">
             <a:spLocks noGrp="1"/>
           </p:cNvSpPr>
           <p:nvPr>
-            <p:ph type="dt" sz="half" idx="10"/>
+            <p:ph type="dt" idx="10"/>
           </p:nvPr>
         </p:nvSpPr>
-        <p:spPr/>
+        <p:spPr>
+          <a:xfrm>
+            <a:off x="838200" y="6356350"/>
+            <a:ext cx="2743200" cy="365125"/>
+          </a:xfrm>
+          <a:prstGeom prst="rect">
+            <a:avLst/>
+          </a:prstGeom>
+          <a:noFill/>
+          <a:ln>
+            <a:noFill/>
+          </a:ln>
+        </p:spPr>
         <p:txBody>
-          <a:bodyPr/>
-          <a:lstStyle/>
-          <a:p>
-            <a:fld id="{241EB5C9-1307-BA42-ABA2-0BC069CD8E7F}" type="datetimeFigureOut">
-              <a:rPr lang="en-US" smtClean="0"/>
-              <a:t>2/17/2018</a:t>
-            </a:fld>
-            <a:endParaRPr lang="en-US"/>
+          <a:bodyPr spcFirstLastPara="1" wrap="square" lIns="91425" tIns="91425" rIns="91425" bIns="91425" anchor="ctr" anchorCtr="0"/>
+          <a:lstStyle>
+            <a:lvl1pPr marR="0" lvl="0" algn="l" rtl="0">
+              <a:spcBef>
+                <a:spcPts val="0"/>
+              </a:spcBef>
+              <a:spcAft>
+                <a:spcPts val="0"/>
+              </a:spcAft>
+              <a:buSzPts val="1400"/>
+              <a:buNone/>
+              <a:defRPr sz="1200">
+                <a:solidFill>
+                  <a:srgbClr val="888888"/>
+                </a:solidFill>
+                <a:latin typeface="Calibri"/>
+                <a:ea typeface="Calibri"/>
+                <a:cs typeface="Calibri"/>
+                <a:sym typeface="Calibri"/>
+              </a:defRPr>
+            </a:lvl1pPr>
+            <a:lvl2pPr marR="0" lvl="1" algn="l" rtl="0">
+              <a:spcBef>
+                <a:spcPts val="0"/>
+              </a:spcBef>
+              <a:spcAft>
+                <a:spcPts val="0"/>
+              </a:spcAft>
+              <a:buSzPts val="1400"/>
+              <a:buNone/>
+              <a:defRPr sz="1800" b="0" i="0" u="none" strike="noStrike" cap="none">
+                <a:solidFill>
+                  <a:schemeClr val="dk1"/>
+                </a:solidFill>
+                <a:latin typeface="Calibri"/>
+                <a:ea typeface="Calibri"/>
+                <a:cs typeface="Calibri"/>
+                <a:sym typeface="Calibri"/>
+              </a:defRPr>
+            </a:lvl2pPr>
+            <a:lvl3pPr marR="0" lvl="2" algn="l" rtl="0">
+              <a:spcBef>
+                <a:spcPts val="0"/>
+              </a:spcBef>
+              <a:spcAft>
+                <a:spcPts val="0"/>
+              </a:spcAft>
+              <a:buSzPts val="1400"/>
+              <a:buNone/>
+              <a:defRPr sz="1800" b="0" i="0" u="none" strike="noStrike" cap="none">
+                <a:solidFill>
+                  <a:schemeClr val="dk1"/>
+                </a:solidFill>
+                <a:latin typeface="Calibri"/>
+                <a:ea typeface="Calibri"/>
+                <a:cs typeface="Calibri"/>
+                <a:sym typeface="Calibri"/>
+              </a:defRPr>
+            </a:lvl3pPr>
+            <a:lvl4pPr marR="0" lvl="3" algn="l" rtl="0">
+              <a:spcBef>
+                <a:spcPts val="0"/>
+              </a:spcBef>
+              <a:spcAft>
+                <a:spcPts val="0"/>
+              </a:spcAft>
+              <a:buSzPts val="1400"/>
+              <a:buNone/>
+              <a:defRPr sz="1800" b="0" i="0" u="none" strike="noStrike" cap="none">
+                <a:solidFill>
+                  <a:schemeClr val="dk1"/>
+                </a:solidFill>
+                <a:latin typeface="Calibri"/>
+                <a:ea typeface="Calibri"/>
+                <a:cs typeface="Calibri"/>
+                <a:sym typeface="Calibri"/>
+              </a:defRPr>
+            </a:lvl4pPr>
+            <a:lvl5pPr marR="0" lvl="4" algn="l" rtl="0">
+              <a:spcBef>
+                <a:spcPts val="0"/>
+              </a:spcBef>
+              <a:spcAft>
+                <a:spcPts val="0"/>
+              </a:spcAft>
+              <a:buSzPts val="1400"/>
+              <a:buNone/>
+              <a:defRPr sz="1800" b="0" i="0" u="none" strike="noStrike" cap="none">
+                <a:solidFill>
+                  <a:schemeClr val="dk1"/>
+                </a:solidFill>
+                <a:latin typeface="Calibri"/>
+                <a:ea typeface="Calibri"/>
+                <a:cs typeface="Calibri"/>
+                <a:sym typeface="Calibri"/>
+              </a:defRPr>
+            </a:lvl5pPr>
+            <a:lvl6pPr marR="0" lvl="5" algn="l" rtl="0">
+              <a:spcBef>
+                <a:spcPts val="0"/>
+              </a:spcBef>
+              <a:spcAft>
+                <a:spcPts val="0"/>
+              </a:spcAft>
+              <a:buSzPts val="1400"/>
+              <a:buNone/>
+              <a:defRPr sz="1800" b="0" i="0" u="none" strike="noStrike" cap="none">
+                <a:solidFill>
+                  <a:schemeClr val="dk1"/>
+                </a:solidFill>
+                <a:latin typeface="Calibri"/>
+                <a:ea typeface="Calibri"/>
+                <a:cs typeface="Calibri"/>
+                <a:sym typeface="Calibri"/>
+              </a:defRPr>
+            </a:lvl6pPr>
+            <a:lvl7pPr marR="0" lvl="6" algn="l" rtl="0">
+              <a:spcBef>
+                <a:spcPts val="0"/>
+              </a:spcBef>
+              <a:spcAft>
+                <a:spcPts val="0"/>
+              </a:spcAft>
+              <a:buSzPts val="1400"/>
+              <a:buNone/>
+              <a:defRPr sz="1800" b="0" i="0" u="none" strike="noStrike" cap="none">
+                <a:solidFill>
+                  <a:schemeClr val="dk1"/>
+                </a:solidFill>
+                <a:latin typeface="Calibri"/>
+                <a:ea typeface="Calibri"/>
+                <a:cs typeface="Calibri"/>
+                <a:sym typeface="Calibri"/>
+              </a:defRPr>
+            </a:lvl7pPr>
+            <a:lvl8pPr marR="0" lvl="7" algn="l" rtl="0">
+              <a:spcBef>
+                <a:spcPts val="0"/>
+              </a:spcBef>
+              <a:spcAft>
+                <a:spcPts val="0"/>
+              </a:spcAft>
+              <a:buSzPts val="1400"/>
+              <a:buNone/>
+              <a:defRPr sz="1800" b="0" i="0" u="none" strike="noStrike" cap="none">
+                <a:solidFill>
+                  <a:schemeClr val="dk1"/>
+                </a:solidFill>
+                <a:latin typeface="Calibri"/>
+                <a:ea typeface="Calibri"/>
+                <a:cs typeface="Calibri"/>
+                <a:sym typeface="Calibri"/>
+              </a:defRPr>
+            </a:lvl8pPr>
+            <a:lvl9pPr marR="0" lvl="8" algn="l" rtl="0">
+              <a:spcBef>
+                <a:spcPts val="0"/>
+              </a:spcBef>
+              <a:spcAft>
+                <a:spcPts val="0"/>
+              </a:spcAft>
+              <a:buSzPts val="1400"/>
+              <a:buNone/>
+              <a:defRPr sz="1800" b="0" i="0" u="none" strike="noStrike" cap="none">
+                <a:solidFill>
+                  <a:schemeClr val="dk1"/>
+                </a:solidFill>
+                <a:latin typeface="Calibri"/>
+                <a:ea typeface="Calibri"/>
+                <a:cs typeface="Calibri"/>
+                <a:sym typeface="Calibri"/>
+              </a:defRPr>
+            </a:lvl9pPr>
+          </a:lstStyle>
+          <a:p>
+            <a:endParaRPr/>
           </a:p>
         </p:txBody>
       </p:sp>
       <p:sp>
         <p:nvSpPr>
-          <p:cNvPr id="5" name="Footer Placeholder 4"/>
-          <p:cNvSpPr>
+          <p:cNvPr id="25" name="Shape 25"/>
+          <p:cNvSpPr txBox="1">
             <a:spLocks noGrp="1"/>
           </p:cNvSpPr>
           <p:nvPr>
-            <p:ph type="ftr" sz="quarter" idx="11"/>
+            <p:ph type="ftr" idx="11"/>
           </p:nvPr>
         </p:nvSpPr>
-        <p:spPr/>
+        <p:spPr>
+          <a:xfrm>
+            <a:off x="4038600" y="6356350"/>
+            <a:ext cx="4114800" cy="365125"/>
+          </a:xfrm>
+          <a:prstGeom prst="rect">
+            <a:avLst/>
+          </a:prstGeom>
+          <a:noFill/>
+          <a:ln>
+            <a:noFill/>
+          </a:ln>
+        </p:spPr>
         <p:txBody>
-          <a:bodyPr/>
-          <a:lstStyle/>
-          <a:p>
-            <a:endParaRPr lang="en-US"/>
+          <a:bodyPr spcFirstLastPara="1" wrap="square" lIns="91425" tIns="91425" rIns="91425" bIns="91425" anchor="ctr" anchorCtr="0"/>
+          <a:lstStyle>
+            <a:lvl1pPr marR="0" lvl="0" algn="ctr" rtl="0">
+              <a:spcBef>
+                <a:spcPts val="0"/>
+              </a:spcBef>
+              <a:spcAft>
+                <a:spcPts val="0"/>
+              </a:spcAft>
+              <a:buSzPts val="1400"/>
+              <a:buNone/>
+              <a:defRPr sz="1200">
+                <a:solidFill>
+                  <a:srgbClr val="888888"/>
+                </a:solidFill>
+                <a:latin typeface="Calibri"/>
+                <a:ea typeface="Calibri"/>
+                <a:cs typeface="Calibri"/>
+                <a:sym typeface="Calibri"/>
+              </a:defRPr>
+            </a:lvl1pPr>
+            <a:lvl2pPr marR="0" lvl="1" algn="l" rtl="0">
+              <a:spcBef>
+                <a:spcPts val="0"/>
+              </a:spcBef>
+              <a:spcAft>
+                <a:spcPts val="0"/>
+              </a:spcAft>
+              <a:buSzPts val="1400"/>
+              <a:buNone/>
+              <a:defRPr sz="1800" b="0" i="0" u="none" strike="noStrike" cap="none">
+                <a:solidFill>
+                  <a:schemeClr val="dk1"/>
+                </a:solidFill>
+                <a:latin typeface="Calibri"/>
+                <a:ea typeface="Calibri"/>
+                <a:cs typeface="Calibri"/>
+                <a:sym typeface="Calibri"/>
+              </a:defRPr>
+            </a:lvl2pPr>
+            <a:lvl3pPr marR="0" lvl="2" algn="l" rtl="0">
+              <a:spcBef>
+                <a:spcPts val="0"/>
+              </a:spcBef>
+              <a:spcAft>
+                <a:spcPts val="0"/>
+              </a:spcAft>
+              <a:buSzPts val="1400"/>
+              <a:buNone/>
+              <a:defRPr sz="1800" b="0" i="0" u="none" strike="noStrike" cap="none">
+                <a:solidFill>
+                  <a:schemeClr val="dk1"/>
+                </a:solidFill>
+                <a:latin typeface="Calibri"/>
+                <a:ea typeface="Calibri"/>
+                <a:cs typeface="Calibri"/>
+                <a:sym typeface="Calibri"/>
+              </a:defRPr>
+            </a:lvl3pPr>
+            <a:lvl4pPr marR="0" lvl="3" algn="l" rtl="0">
+              <a:spcBef>
+                <a:spcPts val="0"/>
+              </a:spcBef>
+              <a:spcAft>
+                <a:spcPts val="0"/>
+              </a:spcAft>
+              <a:buSzPts val="1400"/>
+              <a:buNone/>
+              <a:defRPr sz="1800" b="0" i="0" u="none" strike="noStrike" cap="none">
+                <a:solidFill>
+                  <a:schemeClr val="dk1"/>
+                </a:solidFill>
+                <a:latin typeface="Calibri"/>
+                <a:ea typeface="Calibri"/>
+                <a:cs typeface="Calibri"/>
+                <a:sym typeface="Calibri"/>
+              </a:defRPr>
+            </a:lvl4pPr>
+            <a:lvl5pPr marR="0" lvl="4" algn="l" rtl="0">
+              <a:spcBef>
+                <a:spcPts val="0"/>
+              </a:spcBef>
+              <a:spcAft>
+                <a:spcPts val="0"/>
+              </a:spcAft>
+              <a:buSzPts val="1400"/>
+              <a:buNone/>
+              <a:defRPr sz="1800" b="0" i="0" u="none" strike="noStrike" cap="none">
+                <a:solidFill>
+                  <a:schemeClr val="dk1"/>
+                </a:solidFill>
+                <a:latin typeface="Calibri"/>
+                <a:ea typeface="Calibri"/>
+                <a:cs typeface="Calibri"/>
+                <a:sym typeface="Calibri"/>
+              </a:defRPr>
+            </a:lvl5pPr>
+            <a:lvl6pPr marR="0" lvl="5" algn="l" rtl="0">
+              <a:spcBef>
+                <a:spcPts val="0"/>
+              </a:spcBef>
+              <a:spcAft>
+                <a:spcPts val="0"/>
+              </a:spcAft>
+              <a:buSzPts val="1400"/>
+              <a:buNone/>
+              <a:defRPr sz="1800" b="0" i="0" u="none" strike="noStrike" cap="none">
+                <a:solidFill>
+                  <a:schemeClr val="dk1"/>
+                </a:solidFill>
+                <a:latin typeface="Calibri"/>
+                <a:ea typeface="Calibri"/>
+                <a:cs typeface="Calibri"/>
+                <a:sym typeface="Calibri"/>
+              </a:defRPr>
+            </a:lvl6pPr>
+            <a:lvl7pPr marR="0" lvl="6" algn="l" rtl="0">
+              <a:spcBef>
+                <a:spcPts val="0"/>
+              </a:spcBef>
+              <a:spcAft>
+                <a:spcPts val="0"/>
+              </a:spcAft>
+              <a:buSzPts val="1400"/>
+              <a:buNone/>
+              <a:defRPr sz="1800" b="0" i="0" u="none" strike="noStrike" cap="none">
+                <a:solidFill>
+                  <a:schemeClr val="dk1"/>
+                </a:solidFill>
+                <a:latin typeface="Calibri"/>
+                <a:ea typeface="Calibri"/>
+                <a:cs typeface="Calibri"/>
+                <a:sym typeface="Calibri"/>
+              </a:defRPr>
+            </a:lvl7pPr>
+            <a:lvl8pPr marR="0" lvl="7" algn="l" rtl="0">
+              <a:spcBef>
+                <a:spcPts val="0"/>
+              </a:spcBef>
+              <a:spcAft>
+                <a:spcPts val="0"/>
+              </a:spcAft>
+              <a:buSzPts val="1400"/>
+              <a:buNone/>
+              <a:defRPr sz="1800" b="0" i="0" u="none" strike="noStrike" cap="none">
+                <a:solidFill>
+                  <a:schemeClr val="dk1"/>
+                </a:solidFill>
+                <a:latin typeface="Calibri"/>
+                <a:ea typeface="Calibri"/>
+                <a:cs typeface="Calibri"/>
+                <a:sym typeface="Calibri"/>
+              </a:defRPr>
+            </a:lvl8pPr>
+            <a:lvl9pPr marR="0" lvl="8" algn="l" rtl="0">
+              <a:spcBef>
+                <a:spcPts val="0"/>
+              </a:spcBef>
+              <a:spcAft>
+                <a:spcPts val="0"/>
+              </a:spcAft>
+              <a:buSzPts val="1400"/>
+              <a:buNone/>
+              <a:defRPr sz="1800" b="0" i="0" u="none" strike="noStrike" cap="none">
+                <a:solidFill>
+                  <a:schemeClr val="dk1"/>
+                </a:solidFill>
+                <a:latin typeface="Calibri"/>
+                <a:ea typeface="Calibri"/>
+                <a:cs typeface="Calibri"/>
+                <a:sym typeface="Calibri"/>
+              </a:defRPr>
+            </a:lvl9pPr>
+          </a:lstStyle>
+          <a:p>
+            <a:endParaRPr/>
           </a:p>
         </p:txBody>
       </p:sp>
       <p:sp>
         <p:nvSpPr>
-          <p:cNvPr id="6" name="Slide Number Placeholder 5"/>
-          <p:cNvSpPr>
+          <p:cNvPr id="26" name="Shape 26"/>
+          <p:cNvSpPr txBox="1">
             <a:spLocks noGrp="1"/>
           </p:cNvSpPr>
           <p:nvPr>
-            <p:ph type="sldNum" sz="quarter" idx="12"/>
+            <p:ph type="sldNum" idx="12"/>
           </p:nvPr>
         </p:nvSpPr>
-        <p:spPr/>
+        <p:spPr>
+          <a:xfrm>
+            <a:off x="8610600" y="6356350"/>
+            <a:ext cx="2743200" cy="365125"/>
+          </a:xfrm>
+          <a:prstGeom prst="rect">
+            <a:avLst/>
+          </a:prstGeom>
+          <a:noFill/>
+          <a:ln>
+            <a:noFill/>
+          </a:ln>
+        </p:spPr>
         <p:txBody>
-          <a:bodyPr/>
-          <a:lstStyle/>
-          <a:p>
-            <a:fld id="{C5EF2332-01BF-834F-8236-50238282D533}" type="slidenum">
-              <a:rPr lang="en-US" smtClean="0"/>
+          <a:bodyPr spcFirstLastPara="1" wrap="square" lIns="91425" tIns="45700" rIns="91425" bIns="45700" anchor="ctr" anchorCtr="0">
+            <a:noAutofit/>
+          </a:bodyPr>
+          <a:lstStyle>
+            <a:lvl1pPr marL="0" marR="0" lvl="0" indent="0" algn="r" rtl="0">
+              <a:spcBef>
+                <a:spcPts val="0"/>
+              </a:spcBef>
+              <a:buNone/>
+              <a:defRPr sz="1200">
+                <a:solidFill>
+                  <a:srgbClr val="888888"/>
+                </a:solidFill>
+                <a:latin typeface="Calibri"/>
+                <a:ea typeface="Calibri"/>
+                <a:cs typeface="Calibri"/>
+                <a:sym typeface="Calibri"/>
+              </a:defRPr>
+            </a:lvl1pPr>
+            <a:lvl2pPr marL="0" marR="0" lvl="1" indent="0" algn="r" rtl="0">
+              <a:spcBef>
+                <a:spcPts val="0"/>
+              </a:spcBef>
+              <a:buNone/>
+              <a:defRPr sz="1200">
+                <a:solidFill>
+                  <a:srgbClr val="888888"/>
+                </a:solidFill>
+                <a:latin typeface="Calibri"/>
+                <a:ea typeface="Calibri"/>
+                <a:cs typeface="Calibri"/>
+                <a:sym typeface="Calibri"/>
+              </a:defRPr>
+            </a:lvl2pPr>
+            <a:lvl3pPr marL="0" marR="0" lvl="2" indent="0" algn="r" rtl="0">
+              <a:spcBef>
+                <a:spcPts val="0"/>
+              </a:spcBef>
+              <a:buNone/>
+              <a:defRPr sz="1200">
+                <a:solidFill>
+                  <a:srgbClr val="888888"/>
+                </a:solidFill>
+                <a:latin typeface="Calibri"/>
+                <a:ea typeface="Calibri"/>
+                <a:cs typeface="Calibri"/>
+                <a:sym typeface="Calibri"/>
+              </a:defRPr>
+            </a:lvl3pPr>
+            <a:lvl4pPr marL="0" marR="0" lvl="3" indent="0" algn="r" rtl="0">
+              <a:spcBef>
+                <a:spcPts val="0"/>
+              </a:spcBef>
+              <a:buNone/>
+              <a:defRPr sz="1200">
+                <a:solidFill>
+                  <a:srgbClr val="888888"/>
+                </a:solidFill>
+                <a:latin typeface="Calibri"/>
+                <a:ea typeface="Calibri"/>
+                <a:cs typeface="Calibri"/>
+                <a:sym typeface="Calibri"/>
+              </a:defRPr>
+            </a:lvl4pPr>
+            <a:lvl5pPr marL="0" marR="0" lvl="4" indent="0" algn="r" rtl="0">
+              <a:spcBef>
+                <a:spcPts val="0"/>
+              </a:spcBef>
+              <a:buNone/>
+              <a:defRPr sz="1200">
+                <a:solidFill>
+                  <a:srgbClr val="888888"/>
+                </a:solidFill>
+                <a:latin typeface="Calibri"/>
+                <a:ea typeface="Calibri"/>
+                <a:cs typeface="Calibri"/>
+                <a:sym typeface="Calibri"/>
+              </a:defRPr>
+            </a:lvl5pPr>
+            <a:lvl6pPr marL="0" marR="0" lvl="5" indent="0" algn="r" rtl="0">
+              <a:spcBef>
+                <a:spcPts val="0"/>
+              </a:spcBef>
+              <a:buNone/>
+              <a:defRPr sz="1200">
+                <a:solidFill>
+                  <a:srgbClr val="888888"/>
+                </a:solidFill>
+                <a:latin typeface="Calibri"/>
+                <a:ea typeface="Calibri"/>
+                <a:cs typeface="Calibri"/>
+                <a:sym typeface="Calibri"/>
+              </a:defRPr>
+            </a:lvl6pPr>
+            <a:lvl7pPr marL="0" marR="0" lvl="6" indent="0" algn="r" rtl="0">
+              <a:spcBef>
+                <a:spcPts val="0"/>
+              </a:spcBef>
+              <a:buNone/>
+              <a:defRPr sz="1200">
+                <a:solidFill>
+                  <a:srgbClr val="888888"/>
+                </a:solidFill>
+                <a:latin typeface="Calibri"/>
+                <a:ea typeface="Calibri"/>
+                <a:cs typeface="Calibri"/>
+                <a:sym typeface="Calibri"/>
+              </a:defRPr>
+            </a:lvl7pPr>
+            <a:lvl8pPr marL="0" marR="0" lvl="7" indent="0" algn="r" rtl="0">
+              <a:spcBef>
+                <a:spcPts val="0"/>
+              </a:spcBef>
+              <a:buNone/>
+              <a:defRPr sz="1200">
+                <a:solidFill>
+                  <a:srgbClr val="888888"/>
+                </a:solidFill>
+                <a:latin typeface="Calibri"/>
+                <a:ea typeface="Calibri"/>
+                <a:cs typeface="Calibri"/>
+                <a:sym typeface="Calibri"/>
+              </a:defRPr>
+            </a:lvl8pPr>
+            <a:lvl9pPr marL="0" marR="0" lvl="8" indent="0" algn="r" rtl="0">
+              <a:spcBef>
+                <a:spcPts val="0"/>
+              </a:spcBef>
+              <a:buNone/>
+              <a:defRPr sz="1200">
+                <a:solidFill>
+                  <a:srgbClr val="888888"/>
+                </a:solidFill>
+                <a:latin typeface="Calibri"/>
+                <a:ea typeface="Calibri"/>
+                <a:cs typeface="Calibri"/>
+                <a:sym typeface="Calibri"/>
+              </a:defRPr>
+            </a:lvl9pPr>
+          </a:lstStyle>
+          <a:p>
+            <a:pPr marL="0" lvl="0" indent="0">
+              <a:spcBef>
+                <a:spcPts val="0"/>
+              </a:spcBef>
+              <a:spcAft>
+                <a:spcPts val="0"/>
+              </a:spcAft>
+              <a:buNone/>
+            </a:pPr>
+            <a:fld id="{00000000-1234-1234-1234-123412341234}" type="slidenum">
+              <a:rPr lang="en-US"/>
               <a:t>‹#›</a:t>
             </a:fld>
-            <a:endParaRPr lang="en-US"/>
+            <a:endParaRPr/>
           </a:p>
         </p:txBody>
       </p:sp>
     </p:spTree>
     <p:extLst>
       <p:ext uri="{BB962C8B-B14F-4D97-AF65-F5344CB8AC3E}">
-        <p14:creationId xmlns:p14="http://schemas.microsoft.com/office/powerpoint/2010/main" val="1444357513"/>
+        <p14:creationId xmlns:p14="http://schemas.microsoft.com/office/powerpoint/2010/main" val="985748114"/>
       </p:ext>
     </p:extLst>
   </p:cSld>
   <p:clrMapOvr>
-    <a:masterClrMapping/>
+    <a:overrideClrMapping bg1="dk1" tx1="lt1" bg2="dk2" tx2="lt2" accent1="accent1" accent2="accent2" accent3="accent3" accent4="accent4" accent5="accent5" accent6="accent6" hlink="hlink" folHlink="folHlink"/>
   </p:clrMapOvr>
 </p:sldLayout>
 </file>
@@ -1232,11 +3008,11 @@
 </file>
 
 <file path=ppt/slideLayouts/slideLayout2.xml><?xml version="1.0" encoding="utf-8"?>
-<p:sldLayout xmlns:a="http://schemas.openxmlformats.org/drawingml/2006/main" xmlns:r="http://schemas.openxmlformats.org/officeDocument/2006/relationships" xmlns:p="http://schemas.openxmlformats.org/presentationml/2006/main" type="obj" preserve="1">
-  <p:cSld name="Title and Content">
+<p:sldLayout xmlns:a="http://schemas.openxmlformats.org/drawingml/2006/main" xmlns:r="http://schemas.openxmlformats.org/officeDocument/2006/relationships" xmlns:p="http://schemas.openxmlformats.org/presentationml/2006/main" matchingName="Section Header" type="secHead">
+  <p:cSld name="SECTION_HEADER">
     <p:spTree>
       <p:nvGrpSpPr>
-        <p:cNvPr id="1" name=""/>
+        <p:cNvPr id="1" name="Shape 27"/>
         <p:cNvGrpSpPr/>
         <p:nvPr/>
       </p:nvGrpSpPr>
@@ -1250,150 +3026,1005 @@
       </p:grpSpPr>
       <p:sp>
         <p:nvSpPr>
-          <p:cNvPr id="2" name="Title 1"/>
-          <p:cNvSpPr>
+          <p:cNvPr id="28" name="Shape 28"/>
+          <p:cNvSpPr txBox="1">
             <a:spLocks noGrp="1"/>
           </p:cNvSpPr>
           <p:nvPr>
             <p:ph type="title"/>
           </p:nvPr>
         </p:nvSpPr>
-        <p:spPr/>
+        <p:spPr>
+          <a:xfrm>
+            <a:off x="831850" y="1709738"/>
+            <a:ext cx="10515600" cy="2852737"/>
+          </a:xfrm>
+          <a:prstGeom prst="rect">
+            <a:avLst/>
+          </a:prstGeom>
+          <a:noFill/>
+          <a:ln>
+            <a:noFill/>
+          </a:ln>
+        </p:spPr>
         <p:txBody>
-          <a:bodyPr/>
-          <a:lstStyle/>
-          <a:p>
-            <a:r>
-              <a:rPr lang="en-US" smtClean="0"/>
-              <a:t>Click to edit Master title style</a:t>
-            </a:r>
-            <a:endParaRPr lang="en-US"/>
+          <a:bodyPr spcFirstLastPara="1" wrap="square" lIns="91425" tIns="91425" rIns="91425" bIns="91425" anchor="b" anchorCtr="0"/>
+          <a:lstStyle>
+            <a:lvl1pPr marR="0" lvl="0" algn="l" rtl="0">
+              <a:lnSpc>
+                <a:spcPct val="90000"/>
+              </a:lnSpc>
+              <a:spcBef>
+                <a:spcPts val="0"/>
+              </a:spcBef>
+              <a:spcAft>
+                <a:spcPts val="0"/>
+              </a:spcAft>
+              <a:buClr>
+                <a:schemeClr val="dk1"/>
+              </a:buClr>
+              <a:buSzPts val="6000"/>
+              <a:buFont typeface="Calibri"/>
+              <a:buNone/>
+              <a:defRPr sz="6000" b="0" i="0" u="none" strike="noStrike" cap="none">
+                <a:solidFill>
+                  <a:schemeClr val="dk1"/>
+                </a:solidFill>
+                <a:latin typeface="Calibri"/>
+                <a:ea typeface="Calibri"/>
+                <a:cs typeface="Calibri"/>
+                <a:sym typeface="Calibri"/>
+              </a:defRPr>
+            </a:lvl1pPr>
+            <a:lvl2pPr lvl="1">
+              <a:spcBef>
+                <a:spcPts val="0"/>
+              </a:spcBef>
+              <a:spcAft>
+                <a:spcPts val="0"/>
+              </a:spcAft>
+              <a:buSzPts val="1400"/>
+              <a:buNone/>
+              <a:defRPr sz="1800"/>
+            </a:lvl2pPr>
+            <a:lvl3pPr lvl="2">
+              <a:spcBef>
+                <a:spcPts val="0"/>
+              </a:spcBef>
+              <a:spcAft>
+                <a:spcPts val="0"/>
+              </a:spcAft>
+              <a:buSzPts val="1400"/>
+              <a:buNone/>
+              <a:defRPr sz="1800"/>
+            </a:lvl3pPr>
+            <a:lvl4pPr lvl="3">
+              <a:spcBef>
+                <a:spcPts val="0"/>
+              </a:spcBef>
+              <a:spcAft>
+                <a:spcPts val="0"/>
+              </a:spcAft>
+              <a:buSzPts val="1400"/>
+              <a:buNone/>
+              <a:defRPr sz="1800"/>
+            </a:lvl4pPr>
+            <a:lvl5pPr lvl="4">
+              <a:spcBef>
+                <a:spcPts val="0"/>
+              </a:spcBef>
+              <a:spcAft>
+                <a:spcPts val="0"/>
+              </a:spcAft>
+              <a:buSzPts val="1400"/>
+              <a:buNone/>
+              <a:defRPr sz="1800"/>
+            </a:lvl5pPr>
+            <a:lvl6pPr lvl="5">
+              <a:spcBef>
+                <a:spcPts val="0"/>
+              </a:spcBef>
+              <a:spcAft>
+                <a:spcPts val="0"/>
+              </a:spcAft>
+              <a:buSzPts val="1400"/>
+              <a:buNone/>
+              <a:defRPr sz="1800"/>
+            </a:lvl6pPr>
+            <a:lvl7pPr lvl="6">
+              <a:spcBef>
+                <a:spcPts val="0"/>
+              </a:spcBef>
+              <a:spcAft>
+                <a:spcPts val="0"/>
+              </a:spcAft>
+              <a:buSzPts val="1400"/>
+              <a:buNone/>
+              <a:defRPr sz="1800"/>
+            </a:lvl7pPr>
+            <a:lvl8pPr lvl="7">
+              <a:spcBef>
+                <a:spcPts val="0"/>
+              </a:spcBef>
+              <a:spcAft>
+                <a:spcPts val="0"/>
+              </a:spcAft>
+              <a:buSzPts val="1400"/>
+              <a:buNone/>
+              <a:defRPr sz="1800"/>
+            </a:lvl8pPr>
+            <a:lvl9pPr lvl="8">
+              <a:spcBef>
+                <a:spcPts val="0"/>
+              </a:spcBef>
+              <a:spcAft>
+                <a:spcPts val="0"/>
+              </a:spcAft>
+              <a:buSzPts val="1400"/>
+              <a:buNone/>
+              <a:defRPr sz="1800"/>
+            </a:lvl9pPr>
+          </a:lstStyle>
+          <a:p>
+            <a:endParaRPr/>
           </a:p>
         </p:txBody>
       </p:sp>
       <p:sp>
         <p:nvSpPr>
-          <p:cNvPr id="3" name="Content Placeholder 2"/>
-          <p:cNvSpPr>
+          <p:cNvPr id="29" name="Shape 29"/>
+          <p:cNvSpPr txBox="1">
             <a:spLocks noGrp="1"/>
           </p:cNvSpPr>
           <p:nvPr>
-            <p:ph idx="1"/>
+            <p:ph type="body" idx="1"/>
           </p:nvPr>
         </p:nvSpPr>
-        <p:spPr/>
+        <p:spPr>
+          <a:xfrm>
+            <a:off x="831850" y="4589463"/>
+            <a:ext cx="10515600" cy="1500187"/>
+          </a:xfrm>
+          <a:prstGeom prst="rect">
+            <a:avLst/>
+          </a:prstGeom>
+          <a:noFill/>
+          <a:ln>
+            <a:noFill/>
+          </a:ln>
+        </p:spPr>
         <p:txBody>
-          <a:bodyPr/>
-          <a:lstStyle/>
-          <a:p>
-            <a:pPr lvl="0"/>
-            <a:r>
-              <a:rPr lang="en-US" smtClean="0"/>
-              <a:t>Click to edit Master text styles</a:t>
-            </a:r>
-          </a:p>
-          <a:p>
-            <a:pPr lvl="1"/>
-            <a:r>
-              <a:rPr lang="en-US" smtClean="0"/>
-              <a:t>Second level</a:t>
-            </a:r>
-          </a:p>
-          <a:p>
-            <a:pPr lvl="2"/>
-            <a:r>
-              <a:rPr lang="en-US" smtClean="0"/>
-              <a:t>Third level</a:t>
-            </a:r>
-          </a:p>
-          <a:p>
-            <a:pPr lvl="3"/>
-            <a:r>
-              <a:rPr lang="en-US" smtClean="0"/>
-              <a:t>Fourth level</a:t>
-            </a:r>
-          </a:p>
-          <a:p>
-            <a:pPr lvl="4"/>
-            <a:r>
-              <a:rPr lang="en-US" smtClean="0"/>
-              <a:t>Fifth level</a:t>
-            </a:r>
-            <a:endParaRPr lang="en-US"/>
+          <a:bodyPr spcFirstLastPara="1" wrap="square" lIns="91425" tIns="91425" rIns="91425" bIns="91425" anchor="t" anchorCtr="0"/>
+          <a:lstStyle>
+            <a:lvl1pPr marL="457200" marR="0" lvl="0" indent="-228600" algn="l" rtl="0">
+              <a:lnSpc>
+                <a:spcPct val="90000"/>
+              </a:lnSpc>
+              <a:spcBef>
+                <a:spcPts val="1000"/>
+              </a:spcBef>
+              <a:spcAft>
+                <a:spcPts val="0"/>
+              </a:spcAft>
+              <a:buClr>
+                <a:srgbClr val="888888"/>
+              </a:buClr>
+              <a:buSzPts val="2400"/>
+              <a:buFont typeface="Arial"/>
+              <a:buNone/>
+              <a:defRPr sz="2400" b="0" i="0" u="none" strike="noStrike" cap="none">
+                <a:solidFill>
+                  <a:srgbClr val="888888"/>
+                </a:solidFill>
+                <a:latin typeface="Calibri"/>
+                <a:ea typeface="Calibri"/>
+                <a:cs typeface="Calibri"/>
+                <a:sym typeface="Calibri"/>
+              </a:defRPr>
+            </a:lvl1pPr>
+            <a:lvl2pPr marL="914400" marR="0" lvl="1" indent="-228600" algn="l" rtl="0">
+              <a:lnSpc>
+                <a:spcPct val="90000"/>
+              </a:lnSpc>
+              <a:spcBef>
+                <a:spcPts val="500"/>
+              </a:spcBef>
+              <a:spcAft>
+                <a:spcPts val="0"/>
+              </a:spcAft>
+              <a:buClr>
+                <a:srgbClr val="888888"/>
+              </a:buClr>
+              <a:buSzPts val="2000"/>
+              <a:buFont typeface="Arial"/>
+              <a:buNone/>
+              <a:defRPr sz="2000" b="0" i="0" u="none" strike="noStrike" cap="none">
+                <a:solidFill>
+                  <a:srgbClr val="888888"/>
+                </a:solidFill>
+                <a:latin typeface="Calibri"/>
+                <a:ea typeface="Calibri"/>
+                <a:cs typeface="Calibri"/>
+                <a:sym typeface="Calibri"/>
+              </a:defRPr>
+            </a:lvl2pPr>
+            <a:lvl3pPr marL="1371600" marR="0" lvl="2" indent="-228600" algn="l" rtl="0">
+              <a:lnSpc>
+                <a:spcPct val="90000"/>
+              </a:lnSpc>
+              <a:spcBef>
+                <a:spcPts val="500"/>
+              </a:spcBef>
+              <a:spcAft>
+                <a:spcPts val="0"/>
+              </a:spcAft>
+              <a:buClr>
+                <a:srgbClr val="888888"/>
+              </a:buClr>
+              <a:buSzPts val="1800"/>
+              <a:buFont typeface="Arial"/>
+              <a:buNone/>
+              <a:defRPr sz="1800" b="0" i="0" u="none" strike="noStrike" cap="none">
+                <a:solidFill>
+                  <a:srgbClr val="888888"/>
+                </a:solidFill>
+                <a:latin typeface="Calibri"/>
+                <a:ea typeface="Calibri"/>
+                <a:cs typeface="Calibri"/>
+                <a:sym typeface="Calibri"/>
+              </a:defRPr>
+            </a:lvl3pPr>
+            <a:lvl4pPr marL="1828800" marR="0" lvl="3" indent="-228600" algn="l" rtl="0">
+              <a:lnSpc>
+                <a:spcPct val="90000"/>
+              </a:lnSpc>
+              <a:spcBef>
+                <a:spcPts val="500"/>
+              </a:spcBef>
+              <a:spcAft>
+                <a:spcPts val="0"/>
+              </a:spcAft>
+              <a:buClr>
+                <a:srgbClr val="888888"/>
+              </a:buClr>
+              <a:buSzPts val="1600"/>
+              <a:buFont typeface="Arial"/>
+              <a:buNone/>
+              <a:defRPr sz="1600" b="0" i="0" u="none" strike="noStrike" cap="none">
+                <a:solidFill>
+                  <a:srgbClr val="888888"/>
+                </a:solidFill>
+                <a:latin typeface="Calibri"/>
+                <a:ea typeface="Calibri"/>
+                <a:cs typeface="Calibri"/>
+                <a:sym typeface="Calibri"/>
+              </a:defRPr>
+            </a:lvl4pPr>
+            <a:lvl5pPr marL="2286000" marR="0" lvl="4" indent="-228600" algn="l" rtl="0">
+              <a:lnSpc>
+                <a:spcPct val="90000"/>
+              </a:lnSpc>
+              <a:spcBef>
+                <a:spcPts val="500"/>
+              </a:spcBef>
+              <a:spcAft>
+                <a:spcPts val="0"/>
+              </a:spcAft>
+              <a:buClr>
+                <a:srgbClr val="888888"/>
+              </a:buClr>
+              <a:buSzPts val="1600"/>
+              <a:buFont typeface="Arial"/>
+              <a:buNone/>
+              <a:defRPr sz="1600" b="0" i="0" u="none" strike="noStrike" cap="none">
+                <a:solidFill>
+                  <a:srgbClr val="888888"/>
+                </a:solidFill>
+                <a:latin typeface="Calibri"/>
+                <a:ea typeface="Calibri"/>
+                <a:cs typeface="Calibri"/>
+                <a:sym typeface="Calibri"/>
+              </a:defRPr>
+            </a:lvl5pPr>
+            <a:lvl6pPr marL="2743200" marR="0" lvl="5" indent="-228600" algn="l" rtl="0">
+              <a:lnSpc>
+                <a:spcPct val="90000"/>
+              </a:lnSpc>
+              <a:spcBef>
+                <a:spcPts val="500"/>
+              </a:spcBef>
+              <a:spcAft>
+                <a:spcPts val="0"/>
+              </a:spcAft>
+              <a:buClr>
+                <a:srgbClr val="888888"/>
+              </a:buClr>
+              <a:buSzPts val="1600"/>
+              <a:buFont typeface="Arial"/>
+              <a:buNone/>
+              <a:defRPr sz="1600" b="0" i="0" u="none" strike="noStrike" cap="none">
+                <a:solidFill>
+                  <a:srgbClr val="888888"/>
+                </a:solidFill>
+                <a:latin typeface="Calibri"/>
+                <a:ea typeface="Calibri"/>
+                <a:cs typeface="Calibri"/>
+                <a:sym typeface="Calibri"/>
+              </a:defRPr>
+            </a:lvl6pPr>
+            <a:lvl7pPr marL="3200400" marR="0" lvl="6" indent="-228600" algn="l" rtl="0">
+              <a:lnSpc>
+                <a:spcPct val="90000"/>
+              </a:lnSpc>
+              <a:spcBef>
+                <a:spcPts val="500"/>
+              </a:spcBef>
+              <a:spcAft>
+                <a:spcPts val="0"/>
+              </a:spcAft>
+              <a:buClr>
+                <a:srgbClr val="888888"/>
+              </a:buClr>
+              <a:buSzPts val="1600"/>
+              <a:buFont typeface="Arial"/>
+              <a:buNone/>
+              <a:defRPr sz="1600" b="0" i="0" u="none" strike="noStrike" cap="none">
+                <a:solidFill>
+                  <a:srgbClr val="888888"/>
+                </a:solidFill>
+                <a:latin typeface="Calibri"/>
+                <a:ea typeface="Calibri"/>
+                <a:cs typeface="Calibri"/>
+                <a:sym typeface="Calibri"/>
+              </a:defRPr>
+            </a:lvl7pPr>
+            <a:lvl8pPr marL="3657600" marR="0" lvl="7" indent="-228600" algn="l" rtl="0">
+              <a:lnSpc>
+                <a:spcPct val="90000"/>
+              </a:lnSpc>
+              <a:spcBef>
+                <a:spcPts val="500"/>
+              </a:spcBef>
+              <a:spcAft>
+                <a:spcPts val="0"/>
+              </a:spcAft>
+              <a:buClr>
+                <a:srgbClr val="888888"/>
+              </a:buClr>
+              <a:buSzPts val="1600"/>
+              <a:buFont typeface="Arial"/>
+              <a:buNone/>
+              <a:defRPr sz="1600" b="0" i="0" u="none" strike="noStrike" cap="none">
+                <a:solidFill>
+                  <a:srgbClr val="888888"/>
+                </a:solidFill>
+                <a:latin typeface="Calibri"/>
+                <a:ea typeface="Calibri"/>
+                <a:cs typeface="Calibri"/>
+                <a:sym typeface="Calibri"/>
+              </a:defRPr>
+            </a:lvl8pPr>
+            <a:lvl9pPr marL="4114800" marR="0" lvl="8" indent="-228600" algn="l" rtl="0">
+              <a:lnSpc>
+                <a:spcPct val="90000"/>
+              </a:lnSpc>
+              <a:spcBef>
+                <a:spcPts val="500"/>
+              </a:spcBef>
+              <a:spcAft>
+                <a:spcPts val="0"/>
+              </a:spcAft>
+              <a:buClr>
+                <a:srgbClr val="888888"/>
+              </a:buClr>
+              <a:buSzPts val="1600"/>
+              <a:buFont typeface="Arial"/>
+              <a:buNone/>
+              <a:defRPr sz="1600" b="0" i="0" u="none" strike="noStrike" cap="none">
+                <a:solidFill>
+                  <a:srgbClr val="888888"/>
+                </a:solidFill>
+                <a:latin typeface="Calibri"/>
+                <a:ea typeface="Calibri"/>
+                <a:cs typeface="Calibri"/>
+                <a:sym typeface="Calibri"/>
+              </a:defRPr>
+            </a:lvl9pPr>
+          </a:lstStyle>
+          <a:p>
+            <a:endParaRPr/>
           </a:p>
         </p:txBody>
       </p:sp>
       <p:sp>
         <p:nvSpPr>
-          <p:cNvPr id="4" name="Date Placeholder 3"/>
-          <p:cNvSpPr>
+          <p:cNvPr id="30" name="Shape 30"/>
+          <p:cNvSpPr txBox="1">
             <a:spLocks noGrp="1"/>
           </p:cNvSpPr>
           <p:nvPr>
-            <p:ph type="dt" sz="half" idx="10"/>
+            <p:ph type="dt" idx="10"/>
           </p:nvPr>
         </p:nvSpPr>
-        <p:spPr/>
+        <p:spPr>
+          <a:xfrm>
+            <a:off x="838200" y="6356350"/>
+            <a:ext cx="2743200" cy="365125"/>
+          </a:xfrm>
+          <a:prstGeom prst="rect">
+            <a:avLst/>
+          </a:prstGeom>
+          <a:noFill/>
+          <a:ln>
+            <a:noFill/>
+          </a:ln>
+        </p:spPr>
         <p:txBody>
-          <a:bodyPr/>
-          <a:lstStyle/>
-          <a:p>
-            <a:fld id="{241EB5C9-1307-BA42-ABA2-0BC069CD8E7F}" type="datetimeFigureOut">
-              <a:rPr lang="en-US" smtClean="0"/>
-              <a:t>2/17/2018</a:t>
-            </a:fld>
-            <a:endParaRPr lang="en-US"/>
+          <a:bodyPr spcFirstLastPara="1" wrap="square" lIns="91425" tIns="91425" rIns="91425" bIns="91425" anchor="ctr" anchorCtr="0"/>
+          <a:lstStyle>
+            <a:lvl1pPr marR="0" lvl="0" algn="l" rtl="0">
+              <a:spcBef>
+                <a:spcPts val="0"/>
+              </a:spcBef>
+              <a:spcAft>
+                <a:spcPts val="0"/>
+              </a:spcAft>
+              <a:buSzPts val="1400"/>
+              <a:buNone/>
+              <a:defRPr sz="1200">
+                <a:solidFill>
+                  <a:srgbClr val="888888"/>
+                </a:solidFill>
+                <a:latin typeface="Calibri"/>
+                <a:ea typeface="Calibri"/>
+                <a:cs typeface="Calibri"/>
+                <a:sym typeface="Calibri"/>
+              </a:defRPr>
+            </a:lvl1pPr>
+            <a:lvl2pPr marR="0" lvl="1" algn="l" rtl="0">
+              <a:spcBef>
+                <a:spcPts val="0"/>
+              </a:spcBef>
+              <a:spcAft>
+                <a:spcPts val="0"/>
+              </a:spcAft>
+              <a:buSzPts val="1400"/>
+              <a:buNone/>
+              <a:defRPr sz="1800" b="0" i="0" u="none" strike="noStrike" cap="none">
+                <a:solidFill>
+                  <a:schemeClr val="dk1"/>
+                </a:solidFill>
+                <a:latin typeface="Calibri"/>
+                <a:ea typeface="Calibri"/>
+                <a:cs typeface="Calibri"/>
+                <a:sym typeface="Calibri"/>
+              </a:defRPr>
+            </a:lvl2pPr>
+            <a:lvl3pPr marR="0" lvl="2" algn="l" rtl="0">
+              <a:spcBef>
+                <a:spcPts val="0"/>
+              </a:spcBef>
+              <a:spcAft>
+                <a:spcPts val="0"/>
+              </a:spcAft>
+              <a:buSzPts val="1400"/>
+              <a:buNone/>
+              <a:defRPr sz="1800" b="0" i="0" u="none" strike="noStrike" cap="none">
+                <a:solidFill>
+                  <a:schemeClr val="dk1"/>
+                </a:solidFill>
+                <a:latin typeface="Calibri"/>
+                <a:ea typeface="Calibri"/>
+                <a:cs typeface="Calibri"/>
+                <a:sym typeface="Calibri"/>
+              </a:defRPr>
+            </a:lvl3pPr>
+            <a:lvl4pPr marR="0" lvl="3" algn="l" rtl="0">
+              <a:spcBef>
+                <a:spcPts val="0"/>
+              </a:spcBef>
+              <a:spcAft>
+                <a:spcPts val="0"/>
+              </a:spcAft>
+              <a:buSzPts val="1400"/>
+              <a:buNone/>
+              <a:defRPr sz="1800" b="0" i="0" u="none" strike="noStrike" cap="none">
+                <a:solidFill>
+                  <a:schemeClr val="dk1"/>
+                </a:solidFill>
+                <a:latin typeface="Calibri"/>
+                <a:ea typeface="Calibri"/>
+                <a:cs typeface="Calibri"/>
+                <a:sym typeface="Calibri"/>
+              </a:defRPr>
+            </a:lvl4pPr>
+            <a:lvl5pPr marR="0" lvl="4" algn="l" rtl="0">
+              <a:spcBef>
+                <a:spcPts val="0"/>
+              </a:spcBef>
+              <a:spcAft>
+                <a:spcPts val="0"/>
+              </a:spcAft>
+              <a:buSzPts val="1400"/>
+              <a:buNone/>
+              <a:defRPr sz="1800" b="0" i="0" u="none" strike="noStrike" cap="none">
+                <a:solidFill>
+                  <a:schemeClr val="dk1"/>
+                </a:solidFill>
+                <a:latin typeface="Calibri"/>
+                <a:ea typeface="Calibri"/>
+                <a:cs typeface="Calibri"/>
+                <a:sym typeface="Calibri"/>
+              </a:defRPr>
+            </a:lvl5pPr>
+            <a:lvl6pPr marR="0" lvl="5" algn="l" rtl="0">
+              <a:spcBef>
+                <a:spcPts val="0"/>
+              </a:spcBef>
+              <a:spcAft>
+                <a:spcPts val="0"/>
+              </a:spcAft>
+              <a:buSzPts val="1400"/>
+              <a:buNone/>
+              <a:defRPr sz="1800" b="0" i="0" u="none" strike="noStrike" cap="none">
+                <a:solidFill>
+                  <a:schemeClr val="dk1"/>
+                </a:solidFill>
+                <a:latin typeface="Calibri"/>
+                <a:ea typeface="Calibri"/>
+                <a:cs typeface="Calibri"/>
+                <a:sym typeface="Calibri"/>
+              </a:defRPr>
+            </a:lvl6pPr>
+            <a:lvl7pPr marR="0" lvl="6" algn="l" rtl="0">
+              <a:spcBef>
+                <a:spcPts val="0"/>
+              </a:spcBef>
+              <a:spcAft>
+                <a:spcPts val="0"/>
+              </a:spcAft>
+              <a:buSzPts val="1400"/>
+              <a:buNone/>
+              <a:defRPr sz="1800" b="0" i="0" u="none" strike="noStrike" cap="none">
+                <a:solidFill>
+                  <a:schemeClr val="dk1"/>
+                </a:solidFill>
+                <a:latin typeface="Calibri"/>
+                <a:ea typeface="Calibri"/>
+                <a:cs typeface="Calibri"/>
+                <a:sym typeface="Calibri"/>
+              </a:defRPr>
+            </a:lvl7pPr>
+            <a:lvl8pPr marR="0" lvl="7" algn="l" rtl="0">
+              <a:spcBef>
+                <a:spcPts val="0"/>
+              </a:spcBef>
+              <a:spcAft>
+                <a:spcPts val="0"/>
+              </a:spcAft>
+              <a:buSzPts val="1400"/>
+              <a:buNone/>
+              <a:defRPr sz="1800" b="0" i="0" u="none" strike="noStrike" cap="none">
+                <a:solidFill>
+                  <a:schemeClr val="dk1"/>
+                </a:solidFill>
+                <a:latin typeface="Calibri"/>
+                <a:ea typeface="Calibri"/>
+                <a:cs typeface="Calibri"/>
+                <a:sym typeface="Calibri"/>
+              </a:defRPr>
+            </a:lvl8pPr>
+            <a:lvl9pPr marR="0" lvl="8" algn="l" rtl="0">
+              <a:spcBef>
+                <a:spcPts val="0"/>
+              </a:spcBef>
+              <a:spcAft>
+                <a:spcPts val="0"/>
+              </a:spcAft>
+              <a:buSzPts val="1400"/>
+              <a:buNone/>
+              <a:defRPr sz="1800" b="0" i="0" u="none" strike="noStrike" cap="none">
+                <a:solidFill>
+                  <a:schemeClr val="dk1"/>
+                </a:solidFill>
+                <a:latin typeface="Calibri"/>
+                <a:ea typeface="Calibri"/>
+                <a:cs typeface="Calibri"/>
+                <a:sym typeface="Calibri"/>
+              </a:defRPr>
+            </a:lvl9pPr>
+          </a:lstStyle>
+          <a:p>
+            <a:endParaRPr/>
           </a:p>
         </p:txBody>
       </p:sp>
       <p:sp>
         <p:nvSpPr>
-          <p:cNvPr id="5" name="Footer Placeholder 4"/>
-          <p:cNvSpPr>
+          <p:cNvPr id="31" name="Shape 31"/>
+          <p:cNvSpPr txBox="1">
             <a:spLocks noGrp="1"/>
           </p:cNvSpPr>
           <p:nvPr>
-            <p:ph type="ftr" sz="quarter" idx="11"/>
+            <p:ph type="ftr" idx="11"/>
           </p:nvPr>
         </p:nvSpPr>
-        <p:spPr/>
+        <p:spPr>
+          <a:xfrm>
+            <a:off x="4038600" y="6356350"/>
+            <a:ext cx="4114800" cy="365125"/>
+          </a:xfrm>
+          <a:prstGeom prst="rect">
+            <a:avLst/>
+          </a:prstGeom>
+          <a:noFill/>
+          <a:ln>
+            <a:noFill/>
+          </a:ln>
+        </p:spPr>
         <p:txBody>
-          <a:bodyPr/>
-          <a:lstStyle/>
-          <a:p>
-            <a:endParaRPr lang="en-US"/>
+          <a:bodyPr spcFirstLastPara="1" wrap="square" lIns="91425" tIns="91425" rIns="91425" bIns="91425" anchor="ctr" anchorCtr="0"/>
+          <a:lstStyle>
+            <a:lvl1pPr marR="0" lvl="0" algn="ctr" rtl="0">
+              <a:spcBef>
+                <a:spcPts val="0"/>
+              </a:spcBef>
+              <a:spcAft>
+                <a:spcPts val="0"/>
+              </a:spcAft>
+              <a:buSzPts val="1400"/>
+              <a:buNone/>
+              <a:defRPr sz="1200">
+                <a:solidFill>
+                  <a:srgbClr val="888888"/>
+                </a:solidFill>
+                <a:latin typeface="Calibri"/>
+                <a:ea typeface="Calibri"/>
+                <a:cs typeface="Calibri"/>
+                <a:sym typeface="Calibri"/>
+              </a:defRPr>
+            </a:lvl1pPr>
+            <a:lvl2pPr marR="0" lvl="1" algn="l" rtl="0">
+              <a:spcBef>
+                <a:spcPts val="0"/>
+              </a:spcBef>
+              <a:spcAft>
+                <a:spcPts val="0"/>
+              </a:spcAft>
+              <a:buSzPts val="1400"/>
+              <a:buNone/>
+              <a:defRPr sz="1800" b="0" i="0" u="none" strike="noStrike" cap="none">
+                <a:solidFill>
+                  <a:schemeClr val="dk1"/>
+                </a:solidFill>
+                <a:latin typeface="Calibri"/>
+                <a:ea typeface="Calibri"/>
+                <a:cs typeface="Calibri"/>
+                <a:sym typeface="Calibri"/>
+              </a:defRPr>
+            </a:lvl2pPr>
+            <a:lvl3pPr marR="0" lvl="2" algn="l" rtl="0">
+              <a:spcBef>
+                <a:spcPts val="0"/>
+              </a:spcBef>
+              <a:spcAft>
+                <a:spcPts val="0"/>
+              </a:spcAft>
+              <a:buSzPts val="1400"/>
+              <a:buNone/>
+              <a:defRPr sz="1800" b="0" i="0" u="none" strike="noStrike" cap="none">
+                <a:solidFill>
+                  <a:schemeClr val="dk1"/>
+                </a:solidFill>
+                <a:latin typeface="Calibri"/>
+                <a:ea typeface="Calibri"/>
+                <a:cs typeface="Calibri"/>
+                <a:sym typeface="Calibri"/>
+              </a:defRPr>
+            </a:lvl3pPr>
+            <a:lvl4pPr marR="0" lvl="3" algn="l" rtl="0">
+              <a:spcBef>
+                <a:spcPts val="0"/>
+              </a:spcBef>
+              <a:spcAft>
+                <a:spcPts val="0"/>
+              </a:spcAft>
+              <a:buSzPts val="1400"/>
+              <a:buNone/>
+              <a:defRPr sz="1800" b="0" i="0" u="none" strike="noStrike" cap="none">
+                <a:solidFill>
+                  <a:schemeClr val="dk1"/>
+                </a:solidFill>
+                <a:latin typeface="Calibri"/>
+                <a:ea typeface="Calibri"/>
+                <a:cs typeface="Calibri"/>
+                <a:sym typeface="Calibri"/>
+              </a:defRPr>
+            </a:lvl4pPr>
+            <a:lvl5pPr marR="0" lvl="4" algn="l" rtl="0">
+              <a:spcBef>
+                <a:spcPts val="0"/>
+              </a:spcBef>
+              <a:spcAft>
+                <a:spcPts val="0"/>
+              </a:spcAft>
+              <a:buSzPts val="1400"/>
+              <a:buNone/>
+              <a:defRPr sz="1800" b="0" i="0" u="none" strike="noStrike" cap="none">
+                <a:solidFill>
+                  <a:schemeClr val="dk1"/>
+                </a:solidFill>
+                <a:latin typeface="Calibri"/>
+                <a:ea typeface="Calibri"/>
+                <a:cs typeface="Calibri"/>
+                <a:sym typeface="Calibri"/>
+              </a:defRPr>
+            </a:lvl5pPr>
+            <a:lvl6pPr marR="0" lvl="5" algn="l" rtl="0">
+              <a:spcBef>
+                <a:spcPts val="0"/>
+              </a:spcBef>
+              <a:spcAft>
+                <a:spcPts val="0"/>
+              </a:spcAft>
+              <a:buSzPts val="1400"/>
+              <a:buNone/>
+              <a:defRPr sz="1800" b="0" i="0" u="none" strike="noStrike" cap="none">
+                <a:solidFill>
+                  <a:schemeClr val="dk1"/>
+                </a:solidFill>
+                <a:latin typeface="Calibri"/>
+                <a:ea typeface="Calibri"/>
+                <a:cs typeface="Calibri"/>
+                <a:sym typeface="Calibri"/>
+              </a:defRPr>
+            </a:lvl6pPr>
+            <a:lvl7pPr marR="0" lvl="6" algn="l" rtl="0">
+              <a:spcBef>
+                <a:spcPts val="0"/>
+              </a:spcBef>
+              <a:spcAft>
+                <a:spcPts val="0"/>
+              </a:spcAft>
+              <a:buSzPts val="1400"/>
+              <a:buNone/>
+              <a:defRPr sz="1800" b="0" i="0" u="none" strike="noStrike" cap="none">
+                <a:solidFill>
+                  <a:schemeClr val="dk1"/>
+                </a:solidFill>
+                <a:latin typeface="Calibri"/>
+                <a:ea typeface="Calibri"/>
+                <a:cs typeface="Calibri"/>
+                <a:sym typeface="Calibri"/>
+              </a:defRPr>
+            </a:lvl7pPr>
+            <a:lvl8pPr marR="0" lvl="7" algn="l" rtl="0">
+              <a:spcBef>
+                <a:spcPts val="0"/>
+              </a:spcBef>
+              <a:spcAft>
+                <a:spcPts val="0"/>
+              </a:spcAft>
+              <a:buSzPts val="1400"/>
+              <a:buNone/>
+              <a:defRPr sz="1800" b="0" i="0" u="none" strike="noStrike" cap="none">
+                <a:solidFill>
+                  <a:schemeClr val="dk1"/>
+                </a:solidFill>
+                <a:latin typeface="Calibri"/>
+                <a:ea typeface="Calibri"/>
+                <a:cs typeface="Calibri"/>
+                <a:sym typeface="Calibri"/>
+              </a:defRPr>
+            </a:lvl8pPr>
+            <a:lvl9pPr marR="0" lvl="8" algn="l" rtl="0">
+              <a:spcBef>
+                <a:spcPts val="0"/>
+              </a:spcBef>
+              <a:spcAft>
+                <a:spcPts val="0"/>
+              </a:spcAft>
+              <a:buSzPts val="1400"/>
+              <a:buNone/>
+              <a:defRPr sz="1800" b="0" i="0" u="none" strike="noStrike" cap="none">
+                <a:solidFill>
+                  <a:schemeClr val="dk1"/>
+                </a:solidFill>
+                <a:latin typeface="Calibri"/>
+                <a:ea typeface="Calibri"/>
+                <a:cs typeface="Calibri"/>
+                <a:sym typeface="Calibri"/>
+              </a:defRPr>
+            </a:lvl9pPr>
+          </a:lstStyle>
+          <a:p>
+            <a:endParaRPr/>
           </a:p>
         </p:txBody>
       </p:sp>
       <p:sp>
         <p:nvSpPr>
-          <p:cNvPr id="6" name="Slide Number Placeholder 5"/>
-          <p:cNvSpPr>
+          <p:cNvPr id="32" name="Shape 32"/>
+          <p:cNvSpPr txBox="1">
             <a:spLocks noGrp="1"/>
           </p:cNvSpPr>
           <p:nvPr>
-            <p:ph type="sldNum" sz="quarter" idx="12"/>
+            <p:ph type="sldNum" idx="12"/>
           </p:nvPr>
         </p:nvSpPr>
-        <p:spPr/>
+        <p:spPr>
+          <a:xfrm>
+            <a:off x="8610600" y="6356350"/>
+            <a:ext cx="2743200" cy="365125"/>
+          </a:xfrm>
+          <a:prstGeom prst="rect">
+            <a:avLst/>
+          </a:prstGeom>
+          <a:noFill/>
+          <a:ln>
+            <a:noFill/>
+          </a:ln>
+        </p:spPr>
         <p:txBody>
-          <a:bodyPr/>
-          <a:lstStyle/>
-          <a:p>
-            <a:fld id="{C5EF2332-01BF-834F-8236-50238282D533}" type="slidenum">
-              <a:rPr lang="en-US" smtClean="0"/>
+          <a:bodyPr spcFirstLastPara="1" wrap="square" lIns="91425" tIns="45700" rIns="91425" bIns="45700" anchor="ctr" anchorCtr="0">
+            <a:noAutofit/>
+          </a:bodyPr>
+          <a:lstStyle>
+            <a:lvl1pPr marL="0" marR="0" lvl="0" indent="0" algn="r" rtl="0">
+              <a:spcBef>
+                <a:spcPts val="0"/>
+              </a:spcBef>
+              <a:buNone/>
+              <a:defRPr sz="1200">
+                <a:solidFill>
+                  <a:srgbClr val="888888"/>
+                </a:solidFill>
+                <a:latin typeface="Calibri"/>
+                <a:ea typeface="Calibri"/>
+                <a:cs typeface="Calibri"/>
+                <a:sym typeface="Calibri"/>
+              </a:defRPr>
+            </a:lvl1pPr>
+            <a:lvl2pPr marL="0" marR="0" lvl="1" indent="0" algn="r" rtl="0">
+              <a:spcBef>
+                <a:spcPts val="0"/>
+              </a:spcBef>
+              <a:buNone/>
+              <a:defRPr sz="1200">
+                <a:solidFill>
+                  <a:srgbClr val="888888"/>
+                </a:solidFill>
+                <a:latin typeface="Calibri"/>
+                <a:ea typeface="Calibri"/>
+                <a:cs typeface="Calibri"/>
+                <a:sym typeface="Calibri"/>
+              </a:defRPr>
+            </a:lvl2pPr>
+            <a:lvl3pPr marL="0" marR="0" lvl="2" indent="0" algn="r" rtl="0">
+              <a:spcBef>
+                <a:spcPts val="0"/>
+              </a:spcBef>
+              <a:buNone/>
+              <a:defRPr sz="1200">
+                <a:solidFill>
+                  <a:srgbClr val="888888"/>
+                </a:solidFill>
+                <a:latin typeface="Calibri"/>
+                <a:ea typeface="Calibri"/>
+                <a:cs typeface="Calibri"/>
+                <a:sym typeface="Calibri"/>
+              </a:defRPr>
+            </a:lvl3pPr>
+            <a:lvl4pPr marL="0" marR="0" lvl="3" indent="0" algn="r" rtl="0">
+              <a:spcBef>
+                <a:spcPts val="0"/>
+              </a:spcBef>
+              <a:buNone/>
+              <a:defRPr sz="1200">
+                <a:solidFill>
+                  <a:srgbClr val="888888"/>
+                </a:solidFill>
+                <a:latin typeface="Calibri"/>
+                <a:ea typeface="Calibri"/>
+                <a:cs typeface="Calibri"/>
+                <a:sym typeface="Calibri"/>
+              </a:defRPr>
+            </a:lvl4pPr>
+            <a:lvl5pPr marL="0" marR="0" lvl="4" indent="0" algn="r" rtl="0">
+              <a:spcBef>
+                <a:spcPts val="0"/>
+              </a:spcBef>
+              <a:buNone/>
+              <a:defRPr sz="1200">
+                <a:solidFill>
+                  <a:srgbClr val="888888"/>
+                </a:solidFill>
+                <a:latin typeface="Calibri"/>
+                <a:ea typeface="Calibri"/>
+                <a:cs typeface="Calibri"/>
+                <a:sym typeface="Calibri"/>
+              </a:defRPr>
+            </a:lvl5pPr>
+            <a:lvl6pPr marL="0" marR="0" lvl="5" indent="0" algn="r" rtl="0">
+              <a:spcBef>
+                <a:spcPts val="0"/>
+              </a:spcBef>
+              <a:buNone/>
+              <a:defRPr sz="1200">
+                <a:solidFill>
+                  <a:srgbClr val="888888"/>
+                </a:solidFill>
+                <a:latin typeface="Calibri"/>
+                <a:ea typeface="Calibri"/>
+                <a:cs typeface="Calibri"/>
+                <a:sym typeface="Calibri"/>
+              </a:defRPr>
+            </a:lvl6pPr>
+            <a:lvl7pPr marL="0" marR="0" lvl="6" indent="0" algn="r" rtl="0">
+              <a:spcBef>
+                <a:spcPts val="0"/>
+              </a:spcBef>
+              <a:buNone/>
+              <a:defRPr sz="1200">
+                <a:solidFill>
+                  <a:srgbClr val="888888"/>
+                </a:solidFill>
+                <a:latin typeface="Calibri"/>
+                <a:ea typeface="Calibri"/>
+                <a:cs typeface="Calibri"/>
+                <a:sym typeface="Calibri"/>
+              </a:defRPr>
+            </a:lvl7pPr>
+            <a:lvl8pPr marL="0" marR="0" lvl="7" indent="0" algn="r" rtl="0">
+              <a:spcBef>
+                <a:spcPts val="0"/>
+              </a:spcBef>
+              <a:buNone/>
+              <a:defRPr sz="1200">
+                <a:solidFill>
+                  <a:srgbClr val="888888"/>
+                </a:solidFill>
+                <a:latin typeface="Calibri"/>
+                <a:ea typeface="Calibri"/>
+                <a:cs typeface="Calibri"/>
+                <a:sym typeface="Calibri"/>
+              </a:defRPr>
+            </a:lvl8pPr>
+            <a:lvl9pPr marL="0" marR="0" lvl="8" indent="0" algn="r" rtl="0">
+              <a:spcBef>
+                <a:spcPts val="0"/>
+              </a:spcBef>
+              <a:buNone/>
+              <a:defRPr sz="1200">
+                <a:solidFill>
+                  <a:srgbClr val="888888"/>
+                </a:solidFill>
+                <a:latin typeface="Calibri"/>
+                <a:ea typeface="Calibri"/>
+                <a:cs typeface="Calibri"/>
+                <a:sym typeface="Calibri"/>
+              </a:defRPr>
+            </a:lvl9pPr>
+          </a:lstStyle>
+          <a:p>
+            <a:pPr marL="0" lvl="0" indent="0">
+              <a:spcBef>
+                <a:spcPts val="0"/>
+              </a:spcBef>
+              <a:spcAft>
+                <a:spcPts val="0"/>
+              </a:spcAft>
+              <a:buNone/>
+            </a:pPr>
+            <a:fld id="{00000000-1234-1234-1234-123412341234}" type="slidenum">
+              <a:rPr lang="en-US"/>
               <a:t>‹#›</a:t>
             </a:fld>
-            <a:endParaRPr lang="en-US"/>
+            <a:endParaRPr/>
           </a:p>
         </p:txBody>
       </p:sp>
     </p:spTree>
-    <p:extLst>
-      <p:ext uri="{BB962C8B-B14F-4D97-AF65-F5344CB8AC3E}">
-        <p14:creationId xmlns:p14="http://schemas.microsoft.com/office/powerpoint/2010/main" val="338346009"/>
-      </p:ext>
-    </p:extLst>
   </p:cSld>
   <p:clrMapOvr>
     <a:masterClrMapping/>
@@ -1402,11 +4033,11 @@
 </file>
 
 <file path=ppt/slideLayouts/slideLayout3.xml><?xml version="1.0" encoding="utf-8"?>
-<p:sldLayout xmlns:a="http://schemas.openxmlformats.org/drawingml/2006/main" xmlns:r="http://schemas.openxmlformats.org/officeDocument/2006/relationships" xmlns:p="http://schemas.openxmlformats.org/presentationml/2006/main" type="secHead" preserve="1">
-  <p:cSld name="Section Header">
+<p:sldLayout xmlns:a="http://schemas.openxmlformats.org/drawingml/2006/main" xmlns:r="http://schemas.openxmlformats.org/officeDocument/2006/relationships" xmlns:p="http://schemas.openxmlformats.org/presentationml/2006/main" matchingName="Comparison" type="twoTxTwoObj">
+  <p:cSld name="TWO_OBJECTS_WITH_TEXT">
     <p:spTree>
       <p:nvGrpSpPr>
-        <p:cNvPr id="1" name=""/>
+        <p:cNvPr id="1" name="Shape 40"/>
         <p:cNvGrpSpPr/>
         <p:nvPr/>
       </p:nvGrpSpPr>
@@ -1420,8 +4051,8 @@
       </p:grpSpPr>
       <p:sp>
         <p:nvSpPr>
-          <p:cNvPr id="2" name="Title 1"/>
-          <p:cNvSpPr>
+          <p:cNvPr id="41" name="Shape 41"/>
+          <p:cNvSpPr txBox="1">
             <a:spLocks noGrp="1"/>
           </p:cNvSpPr>
           <p:nvPr>
@@ -1430,30 +4061,144 @@
         </p:nvSpPr>
         <p:spPr>
           <a:xfrm>
-            <a:off x="722313" y="4406900"/>
-            <a:ext cx="7772400" cy="1362075"/>
+            <a:off x="839788" y="365125"/>
+            <a:ext cx="10515600" cy="1325563"/>
           </a:xfrm>
+          <a:prstGeom prst="rect">
+            <a:avLst/>
+          </a:prstGeom>
+          <a:noFill/>
+          <a:ln>
+            <a:noFill/>
+          </a:ln>
         </p:spPr>
         <p:txBody>
-          <a:bodyPr anchor="t"/>
+          <a:bodyPr spcFirstLastPara="1" wrap="square" lIns="91425" tIns="91425" rIns="91425" bIns="91425" anchor="ctr" anchorCtr="0"/>
           <a:lstStyle>
-            <a:lvl1pPr algn="l">
-              <a:defRPr sz="4000" b="1" cap="all"/>
+            <a:lvl1pPr marR="0" lvl="0" algn="l" rtl="0">
+              <a:lnSpc>
+                <a:spcPct val="90000"/>
+              </a:lnSpc>
+              <a:spcBef>
+                <a:spcPts val="0"/>
+              </a:spcBef>
+              <a:spcAft>
+                <a:spcPts val="0"/>
+              </a:spcAft>
+              <a:buClr>
+                <a:schemeClr val="dk1"/>
+              </a:buClr>
+              <a:buSzPts val="4400"/>
+              <a:buFont typeface="Calibri"/>
+              <a:buNone/>
+              <a:defRPr sz="4400" b="0" i="0" u="none" strike="noStrike" cap="none">
+                <a:solidFill>
+                  <a:schemeClr val="dk1"/>
+                </a:solidFill>
+                <a:latin typeface="Calibri"/>
+                <a:ea typeface="Calibri"/>
+                <a:cs typeface="Calibri"/>
+                <a:sym typeface="Calibri"/>
+              </a:defRPr>
             </a:lvl1pPr>
+            <a:lvl2pPr lvl="1">
+              <a:spcBef>
+                <a:spcPts val="0"/>
+              </a:spcBef>
+              <a:spcAft>
+                <a:spcPts val="0"/>
+              </a:spcAft>
+              <a:buSzPts val="1400"/>
+              <a:buNone/>
+              <a:defRPr sz="1800"/>
+            </a:lvl2pPr>
+            <a:lvl3pPr lvl="2">
+              <a:spcBef>
+                <a:spcPts val="0"/>
+              </a:spcBef>
+              <a:spcAft>
+                <a:spcPts val="0"/>
+              </a:spcAft>
+              <a:buSzPts val="1400"/>
+              <a:buNone/>
+              <a:defRPr sz="1800"/>
+            </a:lvl3pPr>
+            <a:lvl4pPr lvl="3">
+              <a:spcBef>
+                <a:spcPts val="0"/>
+              </a:spcBef>
+              <a:spcAft>
+                <a:spcPts val="0"/>
+              </a:spcAft>
+              <a:buSzPts val="1400"/>
+              <a:buNone/>
+              <a:defRPr sz="1800"/>
+            </a:lvl4pPr>
+            <a:lvl5pPr lvl="4">
+              <a:spcBef>
+                <a:spcPts val="0"/>
+              </a:spcBef>
+              <a:spcAft>
+                <a:spcPts val="0"/>
+              </a:spcAft>
+              <a:buSzPts val="1400"/>
+              <a:buNone/>
+              <a:defRPr sz="1800"/>
+            </a:lvl5pPr>
+            <a:lvl6pPr lvl="5">
+              <a:spcBef>
+                <a:spcPts val="0"/>
+              </a:spcBef>
+              <a:spcAft>
+                <a:spcPts val="0"/>
+              </a:spcAft>
+              <a:buSzPts val="1400"/>
+              <a:buNone/>
+              <a:defRPr sz="1800"/>
+            </a:lvl6pPr>
+            <a:lvl7pPr lvl="6">
+              <a:spcBef>
+                <a:spcPts val="0"/>
+              </a:spcBef>
+              <a:spcAft>
+                <a:spcPts val="0"/>
+              </a:spcAft>
+              <a:buSzPts val="1400"/>
+              <a:buNone/>
+              <a:defRPr sz="1800"/>
+            </a:lvl7pPr>
+            <a:lvl8pPr lvl="7">
+              <a:spcBef>
+                <a:spcPts val="0"/>
+              </a:spcBef>
+              <a:spcAft>
+                <a:spcPts val="0"/>
+              </a:spcAft>
+              <a:buSzPts val="1400"/>
+              <a:buNone/>
+              <a:defRPr sz="1800"/>
+            </a:lvl8pPr>
+            <a:lvl9pPr lvl="8">
+              <a:spcBef>
+                <a:spcPts val="0"/>
+              </a:spcBef>
+              <a:spcAft>
+                <a:spcPts val="0"/>
+              </a:spcAft>
+              <a:buSzPts val="1400"/>
+              <a:buNone/>
+              <a:defRPr sz="1800"/>
+            </a:lvl9pPr>
           </a:lstStyle>
           <a:p>
-            <a:r>
-              <a:rPr lang="en-US" smtClean="0"/>
-              <a:t>Click to edit Master title style</a:t>
-            </a:r>
-            <a:endParaRPr lang="en-US"/>
+            <a:endParaRPr/>
           </a:p>
         </p:txBody>
       </p:sp>
       <p:sp>
         <p:nvSpPr>
-          <p:cNvPr id="3" name="Text Placeholder 2"/>
-          <p:cNvSpPr>
+          <p:cNvPr id="42" name="Shape 42"/>
+          <p:cNvSpPr txBox="1">
             <a:spLocks noGrp="1"/>
           </p:cNvSpPr>
           <p:nvPr>
@@ -1462,184 +4207,1647 @@
         </p:nvSpPr>
         <p:spPr>
           <a:xfrm>
-            <a:off x="722313" y="2906713"/>
-            <a:ext cx="7772400" cy="1500187"/>
+            <a:off x="839788" y="1681163"/>
+            <a:ext cx="5157787" cy="823912"/>
           </a:xfrm>
+          <a:prstGeom prst="rect">
+            <a:avLst/>
+          </a:prstGeom>
+          <a:noFill/>
+          <a:ln>
+            <a:noFill/>
+          </a:ln>
         </p:spPr>
         <p:txBody>
-          <a:bodyPr anchor="b"/>
+          <a:bodyPr spcFirstLastPara="1" wrap="square" lIns="91425" tIns="91425" rIns="91425" bIns="91425" anchor="b" anchorCtr="0"/>
           <a:lstStyle>
-            <a:lvl1pPr marL="0" indent="0">
-              <a:buNone/>
-              <a:defRPr sz="2000">
-                <a:solidFill>
-                  <a:schemeClr val="tx1">
-                    <a:tint val="75000"/>
-                  </a:schemeClr>
-                </a:solidFill>
+            <a:lvl1pPr marL="457200" marR="0" lvl="0" indent="-228600" algn="l" rtl="0">
+              <a:lnSpc>
+                <a:spcPct val="90000"/>
+              </a:lnSpc>
+              <a:spcBef>
+                <a:spcPts val="1000"/>
+              </a:spcBef>
+              <a:spcAft>
+                <a:spcPts val="0"/>
+              </a:spcAft>
+              <a:buClr>
+                <a:schemeClr val="dk1"/>
+              </a:buClr>
+              <a:buSzPts val="2400"/>
+              <a:buFont typeface="Arial"/>
+              <a:buNone/>
+              <a:defRPr sz="2400" b="1" i="0" u="none" strike="noStrike" cap="none">
+                <a:solidFill>
+                  <a:schemeClr val="dk1"/>
+                </a:solidFill>
+                <a:latin typeface="Calibri"/>
+                <a:ea typeface="Calibri"/>
+                <a:cs typeface="Calibri"/>
+                <a:sym typeface="Calibri"/>
               </a:defRPr>
             </a:lvl1pPr>
-            <a:lvl2pPr marL="457200" indent="0">
-              <a:buNone/>
-              <a:defRPr sz="1800">
-                <a:solidFill>
-                  <a:schemeClr val="tx1">
-                    <a:tint val="75000"/>
-                  </a:schemeClr>
-                </a:solidFill>
+            <a:lvl2pPr marL="914400" marR="0" lvl="1" indent="-228600" algn="l" rtl="0">
+              <a:lnSpc>
+                <a:spcPct val="90000"/>
+              </a:lnSpc>
+              <a:spcBef>
+                <a:spcPts val="500"/>
+              </a:spcBef>
+              <a:spcAft>
+                <a:spcPts val="0"/>
+              </a:spcAft>
+              <a:buClr>
+                <a:schemeClr val="dk1"/>
+              </a:buClr>
+              <a:buSzPts val="2000"/>
+              <a:buFont typeface="Arial"/>
+              <a:buNone/>
+              <a:defRPr sz="2000" b="1" i="0" u="none" strike="noStrike" cap="none">
+                <a:solidFill>
+                  <a:schemeClr val="dk1"/>
+                </a:solidFill>
+                <a:latin typeface="Calibri"/>
+                <a:ea typeface="Calibri"/>
+                <a:cs typeface="Calibri"/>
+                <a:sym typeface="Calibri"/>
               </a:defRPr>
             </a:lvl2pPr>
-            <a:lvl3pPr marL="914400" indent="0">
-              <a:buNone/>
-              <a:defRPr sz="1600">
-                <a:solidFill>
-                  <a:schemeClr val="tx1">
-                    <a:tint val="75000"/>
-                  </a:schemeClr>
-                </a:solidFill>
+            <a:lvl3pPr marL="1371600" marR="0" lvl="2" indent="-228600" algn="l" rtl="0">
+              <a:lnSpc>
+                <a:spcPct val="90000"/>
+              </a:lnSpc>
+              <a:spcBef>
+                <a:spcPts val="500"/>
+              </a:spcBef>
+              <a:spcAft>
+                <a:spcPts val="0"/>
+              </a:spcAft>
+              <a:buClr>
+                <a:schemeClr val="dk1"/>
+              </a:buClr>
+              <a:buSzPts val="1800"/>
+              <a:buFont typeface="Arial"/>
+              <a:buNone/>
+              <a:defRPr sz="1800" b="1" i="0" u="none" strike="noStrike" cap="none">
+                <a:solidFill>
+                  <a:schemeClr val="dk1"/>
+                </a:solidFill>
+                <a:latin typeface="Calibri"/>
+                <a:ea typeface="Calibri"/>
+                <a:cs typeface="Calibri"/>
+                <a:sym typeface="Calibri"/>
               </a:defRPr>
             </a:lvl3pPr>
-            <a:lvl4pPr marL="1371600" indent="0">
-              <a:buNone/>
-              <a:defRPr sz="1400">
-                <a:solidFill>
-                  <a:schemeClr val="tx1">
-                    <a:tint val="75000"/>
-                  </a:schemeClr>
-                </a:solidFill>
+            <a:lvl4pPr marL="1828800" marR="0" lvl="3" indent="-228600" algn="l" rtl="0">
+              <a:lnSpc>
+                <a:spcPct val="90000"/>
+              </a:lnSpc>
+              <a:spcBef>
+                <a:spcPts val="500"/>
+              </a:spcBef>
+              <a:spcAft>
+                <a:spcPts val="0"/>
+              </a:spcAft>
+              <a:buClr>
+                <a:schemeClr val="dk1"/>
+              </a:buClr>
+              <a:buSzPts val="1600"/>
+              <a:buFont typeface="Arial"/>
+              <a:buNone/>
+              <a:defRPr sz="1600" b="1" i="0" u="none" strike="noStrike" cap="none">
+                <a:solidFill>
+                  <a:schemeClr val="dk1"/>
+                </a:solidFill>
+                <a:latin typeface="Calibri"/>
+                <a:ea typeface="Calibri"/>
+                <a:cs typeface="Calibri"/>
+                <a:sym typeface="Calibri"/>
               </a:defRPr>
             </a:lvl4pPr>
-            <a:lvl5pPr marL="1828800" indent="0">
-              <a:buNone/>
-              <a:defRPr sz="1400">
-                <a:solidFill>
-                  <a:schemeClr val="tx1">
-                    <a:tint val="75000"/>
-                  </a:schemeClr>
-                </a:solidFill>
+            <a:lvl5pPr marL="2286000" marR="0" lvl="4" indent="-228600" algn="l" rtl="0">
+              <a:lnSpc>
+                <a:spcPct val="90000"/>
+              </a:lnSpc>
+              <a:spcBef>
+                <a:spcPts val="500"/>
+              </a:spcBef>
+              <a:spcAft>
+                <a:spcPts val="0"/>
+              </a:spcAft>
+              <a:buClr>
+                <a:schemeClr val="dk1"/>
+              </a:buClr>
+              <a:buSzPts val="1600"/>
+              <a:buFont typeface="Arial"/>
+              <a:buNone/>
+              <a:defRPr sz="1600" b="1" i="0" u="none" strike="noStrike" cap="none">
+                <a:solidFill>
+                  <a:schemeClr val="dk1"/>
+                </a:solidFill>
+                <a:latin typeface="Calibri"/>
+                <a:ea typeface="Calibri"/>
+                <a:cs typeface="Calibri"/>
+                <a:sym typeface="Calibri"/>
               </a:defRPr>
             </a:lvl5pPr>
-            <a:lvl6pPr marL="2286000" indent="0">
-              <a:buNone/>
-              <a:defRPr sz="1400">
-                <a:solidFill>
-                  <a:schemeClr val="tx1">
-                    <a:tint val="75000"/>
-                  </a:schemeClr>
-                </a:solidFill>
+            <a:lvl6pPr marL="2743200" marR="0" lvl="5" indent="-228600" algn="l" rtl="0">
+              <a:lnSpc>
+                <a:spcPct val="90000"/>
+              </a:lnSpc>
+              <a:spcBef>
+                <a:spcPts val="500"/>
+              </a:spcBef>
+              <a:spcAft>
+                <a:spcPts val="0"/>
+              </a:spcAft>
+              <a:buClr>
+                <a:schemeClr val="dk1"/>
+              </a:buClr>
+              <a:buSzPts val="1600"/>
+              <a:buFont typeface="Arial"/>
+              <a:buNone/>
+              <a:defRPr sz="1600" b="1" i="0" u="none" strike="noStrike" cap="none">
+                <a:solidFill>
+                  <a:schemeClr val="dk1"/>
+                </a:solidFill>
+                <a:latin typeface="Calibri"/>
+                <a:ea typeface="Calibri"/>
+                <a:cs typeface="Calibri"/>
+                <a:sym typeface="Calibri"/>
               </a:defRPr>
             </a:lvl6pPr>
-            <a:lvl7pPr marL="2743200" indent="0">
-              <a:buNone/>
-              <a:defRPr sz="1400">
-                <a:solidFill>
-                  <a:schemeClr val="tx1">
-                    <a:tint val="75000"/>
-                  </a:schemeClr>
-                </a:solidFill>
+            <a:lvl7pPr marL="3200400" marR="0" lvl="6" indent="-228600" algn="l" rtl="0">
+              <a:lnSpc>
+                <a:spcPct val="90000"/>
+              </a:lnSpc>
+              <a:spcBef>
+                <a:spcPts val="500"/>
+              </a:spcBef>
+              <a:spcAft>
+                <a:spcPts val="0"/>
+              </a:spcAft>
+              <a:buClr>
+                <a:schemeClr val="dk1"/>
+              </a:buClr>
+              <a:buSzPts val="1600"/>
+              <a:buFont typeface="Arial"/>
+              <a:buNone/>
+              <a:defRPr sz="1600" b="1" i="0" u="none" strike="noStrike" cap="none">
+                <a:solidFill>
+                  <a:schemeClr val="dk1"/>
+                </a:solidFill>
+                <a:latin typeface="Calibri"/>
+                <a:ea typeface="Calibri"/>
+                <a:cs typeface="Calibri"/>
+                <a:sym typeface="Calibri"/>
               </a:defRPr>
             </a:lvl7pPr>
-            <a:lvl8pPr marL="3200400" indent="0">
-              <a:buNone/>
-              <a:defRPr sz="1400">
-                <a:solidFill>
-                  <a:schemeClr val="tx1">
-                    <a:tint val="75000"/>
-                  </a:schemeClr>
-                </a:solidFill>
+            <a:lvl8pPr marL="3657600" marR="0" lvl="7" indent="-228600" algn="l" rtl="0">
+              <a:lnSpc>
+                <a:spcPct val="90000"/>
+              </a:lnSpc>
+              <a:spcBef>
+                <a:spcPts val="500"/>
+              </a:spcBef>
+              <a:spcAft>
+                <a:spcPts val="0"/>
+              </a:spcAft>
+              <a:buClr>
+                <a:schemeClr val="dk1"/>
+              </a:buClr>
+              <a:buSzPts val="1600"/>
+              <a:buFont typeface="Arial"/>
+              <a:buNone/>
+              <a:defRPr sz="1600" b="1" i="0" u="none" strike="noStrike" cap="none">
+                <a:solidFill>
+                  <a:schemeClr val="dk1"/>
+                </a:solidFill>
+                <a:latin typeface="Calibri"/>
+                <a:ea typeface="Calibri"/>
+                <a:cs typeface="Calibri"/>
+                <a:sym typeface="Calibri"/>
               </a:defRPr>
             </a:lvl8pPr>
-            <a:lvl9pPr marL="3657600" indent="0">
-              <a:buNone/>
-              <a:defRPr sz="1400">
-                <a:solidFill>
-                  <a:schemeClr val="tx1">
-                    <a:tint val="75000"/>
-                  </a:schemeClr>
-                </a:solidFill>
+            <a:lvl9pPr marL="4114800" marR="0" lvl="8" indent="-228600" algn="l" rtl="0">
+              <a:lnSpc>
+                <a:spcPct val="90000"/>
+              </a:lnSpc>
+              <a:spcBef>
+                <a:spcPts val="500"/>
+              </a:spcBef>
+              <a:spcAft>
+                <a:spcPts val="0"/>
+              </a:spcAft>
+              <a:buClr>
+                <a:schemeClr val="dk1"/>
+              </a:buClr>
+              <a:buSzPts val="1600"/>
+              <a:buFont typeface="Arial"/>
+              <a:buNone/>
+              <a:defRPr sz="1600" b="1" i="0" u="none" strike="noStrike" cap="none">
+                <a:solidFill>
+                  <a:schemeClr val="dk1"/>
+                </a:solidFill>
+                <a:latin typeface="Calibri"/>
+                <a:ea typeface="Calibri"/>
+                <a:cs typeface="Calibri"/>
+                <a:sym typeface="Calibri"/>
               </a:defRPr>
             </a:lvl9pPr>
           </a:lstStyle>
           <a:p>
-            <a:pPr lvl="0"/>
-            <a:r>
-              <a:rPr lang="en-US" smtClean="0"/>
-              <a:t>Click to edit Master text styles</a:t>
-            </a:r>
+            <a:endParaRPr/>
           </a:p>
         </p:txBody>
       </p:sp>
       <p:sp>
         <p:nvSpPr>
-          <p:cNvPr id="4" name="Date Placeholder 3"/>
-          <p:cNvSpPr>
+          <p:cNvPr id="43" name="Shape 43"/>
+          <p:cNvSpPr txBox="1">
             <a:spLocks noGrp="1"/>
           </p:cNvSpPr>
           <p:nvPr>
-            <p:ph type="dt" sz="half" idx="10"/>
+            <p:ph type="body" idx="2"/>
           </p:nvPr>
         </p:nvSpPr>
-        <p:spPr/>
+        <p:spPr>
+          <a:xfrm>
+            <a:off x="839788" y="2505075"/>
+            <a:ext cx="5157787" cy="3684588"/>
+          </a:xfrm>
+          <a:prstGeom prst="rect">
+            <a:avLst/>
+          </a:prstGeom>
+          <a:noFill/>
+          <a:ln>
+            <a:noFill/>
+          </a:ln>
+        </p:spPr>
         <p:txBody>
-          <a:bodyPr/>
-          <a:lstStyle/>
-          <a:p>
-            <a:fld id="{241EB5C9-1307-BA42-ABA2-0BC069CD8E7F}" type="datetimeFigureOut">
-              <a:rPr lang="en-US" smtClean="0"/>
-              <a:t>2/17/2018</a:t>
-            </a:fld>
-            <a:endParaRPr lang="en-US"/>
+          <a:bodyPr spcFirstLastPara="1" wrap="square" lIns="91425" tIns="91425" rIns="91425" bIns="91425" anchor="t" anchorCtr="0"/>
+          <a:lstStyle>
+            <a:lvl1pPr marL="457200" marR="0" lvl="0" indent="-406400" algn="l" rtl="0">
+              <a:lnSpc>
+                <a:spcPct val="90000"/>
+              </a:lnSpc>
+              <a:spcBef>
+                <a:spcPts val="1000"/>
+              </a:spcBef>
+              <a:spcAft>
+                <a:spcPts val="0"/>
+              </a:spcAft>
+              <a:buClr>
+                <a:schemeClr val="dk1"/>
+              </a:buClr>
+              <a:buSzPts val="2800"/>
+              <a:buFont typeface="Arial"/>
+              <a:buChar char="•"/>
+              <a:defRPr sz="2800" b="0" i="0" u="none" strike="noStrike" cap="none">
+                <a:solidFill>
+                  <a:schemeClr val="dk1"/>
+                </a:solidFill>
+                <a:latin typeface="Calibri"/>
+                <a:ea typeface="Calibri"/>
+                <a:cs typeface="Calibri"/>
+                <a:sym typeface="Calibri"/>
+              </a:defRPr>
+            </a:lvl1pPr>
+            <a:lvl2pPr marL="914400" marR="0" lvl="1" indent="-381000" algn="l" rtl="0">
+              <a:lnSpc>
+                <a:spcPct val="90000"/>
+              </a:lnSpc>
+              <a:spcBef>
+                <a:spcPts val="500"/>
+              </a:spcBef>
+              <a:spcAft>
+                <a:spcPts val="0"/>
+              </a:spcAft>
+              <a:buClr>
+                <a:schemeClr val="dk1"/>
+              </a:buClr>
+              <a:buSzPts val="2400"/>
+              <a:buFont typeface="Arial"/>
+              <a:buChar char="•"/>
+              <a:defRPr sz="2400" b="0" i="0" u="none" strike="noStrike" cap="none">
+                <a:solidFill>
+                  <a:schemeClr val="dk1"/>
+                </a:solidFill>
+                <a:latin typeface="Calibri"/>
+                <a:ea typeface="Calibri"/>
+                <a:cs typeface="Calibri"/>
+                <a:sym typeface="Calibri"/>
+              </a:defRPr>
+            </a:lvl2pPr>
+            <a:lvl3pPr marL="1371600" marR="0" lvl="2" indent="-355600" algn="l" rtl="0">
+              <a:lnSpc>
+                <a:spcPct val="90000"/>
+              </a:lnSpc>
+              <a:spcBef>
+                <a:spcPts val="500"/>
+              </a:spcBef>
+              <a:spcAft>
+                <a:spcPts val="0"/>
+              </a:spcAft>
+              <a:buClr>
+                <a:schemeClr val="dk1"/>
+              </a:buClr>
+              <a:buSzPts val="2000"/>
+              <a:buFont typeface="Arial"/>
+              <a:buChar char="•"/>
+              <a:defRPr sz="2000" b="0" i="0" u="none" strike="noStrike" cap="none">
+                <a:solidFill>
+                  <a:schemeClr val="dk1"/>
+                </a:solidFill>
+                <a:latin typeface="Calibri"/>
+                <a:ea typeface="Calibri"/>
+                <a:cs typeface="Calibri"/>
+                <a:sym typeface="Calibri"/>
+              </a:defRPr>
+            </a:lvl3pPr>
+            <a:lvl4pPr marL="1828800" marR="0" lvl="3" indent="-342900" algn="l" rtl="0">
+              <a:lnSpc>
+                <a:spcPct val="90000"/>
+              </a:lnSpc>
+              <a:spcBef>
+                <a:spcPts val="500"/>
+              </a:spcBef>
+              <a:spcAft>
+                <a:spcPts val="0"/>
+              </a:spcAft>
+              <a:buClr>
+                <a:schemeClr val="dk1"/>
+              </a:buClr>
+              <a:buSzPts val="1800"/>
+              <a:buFont typeface="Arial"/>
+              <a:buChar char="•"/>
+              <a:defRPr sz="1800" b="0" i="0" u="none" strike="noStrike" cap="none">
+                <a:solidFill>
+                  <a:schemeClr val="dk1"/>
+                </a:solidFill>
+                <a:latin typeface="Calibri"/>
+                <a:ea typeface="Calibri"/>
+                <a:cs typeface="Calibri"/>
+                <a:sym typeface="Calibri"/>
+              </a:defRPr>
+            </a:lvl4pPr>
+            <a:lvl5pPr marL="2286000" marR="0" lvl="4" indent="-342900" algn="l" rtl="0">
+              <a:lnSpc>
+                <a:spcPct val="90000"/>
+              </a:lnSpc>
+              <a:spcBef>
+                <a:spcPts val="500"/>
+              </a:spcBef>
+              <a:spcAft>
+                <a:spcPts val="0"/>
+              </a:spcAft>
+              <a:buClr>
+                <a:schemeClr val="dk1"/>
+              </a:buClr>
+              <a:buSzPts val="1800"/>
+              <a:buFont typeface="Arial"/>
+              <a:buChar char="•"/>
+              <a:defRPr sz="1800" b="0" i="0" u="none" strike="noStrike" cap="none">
+                <a:solidFill>
+                  <a:schemeClr val="dk1"/>
+                </a:solidFill>
+                <a:latin typeface="Calibri"/>
+                <a:ea typeface="Calibri"/>
+                <a:cs typeface="Calibri"/>
+                <a:sym typeface="Calibri"/>
+              </a:defRPr>
+            </a:lvl5pPr>
+            <a:lvl6pPr marL="2743200" marR="0" lvl="5" indent="-342900" algn="l" rtl="0">
+              <a:lnSpc>
+                <a:spcPct val="90000"/>
+              </a:lnSpc>
+              <a:spcBef>
+                <a:spcPts val="500"/>
+              </a:spcBef>
+              <a:spcAft>
+                <a:spcPts val="0"/>
+              </a:spcAft>
+              <a:buClr>
+                <a:schemeClr val="dk1"/>
+              </a:buClr>
+              <a:buSzPts val="1800"/>
+              <a:buFont typeface="Arial"/>
+              <a:buChar char="•"/>
+              <a:defRPr sz="1800" b="0" i="0" u="none" strike="noStrike" cap="none">
+                <a:solidFill>
+                  <a:schemeClr val="dk1"/>
+                </a:solidFill>
+                <a:latin typeface="Calibri"/>
+                <a:ea typeface="Calibri"/>
+                <a:cs typeface="Calibri"/>
+                <a:sym typeface="Calibri"/>
+              </a:defRPr>
+            </a:lvl6pPr>
+            <a:lvl7pPr marL="3200400" marR="0" lvl="6" indent="-342900" algn="l" rtl="0">
+              <a:lnSpc>
+                <a:spcPct val="90000"/>
+              </a:lnSpc>
+              <a:spcBef>
+                <a:spcPts val="500"/>
+              </a:spcBef>
+              <a:spcAft>
+                <a:spcPts val="0"/>
+              </a:spcAft>
+              <a:buClr>
+                <a:schemeClr val="dk1"/>
+              </a:buClr>
+              <a:buSzPts val="1800"/>
+              <a:buFont typeface="Arial"/>
+              <a:buChar char="•"/>
+              <a:defRPr sz="1800" b="0" i="0" u="none" strike="noStrike" cap="none">
+                <a:solidFill>
+                  <a:schemeClr val="dk1"/>
+                </a:solidFill>
+                <a:latin typeface="Calibri"/>
+                <a:ea typeface="Calibri"/>
+                <a:cs typeface="Calibri"/>
+                <a:sym typeface="Calibri"/>
+              </a:defRPr>
+            </a:lvl7pPr>
+            <a:lvl8pPr marL="3657600" marR="0" lvl="7" indent="-342900" algn="l" rtl="0">
+              <a:lnSpc>
+                <a:spcPct val="90000"/>
+              </a:lnSpc>
+              <a:spcBef>
+                <a:spcPts val="500"/>
+              </a:spcBef>
+              <a:spcAft>
+                <a:spcPts val="0"/>
+              </a:spcAft>
+              <a:buClr>
+                <a:schemeClr val="dk1"/>
+              </a:buClr>
+              <a:buSzPts val="1800"/>
+              <a:buFont typeface="Arial"/>
+              <a:buChar char="•"/>
+              <a:defRPr sz="1800" b="0" i="0" u="none" strike="noStrike" cap="none">
+                <a:solidFill>
+                  <a:schemeClr val="dk1"/>
+                </a:solidFill>
+                <a:latin typeface="Calibri"/>
+                <a:ea typeface="Calibri"/>
+                <a:cs typeface="Calibri"/>
+                <a:sym typeface="Calibri"/>
+              </a:defRPr>
+            </a:lvl8pPr>
+            <a:lvl9pPr marL="4114800" marR="0" lvl="8" indent="-342900" algn="l" rtl="0">
+              <a:lnSpc>
+                <a:spcPct val="90000"/>
+              </a:lnSpc>
+              <a:spcBef>
+                <a:spcPts val="500"/>
+              </a:spcBef>
+              <a:spcAft>
+                <a:spcPts val="0"/>
+              </a:spcAft>
+              <a:buClr>
+                <a:schemeClr val="dk1"/>
+              </a:buClr>
+              <a:buSzPts val="1800"/>
+              <a:buFont typeface="Arial"/>
+              <a:buChar char="•"/>
+              <a:defRPr sz="1800" b="0" i="0" u="none" strike="noStrike" cap="none">
+                <a:solidFill>
+                  <a:schemeClr val="dk1"/>
+                </a:solidFill>
+                <a:latin typeface="Calibri"/>
+                <a:ea typeface="Calibri"/>
+                <a:cs typeface="Calibri"/>
+                <a:sym typeface="Calibri"/>
+              </a:defRPr>
+            </a:lvl9pPr>
+          </a:lstStyle>
+          <a:p>
+            <a:endParaRPr/>
           </a:p>
         </p:txBody>
       </p:sp>
       <p:sp>
         <p:nvSpPr>
-          <p:cNvPr id="5" name="Footer Placeholder 4"/>
-          <p:cNvSpPr>
+          <p:cNvPr id="44" name="Shape 44"/>
+          <p:cNvSpPr txBox="1">
             <a:spLocks noGrp="1"/>
           </p:cNvSpPr>
           <p:nvPr>
-            <p:ph type="ftr" sz="quarter" idx="11"/>
+            <p:ph type="body" idx="3"/>
           </p:nvPr>
         </p:nvSpPr>
-        <p:spPr/>
+        <p:spPr>
+          <a:xfrm>
+            <a:off x="6172200" y="1681163"/>
+            <a:ext cx="5183188" cy="823912"/>
+          </a:xfrm>
+          <a:prstGeom prst="rect">
+            <a:avLst/>
+          </a:prstGeom>
+          <a:noFill/>
+          <a:ln>
+            <a:noFill/>
+          </a:ln>
+        </p:spPr>
         <p:txBody>
-          <a:bodyPr/>
-          <a:lstStyle/>
-          <a:p>
-            <a:endParaRPr lang="en-US"/>
+          <a:bodyPr spcFirstLastPara="1" wrap="square" lIns="91425" tIns="91425" rIns="91425" bIns="91425" anchor="b" anchorCtr="0"/>
+          <a:lstStyle>
+            <a:lvl1pPr marL="457200" marR="0" lvl="0" indent="-228600" algn="l" rtl="0">
+              <a:lnSpc>
+                <a:spcPct val="90000"/>
+              </a:lnSpc>
+              <a:spcBef>
+                <a:spcPts val="1000"/>
+              </a:spcBef>
+              <a:spcAft>
+                <a:spcPts val="0"/>
+              </a:spcAft>
+              <a:buClr>
+                <a:schemeClr val="dk1"/>
+              </a:buClr>
+              <a:buSzPts val="2400"/>
+              <a:buFont typeface="Arial"/>
+              <a:buNone/>
+              <a:defRPr sz="2400" b="1" i="0" u="none" strike="noStrike" cap="none">
+                <a:solidFill>
+                  <a:schemeClr val="dk1"/>
+                </a:solidFill>
+                <a:latin typeface="Calibri"/>
+                <a:ea typeface="Calibri"/>
+                <a:cs typeface="Calibri"/>
+                <a:sym typeface="Calibri"/>
+              </a:defRPr>
+            </a:lvl1pPr>
+            <a:lvl2pPr marL="914400" marR="0" lvl="1" indent="-228600" algn="l" rtl="0">
+              <a:lnSpc>
+                <a:spcPct val="90000"/>
+              </a:lnSpc>
+              <a:spcBef>
+                <a:spcPts val="500"/>
+              </a:spcBef>
+              <a:spcAft>
+                <a:spcPts val="0"/>
+              </a:spcAft>
+              <a:buClr>
+                <a:schemeClr val="dk1"/>
+              </a:buClr>
+              <a:buSzPts val="2000"/>
+              <a:buFont typeface="Arial"/>
+              <a:buNone/>
+              <a:defRPr sz="2000" b="1" i="0" u="none" strike="noStrike" cap="none">
+                <a:solidFill>
+                  <a:schemeClr val="dk1"/>
+                </a:solidFill>
+                <a:latin typeface="Calibri"/>
+                <a:ea typeface="Calibri"/>
+                <a:cs typeface="Calibri"/>
+                <a:sym typeface="Calibri"/>
+              </a:defRPr>
+            </a:lvl2pPr>
+            <a:lvl3pPr marL="1371600" marR="0" lvl="2" indent="-228600" algn="l" rtl="0">
+              <a:lnSpc>
+                <a:spcPct val="90000"/>
+              </a:lnSpc>
+              <a:spcBef>
+                <a:spcPts val="500"/>
+              </a:spcBef>
+              <a:spcAft>
+                <a:spcPts val="0"/>
+              </a:spcAft>
+              <a:buClr>
+                <a:schemeClr val="dk1"/>
+              </a:buClr>
+              <a:buSzPts val="1800"/>
+              <a:buFont typeface="Arial"/>
+              <a:buNone/>
+              <a:defRPr sz="1800" b="1" i="0" u="none" strike="noStrike" cap="none">
+                <a:solidFill>
+                  <a:schemeClr val="dk1"/>
+                </a:solidFill>
+                <a:latin typeface="Calibri"/>
+                <a:ea typeface="Calibri"/>
+                <a:cs typeface="Calibri"/>
+                <a:sym typeface="Calibri"/>
+              </a:defRPr>
+            </a:lvl3pPr>
+            <a:lvl4pPr marL="1828800" marR="0" lvl="3" indent="-228600" algn="l" rtl="0">
+              <a:lnSpc>
+                <a:spcPct val="90000"/>
+              </a:lnSpc>
+              <a:spcBef>
+                <a:spcPts val="500"/>
+              </a:spcBef>
+              <a:spcAft>
+                <a:spcPts val="0"/>
+              </a:spcAft>
+              <a:buClr>
+                <a:schemeClr val="dk1"/>
+              </a:buClr>
+              <a:buSzPts val="1600"/>
+              <a:buFont typeface="Arial"/>
+              <a:buNone/>
+              <a:defRPr sz="1600" b="1" i="0" u="none" strike="noStrike" cap="none">
+                <a:solidFill>
+                  <a:schemeClr val="dk1"/>
+                </a:solidFill>
+                <a:latin typeface="Calibri"/>
+                <a:ea typeface="Calibri"/>
+                <a:cs typeface="Calibri"/>
+                <a:sym typeface="Calibri"/>
+              </a:defRPr>
+            </a:lvl4pPr>
+            <a:lvl5pPr marL="2286000" marR="0" lvl="4" indent="-228600" algn="l" rtl="0">
+              <a:lnSpc>
+                <a:spcPct val="90000"/>
+              </a:lnSpc>
+              <a:spcBef>
+                <a:spcPts val="500"/>
+              </a:spcBef>
+              <a:spcAft>
+                <a:spcPts val="0"/>
+              </a:spcAft>
+              <a:buClr>
+                <a:schemeClr val="dk1"/>
+              </a:buClr>
+              <a:buSzPts val="1600"/>
+              <a:buFont typeface="Arial"/>
+              <a:buNone/>
+              <a:defRPr sz="1600" b="1" i="0" u="none" strike="noStrike" cap="none">
+                <a:solidFill>
+                  <a:schemeClr val="dk1"/>
+                </a:solidFill>
+                <a:latin typeface="Calibri"/>
+                <a:ea typeface="Calibri"/>
+                <a:cs typeface="Calibri"/>
+                <a:sym typeface="Calibri"/>
+              </a:defRPr>
+            </a:lvl5pPr>
+            <a:lvl6pPr marL="2743200" marR="0" lvl="5" indent="-228600" algn="l" rtl="0">
+              <a:lnSpc>
+                <a:spcPct val="90000"/>
+              </a:lnSpc>
+              <a:spcBef>
+                <a:spcPts val="500"/>
+              </a:spcBef>
+              <a:spcAft>
+                <a:spcPts val="0"/>
+              </a:spcAft>
+              <a:buClr>
+                <a:schemeClr val="dk1"/>
+              </a:buClr>
+              <a:buSzPts val="1600"/>
+              <a:buFont typeface="Arial"/>
+              <a:buNone/>
+              <a:defRPr sz="1600" b="1" i="0" u="none" strike="noStrike" cap="none">
+                <a:solidFill>
+                  <a:schemeClr val="dk1"/>
+                </a:solidFill>
+                <a:latin typeface="Calibri"/>
+                <a:ea typeface="Calibri"/>
+                <a:cs typeface="Calibri"/>
+                <a:sym typeface="Calibri"/>
+              </a:defRPr>
+            </a:lvl6pPr>
+            <a:lvl7pPr marL="3200400" marR="0" lvl="6" indent="-228600" algn="l" rtl="0">
+              <a:lnSpc>
+                <a:spcPct val="90000"/>
+              </a:lnSpc>
+              <a:spcBef>
+                <a:spcPts val="500"/>
+              </a:spcBef>
+              <a:spcAft>
+                <a:spcPts val="0"/>
+              </a:spcAft>
+              <a:buClr>
+                <a:schemeClr val="dk1"/>
+              </a:buClr>
+              <a:buSzPts val="1600"/>
+              <a:buFont typeface="Arial"/>
+              <a:buNone/>
+              <a:defRPr sz="1600" b="1" i="0" u="none" strike="noStrike" cap="none">
+                <a:solidFill>
+                  <a:schemeClr val="dk1"/>
+                </a:solidFill>
+                <a:latin typeface="Calibri"/>
+                <a:ea typeface="Calibri"/>
+                <a:cs typeface="Calibri"/>
+                <a:sym typeface="Calibri"/>
+              </a:defRPr>
+            </a:lvl7pPr>
+            <a:lvl8pPr marL="3657600" marR="0" lvl="7" indent="-228600" algn="l" rtl="0">
+              <a:lnSpc>
+                <a:spcPct val="90000"/>
+              </a:lnSpc>
+              <a:spcBef>
+                <a:spcPts val="500"/>
+              </a:spcBef>
+              <a:spcAft>
+                <a:spcPts val="0"/>
+              </a:spcAft>
+              <a:buClr>
+                <a:schemeClr val="dk1"/>
+              </a:buClr>
+              <a:buSzPts val="1600"/>
+              <a:buFont typeface="Arial"/>
+              <a:buNone/>
+              <a:defRPr sz="1600" b="1" i="0" u="none" strike="noStrike" cap="none">
+                <a:solidFill>
+                  <a:schemeClr val="dk1"/>
+                </a:solidFill>
+                <a:latin typeface="Calibri"/>
+                <a:ea typeface="Calibri"/>
+                <a:cs typeface="Calibri"/>
+                <a:sym typeface="Calibri"/>
+              </a:defRPr>
+            </a:lvl8pPr>
+            <a:lvl9pPr marL="4114800" marR="0" lvl="8" indent="-228600" algn="l" rtl="0">
+              <a:lnSpc>
+                <a:spcPct val="90000"/>
+              </a:lnSpc>
+              <a:spcBef>
+                <a:spcPts val="500"/>
+              </a:spcBef>
+              <a:spcAft>
+                <a:spcPts val="0"/>
+              </a:spcAft>
+              <a:buClr>
+                <a:schemeClr val="dk1"/>
+              </a:buClr>
+              <a:buSzPts val="1600"/>
+              <a:buFont typeface="Arial"/>
+              <a:buNone/>
+              <a:defRPr sz="1600" b="1" i="0" u="none" strike="noStrike" cap="none">
+                <a:solidFill>
+                  <a:schemeClr val="dk1"/>
+                </a:solidFill>
+                <a:latin typeface="Calibri"/>
+                <a:ea typeface="Calibri"/>
+                <a:cs typeface="Calibri"/>
+                <a:sym typeface="Calibri"/>
+              </a:defRPr>
+            </a:lvl9pPr>
+          </a:lstStyle>
+          <a:p>
+            <a:endParaRPr/>
           </a:p>
         </p:txBody>
       </p:sp>
       <p:sp>
         <p:nvSpPr>
-          <p:cNvPr id="6" name="Slide Number Placeholder 5"/>
-          <p:cNvSpPr>
+          <p:cNvPr id="45" name="Shape 45"/>
+          <p:cNvSpPr txBox="1">
             <a:spLocks noGrp="1"/>
           </p:cNvSpPr>
           <p:nvPr>
-            <p:ph type="sldNum" sz="quarter" idx="12"/>
+            <p:ph type="body" idx="4"/>
           </p:nvPr>
         </p:nvSpPr>
-        <p:spPr/>
+        <p:spPr>
+          <a:xfrm>
+            <a:off x="6172200" y="2505075"/>
+            <a:ext cx="5183188" cy="3684588"/>
+          </a:xfrm>
+          <a:prstGeom prst="rect">
+            <a:avLst/>
+          </a:prstGeom>
+          <a:noFill/>
+          <a:ln>
+            <a:noFill/>
+          </a:ln>
+        </p:spPr>
         <p:txBody>
-          <a:bodyPr/>
-          <a:lstStyle/>
-          <a:p>
-            <a:fld id="{C5EF2332-01BF-834F-8236-50238282D533}" type="slidenum">
-              <a:rPr lang="en-US" smtClean="0"/>
+          <a:bodyPr spcFirstLastPara="1" wrap="square" lIns="91425" tIns="91425" rIns="91425" bIns="91425" anchor="t" anchorCtr="0"/>
+          <a:lstStyle>
+            <a:lvl1pPr marL="457200" marR="0" lvl="0" indent="-406400" algn="l" rtl="0">
+              <a:lnSpc>
+                <a:spcPct val="90000"/>
+              </a:lnSpc>
+              <a:spcBef>
+                <a:spcPts val="1000"/>
+              </a:spcBef>
+              <a:spcAft>
+                <a:spcPts val="0"/>
+              </a:spcAft>
+              <a:buClr>
+                <a:schemeClr val="dk1"/>
+              </a:buClr>
+              <a:buSzPts val="2800"/>
+              <a:buFont typeface="Arial"/>
+              <a:buChar char="•"/>
+              <a:defRPr sz="2800" b="0" i="0" u="none" strike="noStrike" cap="none">
+                <a:solidFill>
+                  <a:schemeClr val="dk1"/>
+                </a:solidFill>
+                <a:latin typeface="Calibri"/>
+                <a:ea typeface="Calibri"/>
+                <a:cs typeface="Calibri"/>
+                <a:sym typeface="Calibri"/>
+              </a:defRPr>
+            </a:lvl1pPr>
+            <a:lvl2pPr marL="914400" marR="0" lvl="1" indent="-381000" algn="l" rtl="0">
+              <a:lnSpc>
+                <a:spcPct val="90000"/>
+              </a:lnSpc>
+              <a:spcBef>
+                <a:spcPts val="500"/>
+              </a:spcBef>
+              <a:spcAft>
+                <a:spcPts val="0"/>
+              </a:spcAft>
+              <a:buClr>
+                <a:schemeClr val="dk1"/>
+              </a:buClr>
+              <a:buSzPts val="2400"/>
+              <a:buFont typeface="Arial"/>
+              <a:buChar char="•"/>
+              <a:defRPr sz="2400" b="0" i="0" u="none" strike="noStrike" cap="none">
+                <a:solidFill>
+                  <a:schemeClr val="dk1"/>
+                </a:solidFill>
+                <a:latin typeface="Calibri"/>
+                <a:ea typeface="Calibri"/>
+                <a:cs typeface="Calibri"/>
+                <a:sym typeface="Calibri"/>
+              </a:defRPr>
+            </a:lvl2pPr>
+            <a:lvl3pPr marL="1371600" marR="0" lvl="2" indent="-355600" algn="l" rtl="0">
+              <a:lnSpc>
+                <a:spcPct val="90000"/>
+              </a:lnSpc>
+              <a:spcBef>
+                <a:spcPts val="500"/>
+              </a:spcBef>
+              <a:spcAft>
+                <a:spcPts val="0"/>
+              </a:spcAft>
+              <a:buClr>
+                <a:schemeClr val="dk1"/>
+              </a:buClr>
+              <a:buSzPts val="2000"/>
+              <a:buFont typeface="Arial"/>
+              <a:buChar char="•"/>
+              <a:defRPr sz="2000" b="0" i="0" u="none" strike="noStrike" cap="none">
+                <a:solidFill>
+                  <a:schemeClr val="dk1"/>
+                </a:solidFill>
+                <a:latin typeface="Calibri"/>
+                <a:ea typeface="Calibri"/>
+                <a:cs typeface="Calibri"/>
+                <a:sym typeface="Calibri"/>
+              </a:defRPr>
+            </a:lvl3pPr>
+            <a:lvl4pPr marL="1828800" marR="0" lvl="3" indent="-342900" algn="l" rtl="0">
+              <a:lnSpc>
+                <a:spcPct val="90000"/>
+              </a:lnSpc>
+              <a:spcBef>
+                <a:spcPts val="500"/>
+              </a:spcBef>
+              <a:spcAft>
+                <a:spcPts val="0"/>
+              </a:spcAft>
+              <a:buClr>
+                <a:schemeClr val="dk1"/>
+              </a:buClr>
+              <a:buSzPts val="1800"/>
+              <a:buFont typeface="Arial"/>
+              <a:buChar char="•"/>
+              <a:defRPr sz="1800" b="0" i="0" u="none" strike="noStrike" cap="none">
+                <a:solidFill>
+                  <a:schemeClr val="dk1"/>
+                </a:solidFill>
+                <a:latin typeface="Calibri"/>
+                <a:ea typeface="Calibri"/>
+                <a:cs typeface="Calibri"/>
+                <a:sym typeface="Calibri"/>
+              </a:defRPr>
+            </a:lvl4pPr>
+            <a:lvl5pPr marL="2286000" marR="0" lvl="4" indent="-342900" algn="l" rtl="0">
+              <a:lnSpc>
+                <a:spcPct val="90000"/>
+              </a:lnSpc>
+              <a:spcBef>
+                <a:spcPts val="500"/>
+              </a:spcBef>
+              <a:spcAft>
+                <a:spcPts val="0"/>
+              </a:spcAft>
+              <a:buClr>
+                <a:schemeClr val="dk1"/>
+              </a:buClr>
+              <a:buSzPts val="1800"/>
+              <a:buFont typeface="Arial"/>
+              <a:buChar char="•"/>
+              <a:defRPr sz="1800" b="0" i="0" u="none" strike="noStrike" cap="none">
+                <a:solidFill>
+                  <a:schemeClr val="dk1"/>
+                </a:solidFill>
+                <a:latin typeface="Calibri"/>
+                <a:ea typeface="Calibri"/>
+                <a:cs typeface="Calibri"/>
+                <a:sym typeface="Calibri"/>
+              </a:defRPr>
+            </a:lvl5pPr>
+            <a:lvl6pPr marL="2743200" marR="0" lvl="5" indent="-342900" algn="l" rtl="0">
+              <a:lnSpc>
+                <a:spcPct val="90000"/>
+              </a:lnSpc>
+              <a:spcBef>
+                <a:spcPts val="500"/>
+              </a:spcBef>
+              <a:spcAft>
+                <a:spcPts val="0"/>
+              </a:spcAft>
+              <a:buClr>
+                <a:schemeClr val="dk1"/>
+              </a:buClr>
+              <a:buSzPts val="1800"/>
+              <a:buFont typeface="Arial"/>
+              <a:buChar char="•"/>
+              <a:defRPr sz="1800" b="0" i="0" u="none" strike="noStrike" cap="none">
+                <a:solidFill>
+                  <a:schemeClr val="dk1"/>
+                </a:solidFill>
+                <a:latin typeface="Calibri"/>
+                <a:ea typeface="Calibri"/>
+                <a:cs typeface="Calibri"/>
+                <a:sym typeface="Calibri"/>
+              </a:defRPr>
+            </a:lvl6pPr>
+            <a:lvl7pPr marL="3200400" marR="0" lvl="6" indent="-342900" algn="l" rtl="0">
+              <a:lnSpc>
+                <a:spcPct val="90000"/>
+              </a:lnSpc>
+              <a:spcBef>
+                <a:spcPts val="500"/>
+              </a:spcBef>
+              <a:spcAft>
+                <a:spcPts val="0"/>
+              </a:spcAft>
+              <a:buClr>
+                <a:schemeClr val="dk1"/>
+              </a:buClr>
+              <a:buSzPts val="1800"/>
+              <a:buFont typeface="Arial"/>
+              <a:buChar char="•"/>
+              <a:defRPr sz="1800" b="0" i="0" u="none" strike="noStrike" cap="none">
+                <a:solidFill>
+                  <a:schemeClr val="dk1"/>
+                </a:solidFill>
+                <a:latin typeface="Calibri"/>
+                <a:ea typeface="Calibri"/>
+                <a:cs typeface="Calibri"/>
+                <a:sym typeface="Calibri"/>
+              </a:defRPr>
+            </a:lvl7pPr>
+            <a:lvl8pPr marL="3657600" marR="0" lvl="7" indent="-342900" algn="l" rtl="0">
+              <a:lnSpc>
+                <a:spcPct val="90000"/>
+              </a:lnSpc>
+              <a:spcBef>
+                <a:spcPts val="500"/>
+              </a:spcBef>
+              <a:spcAft>
+                <a:spcPts val="0"/>
+              </a:spcAft>
+              <a:buClr>
+                <a:schemeClr val="dk1"/>
+              </a:buClr>
+              <a:buSzPts val="1800"/>
+              <a:buFont typeface="Arial"/>
+              <a:buChar char="•"/>
+              <a:defRPr sz="1800" b="0" i="0" u="none" strike="noStrike" cap="none">
+                <a:solidFill>
+                  <a:schemeClr val="dk1"/>
+                </a:solidFill>
+                <a:latin typeface="Calibri"/>
+                <a:ea typeface="Calibri"/>
+                <a:cs typeface="Calibri"/>
+                <a:sym typeface="Calibri"/>
+              </a:defRPr>
+            </a:lvl8pPr>
+            <a:lvl9pPr marL="4114800" marR="0" lvl="8" indent="-342900" algn="l" rtl="0">
+              <a:lnSpc>
+                <a:spcPct val="90000"/>
+              </a:lnSpc>
+              <a:spcBef>
+                <a:spcPts val="500"/>
+              </a:spcBef>
+              <a:spcAft>
+                <a:spcPts val="0"/>
+              </a:spcAft>
+              <a:buClr>
+                <a:schemeClr val="dk1"/>
+              </a:buClr>
+              <a:buSzPts val="1800"/>
+              <a:buFont typeface="Arial"/>
+              <a:buChar char="•"/>
+              <a:defRPr sz="1800" b="0" i="0" u="none" strike="noStrike" cap="none">
+                <a:solidFill>
+                  <a:schemeClr val="dk1"/>
+                </a:solidFill>
+                <a:latin typeface="Calibri"/>
+                <a:ea typeface="Calibri"/>
+                <a:cs typeface="Calibri"/>
+                <a:sym typeface="Calibri"/>
+              </a:defRPr>
+            </a:lvl9pPr>
+          </a:lstStyle>
+          <a:p>
+            <a:endParaRPr/>
+          </a:p>
+        </p:txBody>
+      </p:sp>
+      <p:sp>
+        <p:nvSpPr>
+          <p:cNvPr id="46" name="Shape 46"/>
+          <p:cNvSpPr txBox="1">
+            <a:spLocks noGrp="1"/>
+          </p:cNvSpPr>
+          <p:nvPr>
+            <p:ph type="dt" idx="10"/>
+          </p:nvPr>
+        </p:nvSpPr>
+        <p:spPr>
+          <a:xfrm>
+            <a:off x="838200" y="6356350"/>
+            <a:ext cx="2743200" cy="365125"/>
+          </a:xfrm>
+          <a:prstGeom prst="rect">
+            <a:avLst/>
+          </a:prstGeom>
+          <a:noFill/>
+          <a:ln>
+            <a:noFill/>
+          </a:ln>
+        </p:spPr>
+        <p:txBody>
+          <a:bodyPr spcFirstLastPara="1" wrap="square" lIns="91425" tIns="91425" rIns="91425" bIns="91425" anchor="ctr" anchorCtr="0"/>
+          <a:lstStyle>
+            <a:lvl1pPr marR="0" lvl="0" algn="l" rtl="0">
+              <a:spcBef>
+                <a:spcPts val="0"/>
+              </a:spcBef>
+              <a:spcAft>
+                <a:spcPts val="0"/>
+              </a:spcAft>
+              <a:buSzPts val="1400"/>
+              <a:buNone/>
+              <a:defRPr sz="1200">
+                <a:solidFill>
+                  <a:srgbClr val="888888"/>
+                </a:solidFill>
+                <a:latin typeface="Calibri"/>
+                <a:ea typeface="Calibri"/>
+                <a:cs typeface="Calibri"/>
+                <a:sym typeface="Calibri"/>
+              </a:defRPr>
+            </a:lvl1pPr>
+            <a:lvl2pPr marR="0" lvl="1" algn="l" rtl="0">
+              <a:spcBef>
+                <a:spcPts val="0"/>
+              </a:spcBef>
+              <a:spcAft>
+                <a:spcPts val="0"/>
+              </a:spcAft>
+              <a:buSzPts val="1400"/>
+              <a:buNone/>
+              <a:defRPr sz="1800" b="0" i="0" u="none" strike="noStrike" cap="none">
+                <a:solidFill>
+                  <a:schemeClr val="dk1"/>
+                </a:solidFill>
+                <a:latin typeface="Calibri"/>
+                <a:ea typeface="Calibri"/>
+                <a:cs typeface="Calibri"/>
+                <a:sym typeface="Calibri"/>
+              </a:defRPr>
+            </a:lvl2pPr>
+            <a:lvl3pPr marR="0" lvl="2" algn="l" rtl="0">
+              <a:spcBef>
+                <a:spcPts val="0"/>
+              </a:spcBef>
+              <a:spcAft>
+                <a:spcPts val="0"/>
+              </a:spcAft>
+              <a:buSzPts val="1400"/>
+              <a:buNone/>
+              <a:defRPr sz="1800" b="0" i="0" u="none" strike="noStrike" cap="none">
+                <a:solidFill>
+                  <a:schemeClr val="dk1"/>
+                </a:solidFill>
+                <a:latin typeface="Calibri"/>
+                <a:ea typeface="Calibri"/>
+                <a:cs typeface="Calibri"/>
+                <a:sym typeface="Calibri"/>
+              </a:defRPr>
+            </a:lvl3pPr>
+            <a:lvl4pPr marR="0" lvl="3" algn="l" rtl="0">
+              <a:spcBef>
+                <a:spcPts val="0"/>
+              </a:spcBef>
+              <a:spcAft>
+                <a:spcPts val="0"/>
+              </a:spcAft>
+              <a:buSzPts val="1400"/>
+              <a:buNone/>
+              <a:defRPr sz="1800" b="0" i="0" u="none" strike="noStrike" cap="none">
+                <a:solidFill>
+                  <a:schemeClr val="dk1"/>
+                </a:solidFill>
+                <a:latin typeface="Calibri"/>
+                <a:ea typeface="Calibri"/>
+                <a:cs typeface="Calibri"/>
+                <a:sym typeface="Calibri"/>
+              </a:defRPr>
+            </a:lvl4pPr>
+            <a:lvl5pPr marR="0" lvl="4" algn="l" rtl="0">
+              <a:spcBef>
+                <a:spcPts val="0"/>
+              </a:spcBef>
+              <a:spcAft>
+                <a:spcPts val="0"/>
+              </a:spcAft>
+              <a:buSzPts val="1400"/>
+              <a:buNone/>
+              <a:defRPr sz="1800" b="0" i="0" u="none" strike="noStrike" cap="none">
+                <a:solidFill>
+                  <a:schemeClr val="dk1"/>
+                </a:solidFill>
+                <a:latin typeface="Calibri"/>
+                <a:ea typeface="Calibri"/>
+                <a:cs typeface="Calibri"/>
+                <a:sym typeface="Calibri"/>
+              </a:defRPr>
+            </a:lvl5pPr>
+            <a:lvl6pPr marR="0" lvl="5" algn="l" rtl="0">
+              <a:spcBef>
+                <a:spcPts val="0"/>
+              </a:spcBef>
+              <a:spcAft>
+                <a:spcPts val="0"/>
+              </a:spcAft>
+              <a:buSzPts val="1400"/>
+              <a:buNone/>
+              <a:defRPr sz="1800" b="0" i="0" u="none" strike="noStrike" cap="none">
+                <a:solidFill>
+                  <a:schemeClr val="dk1"/>
+                </a:solidFill>
+                <a:latin typeface="Calibri"/>
+                <a:ea typeface="Calibri"/>
+                <a:cs typeface="Calibri"/>
+                <a:sym typeface="Calibri"/>
+              </a:defRPr>
+            </a:lvl6pPr>
+            <a:lvl7pPr marR="0" lvl="6" algn="l" rtl="0">
+              <a:spcBef>
+                <a:spcPts val="0"/>
+              </a:spcBef>
+              <a:spcAft>
+                <a:spcPts val="0"/>
+              </a:spcAft>
+              <a:buSzPts val="1400"/>
+              <a:buNone/>
+              <a:defRPr sz="1800" b="0" i="0" u="none" strike="noStrike" cap="none">
+                <a:solidFill>
+                  <a:schemeClr val="dk1"/>
+                </a:solidFill>
+                <a:latin typeface="Calibri"/>
+                <a:ea typeface="Calibri"/>
+                <a:cs typeface="Calibri"/>
+                <a:sym typeface="Calibri"/>
+              </a:defRPr>
+            </a:lvl7pPr>
+            <a:lvl8pPr marR="0" lvl="7" algn="l" rtl="0">
+              <a:spcBef>
+                <a:spcPts val="0"/>
+              </a:spcBef>
+              <a:spcAft>
+                <a:spcPts val="0"/>
+              </a:spcAft>
+              <a:buSzPts val="1400"/>
+              <a:buNone/>
+              <a:defRPr sz="1800" b="0" i="0" u="none" strike="noStrike" cap="none">
+                <a:solidFill>
+                  <a:schemeClr val="dk1"/>
+                </a:solidFill>
+                <a:latin typeface="Calibri"/>
+                <a:ea typeface="Calibri"/>
+                <a:cs typeface="Calibri"/>
+                <a:sym typeface="Calibri"/>
+              </a:defRPr>
+            </a:lvl8pPr>
+            <a:lvl9pPr marR="0" lvl="8" algn="l" rtl="0">
+              <a:spcBef>
+                <a:spcPts val="0"/>
+              </a:spcBef>
+              <a:spcAft>
+                <a:spcPts val="0"/>
+              </a:spcAft>
+              <a:buSzPts val="1400"/>
+              <a:buNone/>
+              <a:defRPr sz="1800" b="0" i="0" u="none" strike="noStrike" cap="none">
+                <a:solidFill>
+                  <a:schemeClr val="dk1"/>
+                </a:solidFill>
+                <a:latin typeface="Calibri"/>
+                <a:ea typeface="Calibri"/>
+                <a:cs typeface="Calibri"/>
+                <a:sym typeface="Calibri"/>
+              </a:defRPr>
+            </a:lvl9pPr>
+          </a:lstStyle>
+          <a:p>
+            <a:endParaRPr/>
+          </a:p>
+        </p:txBody>
+      </p:sp>
+      <p:sp>
+        <p:nvSpPr>
+          <p:cNvPr id="47" name="Shape 47"/>
+          <p:cNvSpPr txBox="1">
+            <a:spLocks noGrp="1"/>
+          </p:cNvSpPr>
+          <p:nvPr>
+            <p:ph type="ftr" idx="11"/>
+          </p:nvPr>
+        </p:nvSpPr>
+        <p:spPr>
+          <a:xfrm>
+            <a:off x="4038600" y="6356350"/>
+            <a:ext cx="4114800" cy="365125"/>
+          </a:xfrm>
+          <a:prstGeom prst="rect">
+            <a:avLst/>
+          </a:prstGeom>
+          <a:noFill/>
+          <a:ln>
+            <a:noFill/>
+          </a:ln>
+        </p:spPr>
+        <p:txBody>
+          <a:bodyPr spcFirstLastPara="1" wrap="square" lIns="91425" tIns="91425" rIns="91425" bIns="91425" anchor="ctr" anchorCtr="0"/>
+          <a:lstStyle>
+            <a:lvl1pPr marR="0" lvl="0" algn="ctr" rtl="0">
+              <a:spcBef>
+                <a:spcPts val="0"/>
+              </a:spcBef>
+              <a:spcAft>
+                <a:spcPts val="0"/>
+              </a:spcAft>
+              <a:buSzPts val="1400"/>
+              <a:buNone/>
+              <a:defRPr sz="1200">
+                <a:solidFill>
+                  <a:srgbClr val="888888"/>
+                </a:solidFill>
+                <a:latin typeface="Calibri"/>
+                <a:ea typeface="Calibri"/>
+                <a:cs typeface="Calibri"/>
+                <a:sym typeface="Calibri"/>
+              </a:defRPr>
+            </a:lvl1pPr>
+            <a:lvl2pPr marR="0" lvl="1" algn="l" rtl="0">
+              <a:spcBef>
+                <a:spcPts val="0"/>
+              </a:spcBef>
+              <a:spcAft>
+                <a:spcPts val="0"/>
+              </a:spcAft>
+              <a:buSzPts val="1400"/>
+              <a:buNone/>
+              <a:defRPr sz="1800" b="0" i="0" u="none" strike="noStrike" cap="none">
+                <a:solidFill>
+                  <a:schemeClr val="dk1"/>
+                </a:solidFill>
+                <a:latin typeface="Calibri"/>
+                <a:ea typeface="Calibri"/>
+                <a:cs typeface="Calibri"/>
+                <a:sym typeface="Calibri"/>
+              </a:defRPr>
+            </a:lvl2pPr>
+            <a:lvl3pPr marR="0" lvl="2" algn="l" rtl="0">
+              <a:spcBef>
+                <a:spcPts val="0"/>
+              </a:spcBef>
+              <a:spcAft>
+                <a:spcPts val="0"/>
+              </a:spcAft>
+              <a:buSzPts val="1400"/>
+              <a:buNone/>
+              <a:defRPr sz="1800" b="0" i="0" u="none" strike="noStrike" cap="none">
+                <a:solidFill>
+                  <a:schemeClr val="dk1"/>
+                </a:solidFill>
+                <a:latin typeface="Calibri"/>
+                <a:ea typeface="Calibri"/>
+                <a:cs typeface="Calibri"/>
+                <a:sym typeface="Calibri"/>
+              </a:defRPr>
+            </a:lvl3pPr>
+            <a:lvl4pPr marR="0" lvl="3" algn="l" rtl="0">
+              <a:spcBef>
+                <a:spcPts val="0"/>
+              </a:spcBef>
+              <a:spcAft>
+                <a:spcPts val="0"/>
+              </a:spcAft>
+              <a:buSzPts val="1400"/>
+              <a:buNone/>
+              <a:defRPr sz="1800" b="0" i="0" u="none" strike="noStrike" cap="none">
+                <a:solidFill>
+                  <a:schemeClr val="dk1"/>
+                </a:solidFill>
+                <a:latin typeface="Calibri"/>
+                <a:ea typeface="Calibri"/>
+                <a:cs typeface="Calibri"/>
+                <a:sym typeface="Calibri"/>
+              </a:defRPr>
+            </a:lvl4pPr>
+            <a:lvl5pPr marR="0" lvl="4" algn="l" rtl="0">
+              <a:spcBef>
+                <a:spcPts val="0"/>
+              </a:spcBef>
+              <a:spcAft>
+                <a:spcPts val="0"/>
+              </a:spcAft>
+              <a:buSzPts val="1400"/>
+              <a:buNone/>
+              <a:defRPr sz="1800" b="0" i="0" u="none" strike="noStrike" cap="none">
+                <a:solidFill>
+                  <a:schemeClr val="dk1"/>
+                </a:solidFill>
+                <a:latin typeface="Calibri"/>
+                <a:ea typeface="Calibri"/>
+                <a:cs typeface="Calibri"/>
+                <a:sym typeface="Calibri"/>
+              </a:defRPr>
+            </a:lvl5pPr>
+            <a:lvl6pPr marR="0" lvl="5" algn="l" rtl="0">
+              <a:spcBef>
+                <a:spcPts val="0"/>
+              </a:spcBef>
+              <a:spcAft>
+                <a:spcPts val="0"/>
+              </a:spcAft>
+              <a:buSzPts val="1400"/>
+              <a:buNone/>
+              <a:defRPr sz="1800" b="0" i="0" u="none" strike="noStrike" cap="none">
+                <a:solidFill>
+                  <a:schemeClr val="dk1"/>
+                </a:solidFill>
+                <a:latin typeface="Calibri"/>
+                <a:ea typeface="Calibri"/>
+                <a:cs typeface="Calibri"/>
+                <a:sym typeface="Calibri"/>
+              </a:defRPr>
+            </a:lvl6pPr>
+            <a:lvl7pPr marR="0" lvl="6" algn="l" rtl="0">
+              <a:spcBef>
+                <a:spcPts val="0"/>
+              </a:spcBef>
+              <a:spcAft>
+                <a:spcPts val="0"/>
+              </a:spcAft>
+              <a:buSzPts val="1400"/>
+              <a:buNone/>
+              <a:defRPr sz="1800" b="0" i="0" u="none" strike="noStrike" cap="none">
+                <a:solidFill>
+                  <a:schemeClr val="dk1"/>
+                </a:solidFill>
+                <a:latin typeface="Calibri"/>
+                <a:ea typeface="Calibri"/>
+                <a:cs typeface="Calibri"/>
+                <a:sym typeface="Calibri"/>
+              </a:defRPr>
+            </a:lvl7pPr>
+            <a:lvl8pPr marR="0" lvl="7" algn="l" rtl="0">
+              <a:spcBef>
+                <a:spcPts val="0"/>
+              </a:spcBef>
+              <a:spcAft>
+                <a:spcPts val="0"/>
+              </a:spcAft>
+              <a:buSzPts val="1400"/>
+              <a:buNone/>
+              <a:defRPr sz="1800" b="0" i="0" u="none" strike="noStrike" cap="none">
+                <a:solidFill>
+                  <a:schemeClr val="dk1"/>
+                </a:solidFill>
+                <a:latin typeface="Calibri"/>
+                <a:ea typeface="Calibri"/>
+                <a:cs typeface="Calibri"/>
+                <a:sym typeface="Calibri"/>
+              </a:defRPr>
+            </a:lvl8pPr>
+            <a:lvl9pPr marR="0" lvl="8" algn="l" rtl="0">
+              <a:spcBef>
+                <a:spcPts val="0"/>
+              </a:spcBef>
+              <a:spcAft>
+                <a:spcPts val="0"/>
+              </a:spcAft>
+              <a:buSzPts val="1400"/>
+              <a:buNone/>
+              <a:defRPr sz="1800" b="0" i="0" u="none" strike="noStrike" cap="none">
+                <a:solidFill>
+                  <a:schemeClr val="dk1"/>
+                </a:solidFill>
+                <a:latin typeface="Calibri"/>
+                <a:ea typeface="Calibri"/>
+                <a:cs typeface="Calibri"/>
+                <a:sym typeface="Calibri"/>
+              </a:defRPr>
+            </a:lvl9pPr>
+          </a:lstStyle>
+          <a:p>
+            <a:endParaRPr/>
+          </a:p>
+        </p:txBody>
+      </p:sp>
+      <p:sp>
+        <p:nvSpPr>
+          <p:cNvPr id="48" name="Shape 48"/>
+          <p:cNvSpPr txBox="1">
+            <a:spLocks noGrp="1"/>
+          </p:cNvSpPr>
+          <p:nvPr>
+            <p:ph type="sldNum" idx="12"/>
+          </p:nvPr>
+        </p:nvSpPr>
+        <p:spPr>
+          <a:xfrm>
+            <a:off x="8610600" y="6356350"/>
+            <a:ext cx="2743200" cy="365125"/>
+          </a:xfrm>
+          <a:prstGeom prst="rect">
+            <a:avLst/>
+          </a:prstGeom>
+          <a:noFill/>
+          <a:ln>
+            <a:noFill/>
+          </a:ln>
+        </p:spPr>
+        <p:txBody>
+          <a:bodyPr spcFirstLastPara="1" wrap="square" lIns="91425" tIns="45700" rIns="91425" bIns="45700" anchor="ctr" anchorCtr="0">
+            <a:noAutofit/>
+          </a:bodyPr>
+          <a:lstStyle>
+            <a:lvl1pPr marL="0" marR="0" lvl="0" indent="0" algn="r" rtl="0">
+              <a:spcBef>
+                <a:spcPts val="0"/>
+              </a:spcBef>
+              <a:buNone/>
+              <a:defRPr sz="1200">
+                <a:solidFill>
+                  <a:srgbClr val="888888"/>
+                </a:solidFill>
+                <a:latin typeface="Calibri"/>
+                <a:ea typeface="Calibri"/>
+                <a:cs typeface="Calibri"/>
+                <a:sym typeface="Calibri"/>
+              </a:defRPr>
+            </a:lvl1pPr>
+            <a:lvl2pPr marL="0" marR="0" lvl="1" indent="0" algn="r" rtl="0">
+              <a:spcBef>
+                <a:spcPts val="0"/>
+              </a:spcBef>
+              <a:buNone/>
+              <a:defRPr sz="1200">
+                <a:solidFill>
+                  <a:srgbClr val="888888"/>
+                </a:solidFill>
+                <a:latin typeface="Calibri"/>
+                <a:ea typeface="Calibri"/>
+                <a:cs typeface="Calibri"/>
+                <a:sym typeface="Calibri"/>
+              </a:defRPr>
+            </a:lvl2pPr>
+            <a:lvl3pPr marL="0" marR="0" lvl="2" indent="0" algn="r" rtl="0">
+              <a:spcBef>
+                <a:spcPts val="0"/>
+              </a:spcBef>
+              <a:buNone/>
+              <a:defRPr sz="1200">
+                <a:solidFill>
+                  <a:srgbClr val="888888"/>
+                </a:solidFill>
+                <a:latin typeface="Calibri"/>
+                <a:ea typeface="Calibri"/>
+                <a:cs typeface="Calibri"/>
+                <a:sym typeface="Calibri"/>
+              </a:defRPr>
+            </a:lvl3pPr>
+            <a:lvl4pPr marL="0" marR="0" lvl="3" indent="0" algn="r" rtl="0">
+              <a:spcBef>
+                <a:spcPts val="0"/>
+              </a:spcBef>
+              <a:buNone/>
+              <a:defRPr sz="1200">
+                <a:solidFill>
+                  <a:srgbClr val="888888"/>
+                </a:solidFill>
+                <a:latin typeface="Calibri"/>
+                <a:ea typeface="Calibri"/>
+                <a:cs typeface="Calibri"/>
+                <a:sym typeface="Calibri"/>
+              </a:defRPr>
+            </a:lvl4pPr>
+            <a:lvl5pPr marL="0" marR="0" lvl="4" indent="0" algn="r" rtl="0">
+              <a:spcBef>
+                <a:spcPts val="0"/>
+              </a:spcBef>
+              <a:buNone/>
+              <a:defRPr sz="1200">
+                <a:solidFill>
+                  <a:srgbClr val="888888"/>
+                </a:solidFill>
+                <a:latin typeface="Calibri"/>
+                <a:ea typeface="Calibri"/>
+                <a:cs typeface="Calibri"/>
+                <a:sym typeface="Calibri"/>
+              </a:defRPr>
+            </a:lvl5pPr>
+            <a:lvl6pPr marL="0" marR="0" lvl="5" indent="0" algn="r" rtl="0">
+              <a:spcBef>
+                <a:spcPts val="0"/>
+              </a:spcBef>
+              <a:buNone/>
+              <a:defRPr sz="1200">
+                <a:solidFill>
+                  <a:srgbClr val="888888"/>
+                </a:solidFill>
+                <a:latin typeface="Calibri"/>
+                <a:ea typeface="Calibri"/>
+                <a:cs typeface="Calibri"/>
+                <a:sym typeface="Calibri"/>
+              </a:defRPr>
+            </a:lvl6pPr>
+            <a:lvl7pPr marL="0" marR="0" lvl="6" indent="0" algn="r" rtl="0">
+              <a:spcBef>
+                <a:spcPts val="0"/>
+              </a:spcBef>
+              <a:buNone/>
+              <a:defRPr sz="1200">
+                <a:solidFill>
+                  <a:srgbClr val="888888"/>
+                </a:solidFill>
+                <a:latin typeface="Calibri"/>
+                <a:ea typeface="Calibri"/>
+                <a:cs typeface="Calibri"/>
+                <a:sym typeface="Calibri"/>
+              </a:defRPr>
+            </a:lvl7pPr>
+            <a:lvl8pPr marL="0" marR="0" lvl="7" indent="0" algn="r" rtl="0">
+              <a:spcBef>
+                <a:spcPts val="0"/>
+              </a:spcBef>
+              <a:buNone/>
+              <a:defRPr sz="1200">
+                <a:solidFill>
+                  <a:srgbClr val="888888"/>
+                </a:solidFill>
+                <a:latin typeface="Calibri"/>
+                <a:ea typeface="Calibri"/>
+                <a:cs typeface="Calibri"/>
+                <a:sym typeface="Calibri"/>
+              </a:defRPr>
+            </a:lvl8pPr>
+            <a:lvl9pPr marL="0" marR="0" lvl="8" indent="0" algn="r" rtl="0">
+              <a:spcBef>
+                <a:spcPts val="0"/>
+              </a:spcBef>
+              <a:buNone/>
+              <a:defRPr sz="1200">
+                <a:solidFill>
+                  <a:srgbClr val="888888"/>
+                </a:solidFill>
+                <a:latin typeface="Calibri"/>
+                <a:ea typeface="Calibri"/>
+                <a:cs typeface="Calibri"/>
+                <a:sym typeface="Calibri"/>
+              </a:defRPr>
+            </a:lvl9pPr>
+          </a:lstStyle>
+          <a:p>
+            <a:pPr marL="0" lvl="0" indent="0">
+              <a:spcBef>
+                <a:spcPts val="0"/>
+              </a:spcBef>
+              <a:spcAft>
+                <a:spcPts val="0"/>
+              </a:spcAft>
+              <a:buNone/>
+            </a:pPr>
+            <a:fld id="{00000000-1234-1234-1234-123412341234}" type="slidenum">
+              <a:rPr lang="en-US"/>
               <a:t>‹#›</a:t>
             </a:fld>
-            <a:endParaRPr lang="en-US"/>
+            <a:endParaRPr/>
           </a:p>
         </p:txBody>
       </p:sp>
     </p:spTree>
-    <p:extLst>
-      <p:ext uri="{BB962C8B-B14F-4D97-AF65-F5344CB8AC3E}">
-        <p14:creationId xmlns:p14="http://schemas.microsoft.com/office/powerpoint/2010/main" val="1073069076"/>
-      </p:ext>
-    </p:extLst>
   </p:cSld>
   <p:clrMapOvr>
     <a:masterClrMapping/>
@@ -3104,13 +7312,16 @@
 <p:sldMaster xmlns:a="http://schemas.openxmlformats.org/drawingml/2006/main" xmlns:r="http://schemas.openxmlformats.org/officeDocument/2006/relationships" xmlns:p="http://schemas.openxmlformats.org/presentationml/2006/main">
   <p:cSld>
     <p:bg>
-      <p:bgRef idx="1001">
-        <a:schemeClr val="bg1"/>
-      </p:bgRef>
+      <p:bgPr>
+        <a:solidFill>
+          <a:schemeClr val="lt1"/>
+        </a:solidFill>
+        <a:effectLst/>
+      </p:bgPr>
     </p:bg>
     <p:spTree>
       <p:nvGrpSpPr>
-        <p:cNvPr id="1" name=""/>
+        <p:cNvPr id="1" name="Shape 9"/>
         <p:cNvGrpSpPr/>
         <p:nvPr/>
       </p:nvGrpSpPr>
@@ -3124,8 +7335,8 @@
       </p:grpSpPr>
       <p:sp>
         <p:nvSpPr>
-          <p:cNvPr id="2" name="Title Placeholder 1"/>
-          <p:cNvSpPr>
+          <p:cNvPr id="10" name="Shape 10"/>
+          <p:cNvSpPr txBox="1">
             <a:spLocks noGrp="1"/>
           </p:cNvSpPr>
           <p:nvPr>
@@ -3134,31 +7345,144 @@
         </p:nvSpPr>
         <p:spPr>
           <a:xfrm>
-            <a:off x="457200" y="274638"/>
-            <a:ext cx="8229600" cy="1143000"/>
+            <a:off x="838200" y="365125"/>
+            <a:ext cx="10515600" cy="1325563"/>
           </a:xfrm>
           <a:prstGeom prst="rect">
             <a:avLst/>
           </a:prstGeom>
+          <a:noFill/>
+          <a:ln>
+            <a:noFill/>
+          </a:ln>
         </p:spPr>
         <p:txBody>
-          <a:bodyPr vert="horz" lIns="91440" tIns="45720" rIns="91440" bIns="45720" rtlCol="0" anchor="ctr">
-            <a:normAutofit/>
-          </a:bodyPr>
-          <a:lstStyle/>
-          <a:p>
-            <a:r>
-              <a:rPr lang="en-US" smtClean="0"/>
-              <a:t>Click to edit Master title style</a:t>
-            </a:r>
-            <a:endParaRPr lang="en-US"/>
+          <a:bodyPr spcFirstLastPara="1" wrap="square" lIns="91425" tIns="91425" rIns="91425" bIns="91425" anchor="ctr" anchorCtr="0"/>
+          <a:lstStyle>
+            <a:lvl1pPr marR="0" lvl="0" algn="l" rtl="0">
+              <a:lnSpc>
+                <a:spcPct val="90000"/>
+              </a:lnSpc>
+              <a:spcBef>
+                <a:spcPts val="0"/>
+              </a:spcBef>
+              <a:spcAft>
+                <a:spcPts val="0"/>
+              </a:spcAft>
+              <a:buClr>
+                <a:schemeClr val="dk1"/>
+              </a:buClr>
+              <a:buSzPts val="4400"/>
+              <a:buFont typeface="Calibri"/>
+              <a:buNone/>
+              <a:defRPr sz="4400" b="0" i="0" u="none" strike="noStrike" cap="none">
+                <a:solidFill>
+                  <a:schemeClr val="dk1"/>
+                </a:solidFill>
+                <a:latin typeface="Calibri"/>
+                <a:ea typeface="Calibri"/>
+                <a:cs typeface="Calibri"/>
+                <a:sym typeface="Calibri"/>
+              </a:defRPr>
+            </a:lvl1pPr>
+            <a:lvl2pPr lvl="1">
+              <a:spcBef>
+                <a:spcPts val="0"/>
+              </a:spcBef>
+              <a:spcAft>
+                <a:spcPts val="0"/>
+              </a:spcAft>
+              <a:buSzPts val="1400"/>
+              <a:buNone/>
+              <a:defRPr sz="1800"/>
+            </a:lvl2pPr>
+            <a:lvl3pPr lvl="2">
+              <a:spcBef>
+                <a:spcPts val="0"/>
+              </a:spcBef>
+              <a:spcAft>
+                <a:spcPts val="0"/>
+              </a:spcAft>
+              <a:buSzPts val="1400"/>
+              <a:buNone/>
+              <a:defRPr sz="1800"/>
+            </a:lvl3pPr>
+            <a:lvl4pPr lvl="3">
+              <a:spcBef>
+                <a:spcPts val="0"/>
+              </a:spcBef>
+              <a:spcAft>
+                <a:spcPts val="0"/>
+              </a:spcAft>
+              <a:buSzPts val="1400"/>
+              <a:buNone/>
+              <a:defRPr sz="1800"/>
+            </a:lvl4pPr>
+            <a:lvl5pPr lvl="4">
+              <a:spcBef>
+                <a:spcPts val="0"/>
+              </a:spcBef>
+              <a:spcAft>
+                <a:spcPts val="0"/>
+              </a:spcAft>
+              <a:buSzPts val="1400"/>
+              <a:buNone/>
+              <a:defRPr sz="1800"/>
+            </a:lvl5pPr>
+            <a:lvl6pPr lvl="5">
+              <a:spcBef>
+                <a:spcPts val="0"/>
+              </a:spcBef>
+              <a:spcAft>
+                <a:spcPts val="0"/>
+              </a:spcAft>
+              <a:buSzPts val="1400"/>
+              <a:buNone/>
+              <a:defRPr sz="1800"/>
+            </a:lvl6pPr>
+            <a:lvl7pPr lvl="6">
+              <a:spcBef>
+                <a:spcPts val="0"/>
+              </a:spcBef>
+              <a:spcAft>
+                <a:spcPts val="0"/>
+              </a:spcAft>
+              <a:buSzPts val="1400"/>
+              <a:buNone/>
+              <a:defRPr sz="1800"/>
+            </a:lvl7pPr>
+            <a:lvl8pPr lvl="7">
+              <a:spcBef>
+                <a:spcPts val="0"/>
+              </a:spcBef>
+              <a:spcAft>
+                <a:spcPts val="0"/>
+              </a:spcAft>
+              <a:buSzPts val="1400"/>
+              <a:buNone/>
+              <a:defRPr sz="1800"/>
+            </a:lvl8pPr>
+            <a:lvl9pPr lvl="8">
+              <a:spcBef>
+                <a:spcPts val="0"/>
+              </a:spcBef>
+              <a:spcAft>
+                <a:spcPts val="0"/>
+              </a:spcAft>
+              <a:buSzPts val="1400"/>
+              <a:buNone/>
+              <a:defRPr sz="1800"/>
+            </a:lvl9pPr>
+          </a:lstStyle>
+          <a:p>
+            <a:endParaRPr dirty="0"/>
           </a:p>
         </p:txBody>
       </p:sp>
       <p:sp>
         <p:nvSpPr>
-          <p:cNvPr id="3" name="Text Placeholder 2"/>
-          <p:cNvSpPr>
+          <p:cNvPr id="11" name="Shape 11"/>
+          <p:cNvSpPr txBox="1">
             <a:spLocks noGrp="1"/>
           </p:cNvSpPr>
           <p:nvPr>
@@ -3167,442 +7491,1589 @@
         </p:nvSpPr>
         <p:spPr>
           <a:xfrm>
-            <a:off x="457200" y="1600200"/>
-            <a:ext cx="8229600" cy="4525963"/>
+            <a:off x="838200" y="1825625"/>
+            <a:ext cx="10515600" cy="4351338"/>
           </a:xfrm>
           <a:prstGeom prst="rect">
             <a:avLst/>
           </a:prstGeom>
+          <a:noFill/>
+          <a:ln>
+            <a:noFill/>
+          </a:ln>
         </p:spPr>
         <p:txBody>
-          <a:bodyPr vert="horz" lIns="91440" tIns="45720" rIns="91440" bIns="45720" rtlCol="0">
-            <a:normAutofit/>
-          </a:bodyPr>
-          <a:lstStyle/>
-          <a:p>
-            <a:pPr lvl="0"/>
-            <a:r>
-              <a:rPr lang="en-US" smtClean="0"/>
-              <a:t>Click to edit Master text styles</a:t>
-            </a:r>
-          </a:p>
-          <a:p>
-            <a:pPr lvl="1"/>
-            <a:r>
-              <a:rPr lang="en-US" smtClean="0"/>
-              <a:t>Second level</a:t>
-            </a:r>
-          </a:p>
-          <a:p>
-            <a:pPr lvl="2"/>
-            <a:r>
-              <a:rPr lang="en-US" smtClean="0"/>
-              <a:t>Third level</a:t>
-            </a:r>
-          </a:p>
-          <a:p>
-            <a:pPr lvl="3"/>
-            <a:r>
-              <a:rPr lang="en-US" smtClean="0"/>
-              <a:t>Fourth level</a:t>
-            </a:r>
-          </a:p>
-          <a:p>
-            <a:pPr lvl="4"/>
-            <a:r>
-              <a:rPr lang="en-US" smtClean="0"/>
-              <a:t>Fifth level</a:t>
-            </a:r>
-            <a:endParaRPr lang="en-US"/>
+          <a:bodyPr spcFirstLastPara="1" wrap="square" lIns="91425" tIns="91425" rIns="91425" bIns="91425" anchor="t" anchorCtr="0"/>
+          <a:lstStyle>
+            <a:lvl1pPr marL="457200" marR="0" lvl="0" indent="-406400" algn="l" rtl="0">
+              <a:lnSpc>
+                <a:spcPct val="90000"/>
+              </a:lnSpc>
+              <a:spcBef>
+                <a:spcPts val="1000"/>
+              </a:spcBef>
+              <a:spcAft>
+                <a:spcPts val="0"/>
+              </a:spcAft>
+              <a:buClr>
+                <a:schemeClr val="dk1"/>
+              </a:buClr>
+              <a:buSzPts val="2800"/>
+              <a:buFont typeface="Arial"/>
+              <a:buChar char="•"/>
+              <a:defRPr sz="2800" b="0" i="0" u="none" strike="noStrike" cap="none">
+                <a:solidFill>
+                  <a:schemeClr val="dk1"/>
+                </a:solidFill>
+                <a:latin typeface="Calibri"/>
+                <a:ea typeface="Calibri"/>
+                <a:cs typeface="Calibri"/>
+                <a:sym typeface="Calibri"/>
+              </a:defRPr>
+            </a:lvl1pPr>
+            <a:lvl2pPr marL="914400" marR="0" lvl="1" indent="-381000" algn="l" rtl="0">
+              <a:lnSpc>
+                <a:spcPct val="90000"/>
+              </a:lnSpc>
+              <a:spcBef>
+                <a:spcPts val="500"/>
+              </a:spcBef>
+              <a:spcAft>
+                <a:spcPts val="0"/>
+              </a:spcAft>
+              <a:buClr>
+                <a:schemeClr val="dk1"/>
+              </a:buClr>
+              <a:buSzPts val="2400"/>
+              <a:buFont typeface="Arial"/>
+              <a:buChar char="•"/>
+              <a:defRPr sz="2400" b="0" i="0" u="none" strike="noStrike" cap="none">
+                <a:solidFill>
+                  <a:schemeClr val="dk1"/>
+                </a:solidFill>
+                <a:latin typeface="Calibri"/>
+                <a:ea typeface="Calibri"/>
+                <a:cs typeface="Calibri"/>
+                <a:sym typeface="Calibri"/>
+              </a:defRPr>
+            </a:lvl2pPr>
+            <a:lvl3pPr marL="1371600" marR="0" lvl="2" indent="-355600" algn="l" rtl="0">
+              <a:lnSpc>
+                <a:spcPct val="90000"/>
+              </a:lnSpc>
+              <a:spcBef>
+                <a:spcPts val="500"/>
+              </a:spcBef>
+              <a:spcAft>
+                <a:spcPts val="0"/>
+              </a:spcAft>
+              <a:buClr>
+                <a:schemeClr val="dk1"/>
+              </a:buClr>
+              <a:buSzPts val="2000"/>
+              <a:buFont typeface="Arial"/>
+              <a:buChar char="•"/>
+              <a:defRPr sz="2000" b="0" i="0" u="none" strike="noStrike" cap="none">
+                <a:solidFill>
+                  <a:schemeClr val="dk1"/>
+                </a:solidFill>
+                <a:latin typeface="Calibri"/>
+                <a:ea typeface="Calibri"/>
+                <a:cs typeface="Calibri"/>
+                <a:sym typeface="Calibri"/>
+              </a:defRPr>
+            </a:lvl3pPr>
+            <a:lvl4pPr marL="1828800" marR="0" lvl="3" indent="-342900" algn="l" rtl="0">
+              <a:lnSpc>
+                <a:spcPct val="90000"/>
+              </a:lnSpc>
+              <a:spcBef>
+                <a:spcPts val="500"/>
+              </a:spcBef>
+              <a:spcAft>
+                <a:spcPts val="0"/>
+              </a:spcAft>
+              <a:buClr>
+                <a:schemeClr val="dk1"/>
+              </a:buClr>
+              <a:buSzPts val="1800"/>
+              <a:buFont typeface="Arial"/>
+              <a:buChar char="•"/>
+              <a:defRPr sz="1800" b="0" i="0" u="none" strike="noStrike" cap="none">
+                <a:solidFill>
+                  <a:schemeClr val="dk1"/>
+                </a:solidFill>
+                <a:latin typeface="Calibri"/>
+                <a:ea typeface="Calibri"/>
+                <a:cs typeface="Calibri"/>
+                <a:sym typeface="Calibri"/>
+              </a:defRPr>
+            </a:lvl4pPr>
+            <a:lvl5pPr marL="2286000" marR="0" lvl="4" indent="-342900" algn="l" rtl="0">
+              <a:lnSpc>
+                <a:spcPct val="90000"/>
+              </a:lnSpc>
+              <a:spcBef>
+                <a:spcPts val="500"/>
+              </a:spcBef>
+              <a:spcAft>
+                <a:spcPts val="0"/>
+              </a:spcAft>
+              <a:buClr>
+                <a:schemeClr val="dk1"/>
+              </a:buClr>
+              <a:buSzPts val="1800"/>
+              <a:buFont typeface="Arial"/>
+              <a:buChar char="•"/>
+              <a:defRPr sz="1800" b="0" i="0" u="none" strike="noStrike" cap="none">
+                <a:solidFill>
+                  <a:schemeClr val="dk1"/>
+                </a:solidFill>
+                <a:latin typeface="Calibri"/>
+                <a:ea typeface="Calibri"/>
+                <a:cs typeface="Calibri"/>
+                <a:sym typeface="Calibri"/>
+              </a:defRPr>
+            </a:lvl5pPr>
+            <a:lvl6pPr marL="2743200" marR="0" lvl="5" indent="-342900" algn="l" rtl="0">
+              <a:lnSpc>
+                <a:spcPct val="90000"/>
+              </a:lnSpc>
+              <a:spcBef>
+                <a:spcPts val="500"/>
+              </a:spcBef>
+              <a:spcAft>
+                <a:spcPts val="0"/>
+              </a:spcAft>
+              <a:buClr>
+                <a:schemeClr val="dk1"/>
+              </a:buClr>
+              <a:buSzPts val="1800"/>
+              <a:buFont typeface="Arial"/>
+              <a:buChar char="•"/>
+              <a:defRPr sz="1800" b="0" i="0" u="none" strike="noStrike" cap="none">
+                <a:solidFill>
+                  <a:schemeClr val="dk1"/>
+                </a:solidFill>
+                <a:latin typeface="Calibri"/>
+                <a:ea typeface="Calibri"/>
+                <a:cs typeface="Calibri"/>
+                <a:sym typeface="Calibri"/>
+              </a:defRPr>
+            </a:lvl6pPr>
+            <a:lvl7pPr marL="3200400" marR="0" lvl="6" indent="-342900" algn="l" rtl="0">
+              <a:lnSpc>
+                <a:spcPct val="90000"/>
+              </a:lnSpc>
+              <a:spcBef>
+                <a:spcPts val="500"/>
+              </a:spcBef>
+              <a:spcAft>
+                <a:spcPts val="0"/>
+              </a:spcAft>
+              <a:buClr>
+                <a:schemeClr val="dk1"/>
+              </a:buClr>
+              <a:buSzPts val="1800"/>
+              <a:buFont typeface="Arial"/>
+              <a:buChar char="•"/>
+              <a:defRPr sz="1800" b="0" i="0" u="none" strike="noStrike" cap="none">
+                <a:solidFill>
+                  <a:schemeClr val="dk1"/>
+                </a:solidFill>
+                <a:latin typeface="Calibri"/>
+                <a:ea typeface="Calibri"/>
+                <a:cs typeface="Calibri"/>
+                <a:sym typeface="Calibri"/>
+              </a:defRPr>
+            </a:lvl7pPr>
+            <a:lvl8pPr marL="3657600" marR="0" lvl="7" indent="-342900" algn="l" rtl="0">
+              <a:lnSpc>
+                <a:spcPct val="90000"/>
+              </a:lnSpc>
+              <a:spcBef>
+                <a:spcPts val="500"/>
+              </a:spcBef>
+              <a:spcAft>
+                <a:spcPts val="0"/>
+              </a:spcAft>
+              <a:buClr>
+                <a:schemeClr val="dk1"/>
+              </a:buClr>
+              <a:buSzPts val="1800"/>
+              <a:buFont typeface="Arial"/>
+              <a:buChar char="•"/>
+              <a:defRPr sz="1800" b="0" i="0" u="none" strike="noStrike" cap="none">
+                <a:solidFill>
+                  <a:schemeClr val="dk1"/>
+                </a:solidFill>
+                <a:latin typeface="Calibri"/>
+                <a:ea typeface="Calibri"/>
+                <a:cs typeface="Calibri"/>
+                <a:sym typeface="Calibri"/>
+              </a:defRPr>
+            </a:lvl8pPr>
+            <a:lvl9pPr marL="4114800" marR="0" lvl="8" indent="-342900" algn="l" rtl="0">
+              <a:lnSpc>
+                <a:spcPct val="90000"/>
+              </a:lnSpc>
+              <a:spcBef>
+                <a:spcPts val="500"/>
+              </a:spcBef>
+              <a:spcAft>
+                <a:spcPts val="0"/>
+              </a:spcAft>
+              <a:buClr>
+                <a:schemeClr val="dk1"/>
+              </a:buClr>
+              <a:buSzPts val="1800"/>
+              <a:buFont typeface="Arial"/>
+              <a:buChar char="•"/>
+              <a:defRPr sz="1800" b="0" i="0" u="none" strike="noStrike" cap="none">
+                <a:solidFill>
+                  <a:schemeClr val="dk1"/>
+                </a:solidFill>
+                <a:latin typeface="Calibri"/>
+                <a:ea typeface="Calibri"/>
+                <a:cs typeface="Calibri"/>
+                <a:sym typeface="Calibri"/>
+              </a:defRPr>
+            </a:lvl9pPr>
+          </a:lstStyle>
+          <a:p>
+            <a:endParaRPr/>
           </a:p>
         </p:txBody>
       </p:sp>
       <p:sp>
         <p:nvSpPr>
-          <p:cNvPr id="4" name="Date Placeholder 3"/>
-          <p:cNvSpPr>
+          <p:cNvPr id="12" name="Shape 12"/>
+          <p:cNvSpPr txBox="1">
             <a:spLocks noGrp="1"/>
           </p:cNvSpPr>
           <p:nvPr>
-            <p:ph type="dt" sz="half" idx="2"/>
+            <p:ph type="dt" idx="10"/>
           </p:nvPr>
         </p:nvSpPr>
         <p:spPr>
           <a:xfrm>
-            <a:off x="457200" y="6356350"/>
-            <a:ext cx="2133600" cy="365125"/>
+            <a:off x="1540564" y="6356350"/>
+            <a:ext cx="2040835" cy="365125"/>
           </a:xfrm>
           <a:prstGeom prst="rect">
             <a:avLst/>
           </a:prstGeom>
+          <a:noFill/>
+          <a:ln>
+            <a:noFill/>
+          </a:ln>
         </p:spPr>
         <p:txBody>
-          <a:bodyPr vert="horz" lIns="91440" tIns="45720" rIns="91440" bIns="45720" rtlCol="0" anchor="ctr"/>
+          <a:bodyPr spcFirstLastPara="1" wrap="square" lIns="91425" tIns="91425" rIns="91425" bIns="91425" anchor="ctr" anchorCtr="0"/>
           <a:lstStyle>
-            <a:lvl1pPr algn="l">
-              <a:defRPr sz="1200">
-                <a:solidFill>
-                  <a:schemeClr val="tx1">
-                    <a:tint val="75000"/>
-                  </a:schemeClr>
-                </a:solidFill>
+            <a:lvl1pPr marR="0" lvl="0" algn="l" rtl="0">
+              <a:spcBef>
+                <a:spcPts val="0"/>
+              </a:spcBef>
+              <a:spcAft>
+                <a:spcPts val="0"/>
+              </a:spcAft>
+              <a:buSzPts val="1400"/>
+              <a:buNone/>
+              <a:defRPr sz="1200" b="0" i="0" u="none" strike="noStrike" cap="none">
+                <a:solidFill>
+                  <a:srgbClr val="888888"/>
+                </a:solidFill>
+                <a:latin typeface="Calibri"/>
+                <a:ea typeface="Calibri"/>
+                <a:cs typeface="Calibri"/>
+                <a:sym typeface="Calibri"/>
               </a:defRPr>
             </a:lvl1pPr>
+            <a:lvl2pPr marR="0" lvl="1" algn="l" rtl="0">
+              <a:spcBef>
+                <a:spcPts val="0"/>
+              </a:spcBef>
+              <a:spcAft>
+                <a:spcPts val="0"/>
+              </a:spcAft>
+              <a:buSzPts val="1400"/>
+              <a:buNone/>
+              <a:defRPr sz="1800" b="0" i="0" u="none" strike="noStrike" cap="none">
+                <a:solidFill>
+                  <a:schemeClr val="dk1"/>
+                </a:solidFill>
+                <a:latin typeface="Calibri"/>
+                <a:ea typeface="Calibri"/>
+                <a:cs typeface="Calibri"/>
+                <a:sym typeface="Calibri"/>
+              </a:defRPr>
+            </a:lvl2pPr>
+            <a:lvl3pPr marR="0" lvl="2" algn="l" rtl="0">
+              <a:spcBef>
+                <a:spcPts val="0"/>
+              </a:spcBef>
+              <a:spcAft>
+                <a:spcPts val="0"/>
+              </a:spcAft>
+              <a:buSzPts val="1400"/>
+              <a:buNone/>
+              <a:defRPr sz="1800" b="0" i="0" u="none" strike="noStrike" cap="none">
+                <a:solidFill>
+                  <a:schemeClr val="dk1"/>
+                </a:solidFill>
+                <a:latin typeface="Calibri"/>
+                <a:ea typeface="Calibri"/>
+                <a:cs typeface="Calibri"/>
+                <a:sym typeface="Calibri"/>
+              </a:defRPr>
+            </a:lvl3pPr>
+            <a:lvl4pPr marR="0" lvl="3" algn="l" rtl="0">
+              <a:spcBef>
+                <a:spcPts val="0"/>
+              </a:spcBef>
+              <a:spcAft>
+                <a:spcPts val="0"/>
+              </a:spcAft>
+              <a:buSzPts val="1400"/>
+              <a:buNone/>
+              <a:defRPr sz="1800" b="0" i="0" u="none" strike="noStrike" cap="none">
+                <a:solidFill>
+                  <a:schemeClr val="dk1"/>
+                </a:solidFill>
+                <a:latin typeface="Calibri"/>
+                <a:ea typeface="Calibri"/>
+                <a:cs typeface="Calibri"/>
+                <a:sym typeface="Calibri"/>
+              </a:defRPr>
+            </a:lvl4pPr>
+            <a:lvl5pPr marR="0" lvl="4" algn="l" rtl="0">
+              <a:spcBef>
+                <a:spcPts val="0"/>
+              </a:spcBef>
+              <a:spcAft>
+                <a:spcPts val="0"/>
+              </a:spcAft>
+              <a:buSzPts val="1400"/>
+              <a:buNone/>
+              <a:defRPr sz="1800" b="0" i="0" u="none" strike="noStrike" cap="none">
+                <a:solidFill>
+                  <a:schemeClr val="dk1"/>
+                </a:solidFill>
+                <a:latin typeface="Calibri"/>
+                <a:ea typeface="Calibri"/>
+                <a:cs typeface="Calibri"/>
+                <a:sym typeface="Calibri"/>
+              </a:defRPr>
+            </a:lvl5pPr>
+            <a:lvl6pPr marR="0" lvl="5" algn="l" rtl="0">
+              <a:spcBef>
+                <a:spcPts val="0"/>
+              </a:spcBef>
+              <a:spcAft>
+                <a:spcPts val="0"/>
+              </a:spcAft>
+              <a:buSzPts val="1400"/>
+              <a:buNone/>
+              <a:defRPr sz="1800" b="0" i="0" u="none" strike="noStrike" cap="none">
+                <a:solidFill>
+                  <a:schemeClr val="dk1"/>
+                </a:solidFill>
+                <a:latin typeface="Calibri"/>
+                <a:ea typeface="Calibri"/>
+                <a:cs typeface="Calibri"/>
+                <a:sym typeface="Calibri"/>
+              </a:defRPr>
+            </a:lvl6pPr>
+            <a:lvl7pPr marR="0" lvl="6" algn="l" rtl="0">
+              <a:spcBef>
+                <a:spcPts val="0"/>
+              </a:spcBef>
+              <a:spcAft>
+                <a:spcPts val="0"/>
+              </a:spcAft>
+              <a:buSzPts val="1400"/>
+              <a:buNone/>
+              <a:defRPr sz="1800" b="0" i="0" u="none" strike="noStrike" cap="none">
+                <a:solidFill>
+                  <a:schemeClr val="dk1"/>
+                </a:solidFill>
+                <a:latin typeface="Calibri"/>
+                <a:ea typeface="Calibri"/>
+                <a:cs typeface="Calibri"/>
+                <a:sym typeface="Calibri"/>
+              </a:defRPr>
+            </a:lvl7pPr>
+            <a:lvl8pPr marR="0" lvl="7" algn="l" rtl="0">
+              <a:spcBef>
+                <a:spcPts val="0"/>
+              </a:spcBef>
+              <a:spcAft>
+                <a:spcPts val="0"/>
+              </a:spcAft>
+              <a:buSzPts val="1400"/>
+              <a:buNone/>
+              <a:defRPr sz="1800" b="0" i="0" u="none" strike="noStrike" cap="none">
+                <a:solidFill>
+                  <a:schemeClr val="dk1"/>
+                </a:solidFill>
+                <a:latin typeface="Calibri"/>
+                <a:ea typeface="Calibri"/>
+                <a:cs typeface="Calibri"/>
+                <a:sym typeface="Calibri"/>
+              </a:defRPr>
+            </a:lvl8pPr>
+            <a:lvl9pPr marR="0" lvl="8" algn="l" rtl="0">
+              <a:spcBef>
+                <a:spcPts val="0"/>
+              </a:spcBef>
+              <a:spcAft>
+                <a:spcPts val="0"/>
+              </a:spcAft>
+              <a:buSzPts val="1400"/>
+              <a:buNone/>
+              <a:defRPr sz="1800" b="0" i="0" u="none" strike="noStrike" cap="none">
+                <a:solidFill>
+                  <a:schemeClr val="dk1"/>
+                </a:solidFill>
+                <a:latin typeface="Calibri"/>
+                <a:ea typeface="Calibri"/>
+                <a:cs typeface="Calibri"/>
+                <a:sym typeface="Calibri"/>
+              </a:defRPr>
+            </a:lvl9pPr>
           </a:lstStyle>
           <a:p>
-            <a:fld id="{241EB5C9-1307-BA42-ABA2-0BC069CD8E7F}" type="datetimeFigureOut">
-              <a:rPr lang="en-US" smtClean="0"/>
-              <a:t>2/17/2018</a:t>
-            </a:fld>
-            <a:endParaRPr lang="en-US"/>
+            <a:endParaRPr/>
           </a:p>
         </p:txBody>
       </p:sp>
       <p:sp>
         <p:nvSpPr>
-          <p:cNvPr id="5" name="Footer Placeholder 4"/>
-          <p:cNvSpPr>
+          <p:cNvPr id="13" name="Shape 13"/>
+          <p:cNvSpPr txBox="1">
             <a:spLocks noGrp="1"/>
           </p:cNvSpPr>
           <p:nvPr>
-            <p:ph type="ftr" sz="quarter" idx="3"/>
+            <p:ph type="ftr" idx="11"/>
           </p:nvPr>
         </p:nvSpPr>
         <p:spPr>
           <a:xfrm>
-            <a:off x="3124200" y="6356350"/>
-            <a:ext cx="2895600" cy="365125"/>
+            <a:off x="4038600" y="6356350"/>
+            <a:ext cx="4114800" cy="365125"/>
           </a:xfrm>
           <a:prstGeom prst="rect">
             <a:avLst/>
           </a:prstGeom>
+          <a:noFill/>
+          <a:ln>
+            <a:noFill/>
+          </a:ln>
         </p:spPr>
         <p:txBody>
-          <a:bodyPr vert="horz" lIns="91440" tIns="45720" rIns="91440" bIns="45720" rtlCol="0" anchor="ctr"/>
+          <a:bodyPr spcFirstLastPara="1" wrap="square" lIns="91425" tIns="91425" rIns="91425" bIns="91425" anchor="ctr" anchorCtr="0"/>
           <a:lstStyle>
-            <a:lvl1pPr algn="ctr">
-              <a:defRPr sz="1200">
-                <a:solidFill>
-                  <a:schemeClr val="tx1">
-                    <a:tint val="75000"/>
-                  </a:schemeClr>
-                </a:solidFill>
+            <a:lvl1pPr marR="0" lvl="0" algn="ctr" rtl="0">
+              <a:spcBef>
+                <a:spcPts val="0"/>
+              </a:spcBef>
+              <a:spcAft>
+                <a:spcPts val="0"/>
+              </a:spcAft>
+              <a:buSzPts val="1400"/>
+              <a:buNone/>
+              <a:defRPr sz="1200" b="0" i="0" u="none" strike="noStrike" cap="none">
+                <a:solidFill>
+                  <a:srgbClr val="888888"/>
+                </a:solidFill>
+                <a:latin typeface="Calibri"/>
+                <a:ea typeface="Calibri"/>
+                <a:cs typeface="Calibri"/>
+                <a:sym typeface="Calibri"/>
               </a:defRPr>
             </a:lvl1pPr>
+            <a:lvl2pPr marR="0" lvl="1" algn="l" rtl="0">
+              <a:spcBef>
+                <a:spcPts val="0"/>
+              </a:spcBef>
+              <a:spcAft>
+                <a:spcPts val="0"/>
+              </a:spcAft>
+              <a:buSzPts val="1400"/>
+              <a:buNone/>
+              <a:defRPr sz="1800" b="0" i="0" u="none" strike="noStrike" cap="none">
+                <a:solidFill>
+                  <a:schemeClr val="dk1"/>
+                </a:solidFill>
+                <a:latin typeface="Calibri"/>
+                <a:ea typeface="Calibri"/>
+                <a:cs typeface="Calibri"/>
+                <a:sym typeface="Calibri"/>
+              </a:defRPr>
+            </a:lvl2pPr>
+            <a:lvl3pPr marR="0" lvl="2" algn="l" rtl="0">
+              <a:spcBef>
+                <a:spcPts val="0"/>
+              </a:spcBef>
+              <a:spcAft>
+                <a:spcPts val="0"/>
+              </a:spcAft>
+              <a:buSzPts val="1400"/>
+              <a:buNone/>
+              <a:defRPr sz="1800" b="0" i="0" u="none" strike="noStrike" cap="none">
+                <a:solidFill>
+                  <a:schemeClr val="dk1"/>
+                </a:solidFill>
+                <a:latin typeface="Calibri"/>
+                <a:ea typeface="Calibri"/>
+                <a:cs typeface="Calibri"/>
+                <a:sym typeface="Calibri"/>
+              </a:defRPr>
+            </a:lvl3pPr>
+            <a:lvl4pPr marR="0" lvl="3" algn="l" rtl="0">
+              <a:spcBef>
+                <a:spcPts val="0"/>
+              </a:spcBef>
+              <a:spcAft>
+                <a:spcPts val="0"/>
+              </a:spcAft>
+              <a:buSzPts val="1400"/>
+              <a:buNone/>
+              <a:defRPr sz="1800" b="0" i="0" u="none" strike="noStrike" cap="none">
+                <a:solidFill>
+                  <a:schemeClr val="dk1"/>
+                </a:solidFill>
+                <a:latin typeface="Calibri"/>
+                <a:ea typeface="Calibri"/>
+                <a:cs typeface="Calibri"/>
+                <a:sym typeface="Calibri"/>
+              </a:defRPr>
+            </a:lvl4pPr>
+            <a:lvl5pPr marR="0" lvl="4" algn="l" rtl="0">
+              <a:spcBef>
+                <a:spcPts val="0"/>
+              </a:spcBef>
+              <a:spcAft>
+                <a:spcPts val="0"/>
+              </a:spcAft>
+              <a:buSzPts val="1400"/>
+              <a:buNone/>
+              <a:defRPr sz="1800" b="0" i="0" u="none" strike="noStrike" cap="none">
+                <a:solidFill>
+                  <a:schemeClr val="dk1"/>
+                </a:solidFill>
+                <a:latin typeface="Calibri"/>
+                <a:ea typeface="Calibri"/>
+                <a:cs typeface="Calibri"/>
+                <a:sym typeface="Calibri"/>
+              </a:defRPr>
+            </a:lvl5pPr>
+            <a:lvl6pPr marR="0" lvl="5" algn="l" rtl="0">
+              <a:spcBef>
+                <a:spcPts val="0"/>
+              </a:spcBef>
+              <a:spcAft>
+                <a:spcPts val="0"/>
+              </a:spcAft>
+              <a:buSzPts val="1400"/>
+              <a:buNone/>
+              <a:defRPr sz="1800" b="0" i="0" u="none" strike="noStrike" cap="none">
+                <a:solidFill>
+                  <a:schemeClr val="dk1"/>
+                </a:solidFill>
+                <a:latin typeface="Calibri"/>
+                <a:ea typeface="Calibri"/>
+                <a:cs typeface="Calibri"/>
+                <a:sym typeface="Calibri"/>
+              </a:defRPr>
+            </a:lvl6pPr>
+            <a:lvl7pPr marR="0" lvl="6" algn="l" rtl="0">
+              <a:spcBef>
+                <a:spcPts val="0"/>
+              </a:spcBef>
+              <a:spcAft>
+                <a:spcPts val="0"/>
+              </a:spcAft>
+              <a:buSzPts val="1400"/>
+              <a:buNone/>
+              <a:defRPr sz="1800" b="0" i="0" u="none" strike="noStrike" cap="none">
+                <a:solidFill>
+                  <a:schemeClr val="dk1"/>
+                </a:solidFill>
+                <a:latin typeface="Calibri"/>
+                <a:ea typeface="Calibri"/>
+                <a:cs typeface="Calibri"/>
+                <a:sym typeface="Calibri"/>
+              </a:defRPr>
+            </a:lvl7pPr>
+            <a:lvl8pPr marR="0" lvl="7" algn="l" rtl="0">
+              <a:spcBef>
+                <a:spcPts val="0"/>
+              </a:spcBef>
+              <a:spcAft>
+                <a:spcPts val="0"/>
+              </a:spcAft>
+              <a:buSzPts val="1400"/>
+              <a:buNone/>
+              <a:defRPr sz="1800" b="0" i="0" u="none" strike="noStrike" cap="none">
+                <a:solidFill>
+                  <a:schemeClr val="dk1"/>
+                </a:solidFill>
+                <a:latin typeface="Calibri"/>
+                <a:ea typeface="Calibri"/>
+                <a:cs typeface="Calibri"/>
+                <a:sym typeface="Calibri"/>
+              </a:defRPr>
+            </a:lvl8pPr>
+            <a:lvl9pPr marR="0" lvl="8" algn="l" rtl="0">
+              <a:spcBef>
+                <a:spcPts val="0"/>
+              </a:spcBef>
+              <a:spcAft>
+                <a:spcPts val="0"/>
+              </a:spcAft>
+              <a:buSzPts val="1400"/>
+              <a:buNone/>
+              <a:defRPr sz="1800" b="0" i="0" u="none" strike="noStrike" cap="none">
+                <a:solidFill>
+                  <a:schemeClr val="dk1"/>
+                </a:solidFill>
+                <a:latin typeface="Calibri"/>
+                <a:ea typeface="Calibri"/>
+                <a:cs typeface="Calibri"/>
+                <a:sym typeface="Calibri"/>
+              </a:defRPr>
+            </a:lvl9pPr>
           </a:lstStyle>
           <a:p>
-            <a:endParaRPr lang="en-US"/>
+            <a:endParaRPr/>
           </a:p>
         </p:txBody>
       </p:sp>
       <p:sp>
         <p:nvSpPr>
-          <p:cNvPr id="6" name="Slide Number Placeholder 5"/>
-          <p:cNvSpPr>
+          <p:cNvPr id="14" name="Shape 14"/>
+          <p:cNvSpPr txBox="1">
             <a:spLocks noGrp="1"/>
           </p:cNvSpPr>
           <p:nvPr>
-            <p:ph type="sldNum" sz="quarter" idx="4"/>
+            <p:ph type="sldNum" idx="12"/>
           </p:nvPr>
         </p:nvSpPr>
         <p:spPr>
           <a:xfrm>
-            <a:off x="6553200" y="6356350"/>
-            <a:ext cx="2133600" cy="365125"/>
+            <a:off x="8610600" y="6356350"/>
+            <a:ext cx="2743200" cy="365125"/>
           </a:xfrm>
           <a:prstGeom prst="rect">
             <a:avLst/>
           </a:prstGeom>
+          <a:noFill/>
+          <a:ln>
+            <a:noFill/>
+          </a:ln>
         </p:spPr>
         <p:txBody>
-          <a:bodyPr vert="horz" lIns="91440" tIns="45720" rIns="91440" bIns="45720" rtlCol="0" anchor="ctr"/>
+          <a:bodyPr spcFirstLastPara="1" wrap="square" lIns="91425" tIns="45700" rIns="91425" bIns="45700" anchor="ctr" anchorCtr="0">
+            <a:noAutofit/>
+          </a:bodyPr>
           <a:lstStyle>
-            <a:lvl1pPr algn="r">
-              <a:defRPr sz="1200">
-                <a:solidFill>
-                  <a:schemeClr val="tx1">
-                    <a:tint val="75000"/>
-                  </a:schemeClr>
-                </a:solidFill>
+            <a:lvl1pPr marL="0" marR="0" lvl="0" indent="0" algn="r" rtl="0">
+              <a:spcBef>
+                <a:spcPts val="0"/>
+              </a:spcBef>
+              <a:buNone/>
+              <a:defRPr sz="1200" b="0" i="0" u="none" strike="noStrike" cap="none">
+                <a:solidFill>
+                  <a:srgbClr val="888888"/>
+                </a:solidFill>
+                <a:latin typeface="Calibri"/>
+                <a:ea typeface="Calibri"/>
+                <a:cs typeface="Calibri"/>
+                <a:sym typeface="Calibri"/>
               </a:defRPr>
             </a:lvl1pPr>
+            <a:lvl2pPr marL="0" marR="0" lvl="1" indent="0" algn="r" rtl="0">
+              <a:spcBef>
+                <a:spcPts val="0"/>
+              </a:spcBef>
+              <a:buNone/>
+              <a:defRPr sz="1200" b="0" i="0" u="none" strike="noStrike" cap="none">
+                <a:solidFill>
+                  <a:srgbClr val="888888"/>
+                </a:solidFill>
+                <a:latin typeface="Calibri"/>
+                <a:ea typeface="Calibri"/>
+                <a:cs typeface="Calibri"/>
+                <a:sym typeface="Calibri"/>
+              </a:defRPr>
+            </a:lvl2pPr>
+            <a:lvl3pPr marL="0" marR="0" lvl="2" indent="0" algn="r" rtl="0">
+              <a:spcBef>
+                <a:spcPts val="0"/>
+              </a:spcBef>
+              <a:buNone/>
+              <a:defRPr sz="1200" b="0" i="0" u="none" strike="noStrike" cap="none">
+                <a:solidFill>
+                  <a:srgbClr val="888888"/>
+                </a:solidFill>
+                <a:latin typeface="Calibri"/>
+                <a:ea typeface="Calibri"/>
+                <a:cs typeface="Calibri"/>
+                <a:sym typeface="Calibri"/>
+              </a:defRPr>
+            </a:lvl3pPr>
+            <a:lvl4pPr marL="0" marR="0" lvl="3" indent="0" algn="r" rtl="0">
+              <a:spcBef>
+                <a:spcPts val="0"/>
+              </a:spcBef>
+              <a:buNone/>
+              <a:defRPr sz="1200" b="0" i="0" u="none" strike="noStrike" cap="none">
+                <a:solidFill>
+                  <a:srgbClr val="888888"/>
+                </a:solidFill>
+                <a:latin typeface="Calibri"/>
+                <a:ea typeface="Calibri"/>
+                <a:cs typeface="Calibri"/>
+                <a:sym typeface="Calibri"/>
+              </a:defRPr>
+            </a:lvl4pPr>
+            <a:lvl5pPr marL="0" marR="0" lvl="4" indent="0" algn="r" rtl="0">
+              <a:spcBef>
+                <a:spcPts val="0"/>
+              </a:spcBef>
+              <a:buNone/>
+              <a:defRPr sz="1200" b="0" i="0" u="none" strike="noStrike" cap="none">
+                <a:solidFill>
+                  <a:srgbClr val="888888"/>
+                </a:solidFill>
+                <a:latin typeface="Calibri"/>
+                <a:ea typeface="Calibri"/>
+                <a:cs typeface="Calibri"/>
+                <a:sym typeface="Calibri"/>
+              </a:defRPr>
+            </a:lvl5pPr>
+            <a:lvl6pPr marL="0" marR="0" lvl="5" indent="0" algn="r" rtl="0">
+              <a:spcBef>
+                <a:spcPts val="0"/>
+              </a:spcBef>
+              <a:buNone/>
+              <a:defRPr sz="1200" b="0" i="0" u="none" strike="noStrike" cap="none">
+                <a:solidFill>
+                  <a:srgbClr val="888888"/>
+                </a:solidFill>
+                <a:latin typeface="Calibri"/>
+                <a:ea typeface="Calibri"/>
+                <a:cs typeface="Calibri"/>
+                <a:sym typeface="Calibri"/>
+              </a:defRPr>
+            </a:lvl6pPr>
+            <a:lvl7pPr marL="0" marR="0" lvl="6" indent="0" algn="r" rtl="0">
+              <a:spcBef>
+                <a:spcPts val="0"/>
+              </a:spcBef>
+              <a:buNone/>
+              <a:defRPr sz="1200" b="0" i="0" u="none" strike="noStrike" cap="none">
+                <a:solidFill>
+                  <a:srgbClr val="888888"/>
+                </a:solidFill>
+                <a:latin typeface="Calibri"/>
+                <a:ea typeface="Calibri"/>
+                <a:cs typeface="Calibri"/>
+                <a:sym typeface="Calibri"/>
+              </a:defRPr>
+            </a:lvl7pPr>
+            <a:lvl8pPr marL="0" marR="0" lvl="7" indent="0" algn="r" rtl="0">
+              <a:spcBef>
+                <a:spcPts val="0"/>
+              </a:spcBef>
+              <a:buNone/>
+              <a:defRPr sz="1200" b="0" i="0" u="none" strike="noStrike" cap="none">
+                <a:solidFill>
+                  <a:srgbClr val="888888"/>
+                </a:solidFill>
+                <a:latin typeface="Calibri"/>
+                <a:ea typeface="Calibri"/>
+                <a:cs typeface="Calibri"/>
+                <a:sym typeface="Calibri"/>
+              </a:defRPr>
+            </a:lvl8pPr>
+            <a:lvl9pPr marL="0" marR="0" lvl="8" indent="0" algn="r" rtl="0">
+              <a:spcBef>
+                <a:spcPts val="0"/>
+              </a:spcBef>
+              <a:buNone/>
+              <a:defRPr sz="1200" b="0" i="0" u="none" strike="noStrike" cap="none">
+                <a:solidFill>
+                  <a:srgbClr val="888888"/>
+                </a:solidFill>
+                <a:latin typeface="Calibri"/>
+                <a:ea typeface="Calibri"/>
+                <a:cs typeface="Calibri"/>
+                <a:sym typeface="Calibri"/>
+              </a:defRPr>
+            </a:lvl9pPr>
           </a:lstStyle>
           <a:p>
-            <a:fld id="{C5EF2332-01BF-834F-8236-50238282D533}" type="slidenum">
-              <a:rPr lang="en-US" smtClean="0"/>
+            <a:pPr marL="0" lvl="0" indent="0">
+              <a:spcBef>
+                <a:spcPts val="0"/>
+              </a:spcBef>
+              <a:spcAft>
+                <a:spcPts val="0"/>
+              </a:spcAft>
+              <a:buNone/>
+            </a:pPr>
+            <a:fld id="{00000000-1234-1234-1234-123412341234}" type="slidenum">
+              <a:rPr lang="en-US"/>
               <a:t>‹#›</a:t>
             </a:fld>
-            <a:endParaRPr lang="en-US"/>
+            <a:endParaRPr/>
           </a:p>
         </p:txBody>
       </p:sp>
+      <p:pic>
+        <p:nvPicPr>
+          <p:cNvPr id="1026" name="Picture 2" descr="Logo Blue Gradient">
+            <a:extLst>
+              <a:ext uri="{FF2B5EF4-FFF2-40B4-BE49-F238E27FC236}">
+                <a16:creationId xmlns:a16="http://schemas.microsoft.com/office/drawing/2014/main" id="{84E8A768-B8DC-41EC-A9AC-27BF5052E7F2}"/>
+              </a:ext>
+            </a:extLst>
+          </p:cNvPr>
+          <p:cNvPicPr>
+            <a:picLocks noChangeAspect="1" noChangeArrowheads="1"/>
+          </p:cNvPicPr>
+          <p:nvPr userDrawn="1"/>
+        </p:nvPicPr>
+        <p:blipFill>
+          <a:blip r:embed="rId5">
+            <a:extLst>
+              <a:ext uri="{28A0092B-C50C-407E-A947-70E740481C1C}">
+                <a14:useLocalDpi xmlns:a14="http://schemas.microsoft.com/office/drawing/2010/main" val="0"/>
+              </a:ext>
+            </a:extLst>
+          </a:blip>
+          <a:srcRect/>
+          <a:stretch>
+            <a:fillRect/>
+          </a:stretch>
+        </p:blipFill>
+        <p:spPr bwMode="auto">
+          <a:xfrm>
+            <a:off x="94420" y="6424424"/>
+            <a:ext cx="988943" cy="347160"/>
+          </a:xfrm>
+          <a:prstGeom prst="rect">
+            <a:avLst/>
+          </a:prstGeom>
+          <a:noFill/>
+          <a:extLst>
+            <a:ext uri="{909E8E84-426E-40DD-AFC4-6F175D3DCCD1}">
+              <a14:hiddenFill xmlns:a14="http://schemas.microsoft.com/office/drawing/2010/main">
+                <a:solidFill>
+                  <a:srgbClr val="FFFFFF"/>
+                </a:solidFill>
+              </a14:hiddenFill>
+            </a:ext>
+          </a:extLst>
+        </p:spPr>
+      </p:pic>
     </p:spTree>
-    <p:extLst>
-      <p:ext uri="{BB962C8B-B14F-4D97-AF65-F5344CB8AC3E}">
-        <p14:creationId xmlns:p14="http://schemas.microsoft.com/office/powerpoint/2010/main" val="3676200875"/>
-      </p:ext>
-    </p:extLst>
   </p:cSld>
-  <p:clrMap bg1="lt1" tx1="dk1" bg2="lt2" tx2="dk2" accent1="accent1" accent2="accent2" accent3="accent3" accent4="accent4" accent5="accent5" accent6="accent6" hlink="hlink" folHlink="folHlink"/>
+  <p:clrMap bg1="lt1" tx1="dk1" bg2="dk2" tx2="lt2" accent1="accent1" accent2="accent2" accent3="accent3" accent4="accent4" accent5="accent5" accent6="accent6" hlink="hlink" folHlink="folHlink"/>
   <p:sldLayoutIdLst>
-    <p:sldLayoutId id="2147483649" r:id="rId1"/>
+    <p:sldLayoutId id="2147483660" r:id="rId1"/>
     <p:sldLayoutId id="2147483650" r:id="rId2"/>
-    <p:sldLayoutId id="2147483651" r:id="rId3"/>
-    <p:sldLayoutId id="2147483652" r:id="rId4"/>
-    <p:sldLayoutId id="2147483653" r:id="rId5"/>
-    <p:sldLayoutId id="2147483654" r:id="rId6"/>
-    <p:sldLayoutId id="2147483655" r:id="rId7"/>
-    <p:sldLayoutId id="2147483656" r:id="rId8"/>
-    <p:sldLayoutId id="2147483657" r:id="rId9"/>
-    <p:sldLayoutId id="2147483658" r:id="rId10"/>
-    <p:sldLayoutId id="2147483659" r:id="rId11"/>
+    <p:sldLayoutId id="2147483652" r:id="rId3"/>
   </p:sldLayoutIdLst>
+  <p:hf hdr="0" ftr="0" dt="0"/>
   <p:txStyles>
     <p:titleStyle>
-      <a:lvl1pPr algn="ctr" defTabSz="457200" rtl="0" eaLnBrk="1" latinLnBrk="0" hangingPunct="1">
+      <a:defPPr marR="0" lvl="0" algn="l" rtl="0">
+        <a:lnSpc>
+          <a:spcPct val="100000"/>
+        </a:lnSpc>
         <a:spcBef>
-          <a:spcPct val="0"/>
+          <a:spcPts val="0"/>
         </a:spcBef>
-        <a:buNone/>
-        <a:defRPr sz="4400" kern="1200">
+        <a:spcAft>
+          <a:spcPts val="0"/>
+        </a:spcAft>
+      </a:defPPr>
+      <a:lvl1pPr marR="0" lvl="0" algn="l" rtl="0">
+        <a:lnSpc>
+          <a:spcPct val="100000"/>
+        </a:lnSpc>
+        <a:spcBef>
+          <a:spcPts val="0"/>
+        </a:spcBef>
+        <a:spcAft>
+          <a:spcPts val="0"/>
+        </a:spcAft>
+        <a:buClr>
+          <a:srgbClr val="000000"/>
+        </a:buClr>
+        <a:buFont typeface="Arial"/>
+        <a:defRPr sz="4000" b="0" i="0" u="none" strike="noStrike" cap="none">
           <a:solidFill>
-            <a:schemeClr val="tx1"/>
+            <a:srgbClr val="000000"/>
           </a:solidFill>
-          <a:latin typeface="+mj-lt"/>
-          <a:ea typeface="+mj-ea"/>
-          <a:cs typeface="+mj-cs"/>
+          <a:latin typeface="Arial"/>
+          <a:ea typeface="Arial"/>
+          <a:cs typeface="Arial"/>
+          <a:sym typeface="Arial"/>
         </a:defRPr>
       </a:lvl1pPr>
+      <a:lvl2pPr marR="0" lvl="1" algn="l" rtl="0">
+        <a:lnSpc>
+          <a:spcPct val="100000"/>
+        </a:lnSpc>
+        <a:spcBef>
+          <a:spcPts val="0"/>
+        </a:spcBef>
+        <a:spcAft>
+          <a:spcPts val="0"/>
+        </a:spcAft>
+        <a:buClr>
+          <a:srgbClr val="000000"/>
+        </a:buClr>
+        <a:buFont typeface="Arial"/>
+        <a:defRPr sz="1400" b="0" i="0" u="none" strike="noStrike" cap="none">
+          <a:solidFill>
+            <a:srgbClr val="000000"/>
+          </a:solidFill>
+          <a:latin typeface="Arial"/>
+          <a:ea typeface="Arial"/>
+          <a:cs typeface="Arial"/>
+          <a:sym typeface="Arial"/>
+        </a:defRPr>
+      </a:lvl2pPr>
+      <a:lvl3pPr marR="0" lvl="2" algn="l" rtl="0">
+        <a:lnSpc>
+          <a:spcPct val="100000"/>
+        </a:lnSpc>
+        <a:spcBef>
+          <a:spcPts val="0"/>
+        </a:spcBef>
+        <a:spcAft>
+          <a:spcPts val="0"/>
+        </a:spcAft>
+        <a:buClr>
+          <a:srgbClr val="000000"/>
+        </a:buClr>
+        <a:buFont typeface="Arial"/>
+        <a:defRPr sz="1400" b="0" i="0" u="none" strike="noStrike" cap="none">
+          <a:solidFill>
+            <a:srgbClr val="000000"/>
+          </a:solidFill>
+          <a:latin typeface="Arial"/>
+          <a:ea typeface="Arial"/>
+          <a:cs typeface="Arial"/>
+          <a:sym typeface="Arial"/>
+        </a:defRPr>
+      </a:lvl3pPr>
+      <a:lvl4pPr marR="0" lvl="3" algn="l" rtl="0">
+        <a:lnSpc>
+          <a:spcPct val="100000"/>
+        </a:lnSpc>
+        <a:spcBef>
+          <a:spcPts val="0"/>
+        </a:spcBef>
+        <a:spcAft>
+          <a:spcPts val="0"/>
+        </a:spcAft>
+        <a:buClr>
+          <a:srgbClr val="000000"/>
+        </a:buClr>
+        <a:buFont typeface="Arial"/>
+        <a:defRPr sz="1400" b="0" i="0" u="none" strike="noStrike" cap="none">
+          <a:solidFill>
+            <a:srgbClr val="000000"/>
+          </a:solidFill>
+          <a:latin typeface="Arial"/>
+          <a:ea typeface="Arial"/>
+          <a:cs typeface="Arial"/>
+          <a:sym typeface="Arial"/>
+        </a:defRPr>
+      </a:lvl4pPr>
+      <a:lvl5pPr marR="0" lvl="4" algn="l" rtl="0">
+        <a:lnSpc>
+          <a:spcPct val="100000"/>
+        </a:lnSpc>
+        <a:spcBef>
+          <a:spcPts val="0"/>
+        </a:spcBef>
+        <a:spcAft>
+          <a:spcPts val="0"/>
+        </a:spcAft>
+        <a:buClr>
+          <a:srgbClr val="000000"/>
+        </a:buClr>
+        <a:buFont typeface="Arial"/>
+        <a:defRPr sz="1400" b="0" i="0" u="none" strike="noStrike" cap="none">
+          <a:solidFill>
+            <a:srgbClr val="000000"/>
+          </a:solidFill>
+          <a:latin typeface="Arial"/>
+          <a:ea typeface="Arial"/>
+          <a:cs typeface="Arial"/>
+          <a:sym typeface="Arial"/>
+        </a:defRPr>
+      </a:lvl5pPr>
+      <a:lvl6pPr marR="0" lvl="5" algn="l" rtl="0">
+        <a:lnSpc>
+          <a:spcPct val="100000"/>
+        </a:lnSpc>
+        <a:spcBef>
+          <a:spcPts val="0"/>
+        </a:spcBef>
+        <a:spcAft>
+          <a:spcPts val="0"/>
+        </a:spcAft>
+        <a:buClr>
+          <a:srgbClr val="000000"/>
+        </a:buClr>
+        <a:buFont typeface="Arial"/>
+        <a:defRPr sz="1400" b="0" i="0" u="none" strike="noStrike" cap="none">
+          <a:solidFill>
+            <a:srgbClr val="000000"/>
+          </a:solidFill>
+          <a:latin typeface="Arial"/>
+          <a:ea typeface="Arial"/>
+          <a:cs typeface="Arial"/>
+          <a:sym typeface="Arial"/>
+        </a:defRPr>
+      </a:lvl6pPr>
+      <a:lvl7pPr marR="0" lvl="6" algn="l" rtl="0">
+        <a:lnSpc>
+          <a:spcPct val="100000"/>
+        </a:lnSpc>
+        <a:spcBef>
+          <a:spcPts val="0"/>
+        </a:spcBef>
+        <a:spcAft>
+          <a:spcPts val="0"/>
+        </a:spcAft>
+        <a:buClr>
+          <a:srgbClr val="000000"/>
+        </a:buClr>
+        <a:buFont typeface="Arial"/>
+        <a:defRPr sz="1400" b="0" i="0" u="none" strike="noStrike" cap="none">
+          <a:solidFill>
+            <a:srgbClr val="000000"/>
+          </a:solidFill>
+          <a:latin typeface="Arial"/>
+          <a:ea typeface="Arial"/>
+          <a:cs typeface="Arial"/>
+          <a:sym typeface="Arial"/>
+        </a:defRPr>
+      </a:lvl7pPr>
+      <a:lvl8pPr marR="0" lvl="7" algn="l" rtl="0">
+        <a:lnSpc>
+          <a:spcPct val="100000"/>
+        </a:lnSpc>
+        <a:spcBef>
+          <a:spcPts val="0"/>
+        </a:spcBef>
+        <a:spcAft>
+          <a:spcPts val="0"/>
+        </a:spcAft>
+        <a:buClr>
+          <a:srgbClr val="000000"/>
+        </a:buClr>
+        <a:buFont typeface="Arial"/>
+        <a:defRPr sz="1400" b="0" i="0" u="none" strike="noStrike" cap="none">
+          <a:solidFill>
+            <a:srgbClr val="000000"/>
+          </a:solidFill>
+          <a:latin typeface="Arial"/>
+          <a:ea typeface="Arial"/>
+          <a:cs typeface="Arial"/>
+          <a:sym typeface="Arial"/>
+        </a:defRPr>
+      </a:lvl8pPr>
+      <a:lvl9pPr marR="0" lvl="8" algn="l" rtl="0">
+        <a:lnSpc>
+          <a:spcPct val="100000"/>
+        </a:lnSpc>
+        <a:spcBef>
+          <a:spcPts val="0"/>
+        </a:spcBef>
+        <a:spcAft>
+          <a:spcPts val="0"/>
+        </a:spcAft>
+        <a:buClr>
+          <a:srgbClr val="000000"/>
+        </a:buClr>
+        <a:buFont typeface="Arial"/>
+        <a:defRPr sz="1400" b="0" i="0" u="none" strike="noStrike" cap="none">
+          <a:solidFill>
+            <a:srgbClr val="000000"/>
+          </a:solidFill>
+          <a:latin typeface="Arial"/>
+          <a:ea typeface="Arial"/>
+          <a:cs typeface="Arial"/>
+          <a:sym typeface="Arial"/>
+        </a:defRPr>
+      </a:lvl9pPr>
     </p:titleStyle>
     <p:bodyStyle>
-      <a:lvl1pPr marL="342900" indent="-342900" algn="l" defTabSz="457200" rtl="0" eaLnBrk="1" latinLnBrk="0" hangingPunct="1">
+      <a:defPPr marR="0" lvl="0" algn="l" rtl="0">
+        <a:lnSpc>
+          <a:spcPct val="100000"/>
+        </a:lnSpc>
         <a:spcBef>
-          <a:spcPct val="20000"/>
+          <a:spcPts val="0"/>
         </a:spcBef>
+        <a:spcAft>
+          <a:spcPts val="0"/>
+        </a:spcAft>
+      </a:defPPr>
+      <a:lvl1pPr marR="0" lvl="0" algn="l" rtl="0">
+        <a:lnSpc>
+          <a:spcPct val="100000"/>
+        </a:lnSpc>
+        <a:spcBef>
+          <a:spcPts val="0"/>
+        </a:spcBef>
+        <a:spcAft>
+          <a:spcPts val="0"/>
+        </a:spcAft>
+        <a:buClr>
+          <a:srgbClr val="000000"/>
+        </a:buClr>
         <a:buFont typeface="Arial"/>
-        <a:buChar char="•"/>
-        <a:defRPr sz="3200" kern="1200">
+        <a:defRPr sz="2400" b="0" i="0" u="none" strike="noStrike" cap="none">
           <a:solidFill>
-            <a:schemeClr val="tx1"/>
+            <a:srgbClr val="000000"/>
           </a:solidFill>
-          <a:latin typeface="+mn-lt"/>
-          <a:ea typeface="+mn-ea"/>
-          <a:cs typeface="+mn-cs"/>
+          <a:latin typeface="Arial"/>
+          <a:ea typeface="Arial"/>
+          <a:cs typeface="Arial"/>
+          <a:sym typeface="Arial"/>
         </a:defRPr>
       </a:lvl1pPr>
-      <a:lvl2pPr marL="742950" indent="-285750" algn="l" defTabSz="457200" rtl="0" eaLnBrk="1" latinLnBrk="0" hangingPunct="1">
+      <a:lvl2pPr marR="0" lvl="1" algn="l" rtl="0">
+        <a:lnSpc>
+          <a:spcPct val="100000"/>
+        </a:lnSpc>
         <a:spcBef>
-          <a:spcPct val="20000"/>
+          <a:spcPts val="0"/>
         </a:spcBef>
+        <a:spcAft>
+          <a:spcPts val="0"/>
+        </a:spcAft>
+        <a:buClr>
+          <a:srgbClr val="000000"/>
+        </a:buClr>
         <a:buFont typeface="Arial"/>
-        <a:buChar char="–"/>
-        <a:defRPr sz="2800" kern="1200">
+        <a:defRPr sz="1400" b="0" i="0" u="none" strike="noStrike" cap="none">
           <a:solidFill>
-            <a:schemeClr val="tx1"/>
+            <a:srgbClr val="000000"/>
           </a:solidFill>
-          <a:latin typeface="+mn-lt"/>
-          <a:ea typeface="+mn-ea"/>
-          <a:cs typeface="+mn-cs"/>
+          <a:latin typeface="Arial"/>
+          <a:ea typeface="Arial"/>
+          <a:cs typeface="Arial"/>
+          <a:sym typeface="Arial"/>
         </a:defRPr>
       </a:lvl2pPr>
-      <a:lvl3pPr marL="1143000" indent="-228600" algn="l" defTabSz="457200" rtl="0" eaLnBrk="1" latinLnBrk="0" hangingPunct="1">
+      <a:lvl3pPr marR="0" lvl="2" algn="l" rtl="0">
+        <a:lnSpc>
+          <a:spcPct val="100000"/>
+        </a:lnSpc>
         <a:spcBef>
-          <a:spcPct val="20000"/>
+          <a:spcPts val="0"/>
         </a:spcBef>
+        <a:spcAft>
+          <a:spcPts val="0"/>
+        </a:spcAft>
+        <a:buClr>
+          <a:srgbClr val="000000"/>
+        </a:buClr>
         <a:buFont typeface="Arial"/>
-        <a:buChar char="•"/>
-        <a:defRPr sz="2400" kern="1200">
+        <a:defRPr sz="1400" b="0" i="0" u="none" strike="noStrike" cap="none">
           <a:solidFill>
-            <a:schemeClr val="tx1"/>
+            <a:srgbClr val="000000"/>
           </a:solidFill>
-          <a:latin typeface="+mn-lt"/>
-          <a:ea typeface="+mn-ea"/>
-          <a:cs typeface="+mn-cs"/>
+          <a:latin typeface="Arial"/>
+          <a:ea typeface="Arial"/>
+          <a:cs typeface="Arial"/>
+          <a:sym typeface="Arial"/>
         </a:defRPr>
       </a:lvl3pPr>
-      <a:lvl4pPr marL="1600200" indent="-228600" algn="l" defTabSz="457200" rtl="0" eaLnBrk="1" latinLnBrk="0" hangingPunct="1">
+      <a:lvl4pPr marR="0" lvl="3" algn="l" rtl="0">
+        <a:lnSpc>
+          <a:spcPct val="100000"/>
+        </a:lnSpc>
         <a:spcBef>
-          <a:spcPct val="20000"/>
+          <a:spcPts val="0"/>
         </a:spcBef>
+        <a:spcAft>
+          <a:spcPts val="0"/>
+        </a:spcAft>
+        <a:buClr>
+          <a:srgbClr val="000000"/>
+        </a:buClr>
         <a:buFont typeface="Arial"/>
-        <a:buChar char="–"/>
-        <a:defRPr sz="2000" kern="1200">
+        <a:defRPr sz="1400" b="0" i="0" u="none" strike="noStrike" cap="none">
           <a:solidFill>
-            <a:schemeClr val="tx1"/>
+            <a:srgbClr val="000000"/>
           </a:solidFill>
-          <a:latin typeface="+mn-lt"/>
-          <a:ea typeface="+mn-ea"/>
-          <a:cs typeface="+mn-cs"/>
+          <a:latin typeface="Arial"/>
+          <a:ea typeface="Arial"/>
+          <a:cs typeface="Arial"/>
+          <a:sym typeface="Arial"/>
         </a:defRPr>
       </a:lvl4pPr>
-      <a:lvl5pPr marL="2057400" indent="-228600" algn="l" defTabSz="457200" rtl="0" eaLnBrk="1" latinLnBrk="0" hangingPunct="1">
+      <a:lvl5pPr marR="0" lvl="4" algn="l" rtl="0">
+        <a:lnSpc>
+          <a:spcPct val="100000"/>
+        </a:lnSpc>
         <a:spcBef>
-          <a:spcPct val="20000"/>
+          <a:spcPts val="0"/>
         </a:spcBef>
+        <a:spcAft>
+          <a:spcPts val="0"/>
+        </a:spcAft>
+        <a:buClr>
+          <a:srgbClr val="000000"/>
+        </a:buClr>
         <a:buFont typeface="Arial"/>
-        <a:buChar char="»"/>
-        <a:defRPr sz="2000" kern="1200">
+        <a:defRPr sz="1400" b="0" i="0" u="none" strike="noStrike" cap="none">
           <a:solidFill>
-            <a:schemeClr val="tx1"/>
+            <a:srgbClr val="000000"/>
           </a:solidFill>
-          <a:latin typeface="+mn-lt"/>
-          <a:ea typeface="+mn-ea"/>
-          <a:cs typeface="+mn-cs"/>
+          <a:latin typeface="Arial"/>
+          <a:ea typeface="Arial"/>
+          <a:cs typeface="Arial"/>
+          <a:sym typeface="Arial"/>
         </a:defRPr>
       </a:lvl5pPr>
-      <a:lvl6pPr marL="2514600" indent="-228600" algn="l" defTabSz="457200" rtl="0" eaLnBrk="1" latinLnBrk="0" hangingPunct="1">
+      <a:lvl6pPr marR="0" lvl="5" algn="l" rtl="0">
+        <a:lnSpc>
+          <a:spcPct val="100000"/>
+        </a:lnSpc>
         <a:spcBef>
-          <a:spcPct val="20000"/>
+          <a:spcPts val="0"/>
         </a:spcBef>
+        <a:spcAft>
+          <a:spcPts val="0"/>
+        </a:spcAft>
+        <a:buClr>
+          <a:srgbClr val="000000"/>
+        </a:buClr>
         <a:buFont typeface="Arial"/>
-        <a:buChar char="•"/>
-        <a:defRPr sz="2000" kern="1200">
+        <a:defRPr sz="1400" b="0" i="0" u="none" strike="noStrike" cap="none">
           <a:solidFill>
-            <a:schemeClr val="tx1"/>
+            <a:srgbClr val="000000"/>
           </a:solidFill>
-          <a:latin typeface="+mn-lt"/>
-          <a:ea typeface="+mn-ea"/>
-          <a:cs typeface="+mn-cs"/>
+          <a:latin typeface="Arial"/>
+          <a:ea typeface="Arial"/>
+          <a:cs typeface="Arial"/>
+          <a:sym typeface="Arial"/>
         </a:defRPr>
       </a:lvl6pPr>
-      <a:lvl7pPr marL="2971800" indent="-228600" algn="l" defTabSz="457200" rtl="0" eaLnBrk="1" latinLnBrk="0" hangingPunct="1">
+      <a:lvl7pPr marR="0" lvl="6" algn="l" rtl="0">
+        <a:lnSpc>
+          <a:spcPct val="100000"/>
+        </a:lnSpc>
         <a:spcBef>
-          <a:spcPct val="20000"/>
+          <a:spcPts val="0"/>
         </a:spcBef>
+        <a:spcAft>
+          <a:spcPts val="0"/>
+        </a:spcAft>
+        <a:buClr>
+          <a:srgbClr val="000000"/>
+        </a:buClr>
         <a:buFont typeface="Arial"/>
-        <a:buChar char="•"/>
-        <a:defRPr sz="2000" kern="1200">
+        <a:defRPr sz="1400" b="0" i="0" u="none" strike="noStrike" cap="none">
           <a:solidFill>
-            <a:schemeClr val="tx1"/>
+            <a:srgbClr val="000000"/>
           </a:solidFill>
-          <a:latin typeface="+mn-lt"/>
-          <a:ea typeface="+mn-ea"/>
-          <a:cs typeface="+mn-cs"/>
+          <a:latin typeface="Arial"/>
+          <a:ea typeface="Arial"/>
+          <a:cs typeface="Arial"/>
+          <a:sym typeface="Arial"/>
         </a:defRPr>
       </a:lvl7pPr>
-      <a:lvl8pPr marL="3429000" indent="-228600" algn="l" defTabSz="457200" rtl="0" eaLnBrk="1" latinLnBrk="0" hangingPunct="1">
+      <a:lvl8pPr marR="0" lvl="7" algn="l" rtl="0">
+        <a:lnSpc>
+          <a:spcPct val="100000"/>
+        </a:lnSpc>
         <a:spcBef>
-          <a:spcPct val="20000"/>
+          <a:spcPts val="0"/>
         </a:spcBef>
+        <a:spcAft>
+          <a:spcPts val="0"/>
+        </a:spcAft>
+        <a:buClr>
+          <a:srgbClr val="000000"/>
+        </a:buClr>
         <a:buFont typeface="Arial"/>
-        <a:buChar char="•"/>
-        <a:defRPr sz="2000" kern="1200">
+        <a:defRPr sz="1400" b="0" i="0" u="none" strike="noStrike" cap="none">
           <a:solidFill>
-            <a:schemeClr val="tx1"/>
+            <a:srgbClr val="000000"/>
           </a:solidFill>
-          <a:latin typeface="+mn-lt"/>
-          <a:ea typeface="+mn-ea"/>
-          <a:cs typeface="+mn-cs"/>
+          <a:latin typeface="Arial"/>
+          <a:ea typeface="Arial"/>
+          <a:cs typeface="Arial"/>
+          <a:sym typeface="Arial"/>
         </a:defRPr>
       </a:lvl8pPr>
-      <a:lvl9pPr marL="3886200" indent="-228600" algn="l" defTabSz="457200" rtl="0" eaLnBrk="1" latinLnBrk="0" hangingPunct="1">
+      <a:lvl9pPr marR="0" lvl="8" algn="l" rtl="0">
+        <a:lnSpc>
+          <a:spcPct val="100000"/>
+        </a:lnSpc>
         <a:spcBef>
-          <a:spcPct val="20000"/>
+          <a:spcPts val="0"/>
         </a:spcBef>
+        <a:spcAft>
+          <a:spcPts val="0"/>
+        </a:spcAft>
+        <a:buClr>
+          <a:srgbClr val="000000"/>
+        </a:buClr>
         <a:buFont typeface="Arial"/>
-        <a:buChar char="•"/>
-        <a:defRPr sz="2000" kern="1200">
+        <a:defRPr sz="1400" b="0" i="0" u="none" strike="noStrike" cap="none">
           <a:solidFill>
-            <a:schemeClr val="tx1"/>
+            <a:srgbClr val="000000"/>
           </a:solidFill>
-          <a:latin typeface="+mn-lt"/>
-          <a:ea typeface="+mn-ea"/>
-          <a:cs typeface="+mn-cs"/>
+          <a:latin typeface="Arial"/>
+          <a:ea typeface="Arial"/>
+          <a:cs typeface="Arial"/>
+          <a:sym typeface="Arial"/>
         </a:defRPr>
       </a:lvl9pPr>
     </p:bodyStyle>
     <p:otherStyle>
-      <a:defPPr>
-        <a:defRPr lang="en-US"/>
+      <a:defPPr marR="0" lvl="0" algn="l" rtl="0">
+        <a:lnSpc>
+          <a:spcPct val="100000"/>
+        </a:lnSpc>
+        <a:spcBef>
+          <a:spcPts val="0"/>
+        </a:spcBef>
+        <a:spcAft>
+          <a:spcPts val="0"/>
+        </a:spcAft>
       </a:defPPr>
-      <a:lvl1pPr marL="0" algn="l" defTabSz="457200" rtl="0" eaLnBrk="1" latinLnBrk="0" hangingPunct="1">
-        <a:defRPr sz="1800" kern="1200">
+      <a:lvl1pPr marR="0" lvl="0" algn="l" rtl="0">
+        <a:lnSpc>
+          <a:spcPct val="100000"/>
+        </a:lnSpc>
+        <a:spcBef>
+          <a:spcPts val="0"/>
+        </a:spcBef>
+        <a:spcAft>
+          <a:spcPts val="0"/>
+        </a:spcAft>
+        <a:buClr>
+          <a:srgbClr val="000000"/>
+        </a:buClr>
+        <a:buFont typeface="Arial"/>
+        <a:defRPr sz="1400" b="0" i="0" u="none" strike="noStrike" cap="none">
           <a:solidFill>
-            <a:schemeClr val="tx1"/>
+            <a:srgbClr val="000000"/>
           </a:solidFill>
-          <a:latin typeface="+mn-lt"/>
-          <a:ea typeface="+mn-ea"/>
-          <a:cs typeface="+mn-cs"/>
+          <a:latin typeface="Arial"/>
+          <a:ea typeface="Arial"/>
+          <a:cs typeface="Arial"/>
+          <a:sym typeface="Arial"/>
         </a:defRPr>
       </a:lvl1pPr>
-      <a:lvl2pPr marL="457200" algn="l" defTabSz="457200" rtl="0" eaLnBrk="1" latinLnBrk="0" hangingPunct="1">
-        <a:defRPr sz="1800" kern="1200">
+      <a:lvl2pPr marR="0" lvl="1" algn="l" rtl="0">
+        <a:lnSpc>
+          <a:spcPct val="100000"/>
+        </a:lnSpc>
+        <a:spcBef>
+          <a:spcPts val="0"/>
+        </a:spcBef>
+        <a:spcAft>
+          <a:spcPts val="0"/>
+        </a:spcAft>
+        <a:buClr>
+          <a:srgbClr val="000000"/>
+        </a:buClr>
+        <a:buFont typeface="Arial"/>
+        <a:defRPr sz="1400" b="0" i="0" u="none" strike="noStrike" cap="none">
           <a:solidFill>
-            <a:schemeClr val="tx1"/>
+            <a:srgbClr val="000000"/>
           </a:solidFill>
-          <a:latin typeface="+mn-lt"/>
-          <a:ea typeface="+mn-ea"/>
-          <a:cs typeface="+mn-cs"/>
+          <a:latin typeface="Arial"/>
+          <a:ea typeface="Arial"/>
+          <a:cs typeface="Arial"/>
+          <a:sym typeface="Arial"/>
         </a:defRPr>
       </a:lvl2pPr>
-      <a:lvl3pPr marL="914400" algn="l" defTabSz="457200" rtl="0" eaLnBrk="1" latinLnBrk="0" hangingPunct="1">
-        <a:defRPr sz="1800" kern="1200">
+      <a:lvl3pPr marR="0" lvl="2" algn="l" rtl="0">
+        <a:lnSpc>
+          <a:spcPct val="100000"/>
+        </a:lnSpc>
+        <a:spcBef>
+          <a:spcPts val="0"/>
+        </a:spcBef>
+        <a:spcAft>
+          <a:spcPts val="0"/>
+        </a:spcAft>
+        <a:buClr>
+          <a:srgbClr val="000000"/>
+        </a:buClr>
+        <a:buFont typeface="Arial"/>
+        <a:defRPr sz="1400" b="0" i="0" u="none" strike="noStrike" cap="none">
           <a:solidFill>
-            <a:schemeClr val="tx1"/>
+            <a:srgbClr val="000000"/>
           </a:solidFill>
-          <a:latin typeface="+mn-lt"/>
-          <a:ea typeface="+mn-ea"/>
-          <a:cs typeface="+mn-cs"/>
+          <a:latin typeface="Arial"/>
+          <a:ea typeface="Arial"/>
+          <a:cs typeface="Arial"/>
+          <a:sym typeface="Arial"/>
         </a:defRPr>
       </a:lvl3pPr>
-      <a:lvl4pPr marL="1371600" algn="l" defTabSz="457200" rtl="0" eaLnBrk="1" latinLnBrk="0" hangingPunct="1">
-        <a:defRPr sz="1800" kern="1200">
+      <a:lvl4pPr marR="0" lvl="3" algn="l" rtl="0">
+        <a:lnSpc>
+          <a:spcPct val="100000"/>
+        </a:lnSpc>
+        <a:spcBef>
+          <a:spcPts val="0"/>
+        </a:spcBef>
+        <a:spcAft>
+          <a:spcPts val="0"/>
+        </a:spcAft>
+        <a:buClr>
+          <a:srgbClr val="000000"/>
+        </a:buClr>
+        <a:buFont typeface="Arial"/>
+        <a:defRPr sz="1400" b="0" i="0" u="none" strike="noStrike" cap="none">
           <a:solidFill>
-            <a:schemeClr val="tx1"/>
+            <a:srgbClr val="000000"/>
           </a:solidFill>
-          <a:latin typeface="+mn-lt"/>
-          <a:ea typeface="+mn-ea"/>
-          <a:cs typeface="+mn-cs"/>
+          <a:latin typeface="Arial"/>
+          <a:ea typeface="Arial"/>
+          <a:cs typeface="Arial"/>
+          <a:sym typeface="Arial"/>
         </a:defRPr>
       </a:lvl4pPr>
-      <a:lvl5pPr marL="1828800" algn="l" defTabSz="457200" rtl="0" eaLnBrk="1" latinLnBrk="0" hangingPunct="1">
-        <a:defRPr sz="1800" kern="1200">
+      <a:lvl5pPr marR="0" lvl="4" algn="l" rtl="0">
+        <a:lnSpc>
+          <a:spcPct val="100000"/>
+        </a:lnSpc>
+        <a:spcBef>
+          <a:spcPts val="0"/>
+        </a:spcBef>
+        <a:spcAft>
+          <a:spcPts val="0"/>
+        </a:spcAft>
+        <a:buClr>
+          <a:srgbClr val="000000"/>
+        </a:buClr>
+        <a:buFont typeface="Arial"/>
+        <a:defRPr sz="1400" b="0" i="0" u="none" strike="noStrike" cap="none">
           <a:solidFill>
-            <a:schemeClr val="tx1"/>
+            <a:srgbClr val="000000"/>
           </a:solidFill>
-          <a:latin typeface="+mn-lt"/>
-          <a:ea typeface="+mn-ea"/>
-          <a:cs typeface="+mn-cs"/>
+          <a:latin typeface="Arial"/>
+          <a:ea typeface="Arial"/>
+          <a:cs typeface="Arial"/>
+          <a:sym typeface="Arial"/>
         </a:defRPr>
       </a:lvl5pPr>
-      <a:lvl6pPr marL="2286000" algn="l" defTabSz="457200" rtl="0" eaLnBrk="1" latinLnBrk="0" hangingPunct="1">
-        <a:defRPr sz="1800" kern="1200">
+      <a:lvl6pPr marR="0" lvl="5" algn="l" rtl="0">
+        <a:lnSpc>
+          <a:spcPct val="100000"/>
+        </a:lnSpc>
+        <a:spcBef>
+          <a:spcPts val="0"/>
+        </a:spcBef>
+        <a:spcAft>
+          <a:spcPts val="0"/>
+        </a:spcAft>
+        <a:buClr>
+          <a:srgbClr val="000000"/>
+        </a:buClr>
+        <a:buFont typeface="Arial"/>
+        <a:defRPr sz="1400" b="0" i="0" u="none" strike="noStrike" cap="none">
           <a:solidFill>
-            <a:schemeClr val="tx1"/>
+            <a:srgbClr val="000000"/>
           </a:solidFill>
-          <a:latin typeface="+mn-lt"/>
-          <a:ea typeface="+mn-ea"/>
-          <a:cs typeface="+mn-cs"/>
+          <a:latin typeface="Arial"/>
+          <a:ea typeface="Arial"/>
+          <a:cs typeface="Arial"/>
+          <a:sym typeface="Arial"/>
         </a:defRPr>
       </a:lvl6pPr>
-      <a:lvl7pPr marL="2743200" algn="l" defTabSz="457200" rtl="0" eaLnBrk="1" latinLnBrk="0" hangingPunct="1">
-        <a:defRPr sz="1800" kern="1200">
+      <a:lvl7pPr marR="0" lvl="6" algn="l" rtl="0">
+        <a:lnSpc>
+          <a:spcPct val="100000"/>
+        </a:lnSpc>
+        <a:spcBef>
+          <a:spcPts val="0"/>
+        </a:spcBef>
+        <a:spcAft>
+          <a:spcPts val="0"/>
+        </a:spcAft>
+        <a:buClr>
+          <a:srgbClr val="000000"/>
+        </a:buClr>
+        <a:buFont typeface="Arial"/>
+        <a:defRPr sz="1400" b="0" i="0" u="none" strike="noStrike" cap="none">
           <a:solidFill>
-            <a:schemeClr val="tx1"/>
+            <a:srgbClr val="000000"/>
           </a:solidFill>
-          <a:latin typeface="+mn-lt"/>
-          <a:ea typeface="+mn-ea"/>
-          <a:cs typeface="+mn-cs"/>
+          <a:latin typeface="Arial"/>
+          <a:ea typeface="Arial"/>
+          <a:cs typeface="Arial"/>
+          <a:sym typeface="Arial"/>
         </a:defRPr>
       </a:lvl7pPr>
-      <a:lvl8pPr marL="3200400" algn="l" defTabSz="457200" rtl="0" eaLnBrk="1" latinLnBrk="0" hangingPunct="1">
-        <a:defRPr sz="1800" kern="1200">
+      <a:lvl8pPr marR="0" lvl="7" algn="l" rtl="0">
+        <a:lnSpc>
+          <a:spcPct val="100000"/>
+        </a:lnSpc>
+        <a:spcBef>
+          <a:spcPts val="0"/>
+        </a:spcBef>
+        <a:spcAft>
+          <a:spcPts val="0"/>
+        </a:spcAft>
+        <a:buClr>
+          <a:srgbClr val="000000"/>
+        </a:buClr>
+        <a:buFont typeface="Arial"/>
+        <a:defRPr sz="1400" b="0" i="0" u="none" strike="noStrike" cap="none">
           <a:solidFill>
-            <a:schemeClr val="tx1"/>
+            <a:srgbClr val="000000"/>
           </a:solidFill>
-          <a:latin typeface="+mn-lt"/>
-          <a:ea typeface="+mn-ea"/>
-          <a:cs typeface="+mn-cs"/>
+          <a:latin typeface="Arial"/>
+          <a:ea typeface="Arial"/>
+          <a:cs typeface="Arial"/>
+          <a:sym typeface="Arial"/>
         </a:defRPr>
       </a:lvl8pPr>
-      <a:lvl9pPr marL="3657600" algn="l" defTabSz="457200" rtl="0" eaLnBrk="1" latinLnBrk="0" hangingPunct="1">
-        <a:defRPr sz="1800" kern="1200">
+      <a:lvl9pPr marR="0" lvl="8" algn="l" rtl="0">
+        <a:lnSpc>
+          <a:spcPct val="100000"/>
+        </a:lnSpc>
+        <a:spcBef>
+          <a:spcPts val="0"/>
+        </a:spcBef>
+        <a:spcAft>
+          <a:spcPts val="0"/>
+        </a:spcAft>
+        <a:buClr>
+          <a:srgbClr val="000000"/>
+        </a:buClr>
+        <a:buFont typeface="Arial"/>
+        <a:defRPr sz="1400" b="0" i="0" u="none" strike="noStrike" cap="none">
           <a:solidFill>
-            <a:schemeClr val="tx1"/>
+            <a:srgbClr val="000000"/>
           </a:solidFill>
-          <a:latin typeface="+mn-lt"/>
-          <a:ea typeface="+mn-ea"/>
-          <a:cs typeface="+mn-cs"/>
+          <a:latin typeface="Arial"/>
+          <a:ea typeface="Arial"/>
+          <a:cs typeface="Arial"/>
+          <a:sym typeface="Arial"/>
         </a:defRPr>
       </a:lvl9pPr>
     </p:otherStyle>
@@ -3615,7 +9086,31 @@
   <p:cSld>
     <p:spTree>
       <p:nvGrpSpPr>
-        <p:cNvPr id="1" name=""/>
+        <p:cNvPr id="1" name="Shape 21"/>
+        <p:cNvGrpSpPr/>
+        <p:nvPr/>
+      </p:nvGrpSpPr>
+      <p:grpSpPr>
+        <a:xfrm>
+          <a:off x="0" y="0"/>
+          <a:ext cx="0" cy="0"/>
+          <a:chOff x="0" y="0"/>
+          <a:chExt cx="0" cy="0"/>
+        </a:xfrm>
+      </p:grpSpPr>
+      <p:sp/>
+      <p:sp/>
+    </p:spTree>
+  </p:cSld>
+</p:sld>
+</file>
+
+<file path=ppt/slides/slide2.xml><?xml version="1.0" encoding="utf-8"?>
+<p:sld xmlns:a="http://schemas.openxmlformats.org/drawingml/2006/main" xmlns:r="http://schemas.openxmlformats.org/officeDocument/2006/relationships" xmlns:p="http://schemas.openxmlformats.org/presentationml/2006/main">
+  <p:cSld>
+    <p:spTree>
+      <p:nvGrpSpPr>
+        <p:cNvPr id="1" name="Shape 27"/>
         <p:cNvGrpSpPr/>
         <p:nvPr/>
       </p:nvGrpSpPr>
@@ -3629,67 +9124,28 @@
       </p:grpSpPr>
       <p:sp>
         <p:nvSpPr>
-          <p:cNvPr id="2" name="Title 1"/>
-          <p:cNvSpPr>
+          <p:cNvPr id="29" name="Shape 29"/>
+          <p:cNvSpPr txBox="1">
             <a:spLocks noGrp="1"/>
           </p:cNvSpPr>
           <p:nvPr>
-            <p:ph type="ctrTitle"/>
+            <p:ph type="body" idx="1"/>
           </p:nvPr>
         </p:nvSpPr>
-        <p:spPr>
-          <a:xfrm>
-            <a:off x="685800" y="2130425"/>
-            <a:ext cx="7772400" cy="1470025"/>
-          </a:xfrm>
-        </p:spPr>
+        <p:spPr/>
         <p:txBody>
           <a:bodyPr/>
           <a:lstStyle/>
           <a:p>
-            <a:pPr lvl="0" marL="0" indent="0">
+            <a:pPr lvl="0" marL="1270000" indent="0">
               <a:buNone/>
             </a:pPr>
             <a:r>
-              <a:rPr/>
-              <a:t>Stock</a:t>
+              <a:rPr sz="1800">
+                <a:latin typeface="Courier"/>
+              </a:rPr>
+              <a:t>## Warning: package 'quantmod' was built under R version 3.4.4</a:t>
             </a:r>
-            <a:r>
-              <a:rPr/>
-              <a:t> </a:t>
-            </a:r>
-            <a:r>
-              <a:rPr/>
-              <a:t>Report</a:t>
-            </a:r>
-          </a:p>
-        </p:txBody>
-      </p:sp>
-      <p:sp>
-        <p:nvSpPr>
-          <p:cNvPr id="3" name="Subtitle 2"/>
-          <p:cNvSpPr>
-            <a:spLocks noGrp="1"/>
-          </p:cNvSpPr>
-          <p:nvPr>
-            <p:ph type="subTitle" idx="1"/>
-          </p:nvPr>
-        </p:nvSpPr>
-        <p:spPr>
-          <a:xfrm>
-            <a:off x="1371600" y="3886200"/>
-            <a:ext cx="6400800" cy="1752600"/>
-          </a:xfrm>
-        </p:spPr>
-        <p:txBody>
-          <a:bodyPr/>
-          <a:lstStyle/>
-          <a:p>
-            <a:pPr lvl="0" marL="0" indent="0">
-              <a:buNone/>
-            </a:pPr>
-            <a:br/>
-            <a:br/>
           </a:p>
         </p:txBody>
       </p:sp>
@@ -3698,12 +9154,12 @@
 </p:sld>
 </file>
 
-<file path=ppt/slides/slide2.xml><?xml version="1.0" encoding="utf-8"?>
+<file path=ppt/slides/slide3.xml><?xml version="1.0" encoding="utf-8"?>
 <p:sld xmlns:a="http://schemas.openxmlformats.org/drawingml/2006/main" xmlns:r="http://schemas.openxmlformats.org/officeDocument/2006/relationships" xmlns:p="http://schemas.openxmlformats.org/presentationml/2006/main">
   <p:cSld>
     <p:spTree>
       <p:nvGrpSpPr>
-        <p:cNvPr id="1" name=""/>
+        <p:cNvPr id="1" name="Shape 40"/>
         <p:cNvGrpSpPr/>
         <p:nvPr/>
       </p:nvGrpSpPr>
@@ -3717,8 +9173,8 @@
       </p:grpSpPr>
       <p:sp>
         <p:nvSpPr>
-          <p:cNvPr id="2" name="Title 1"/>
-          <p:cNvSpPr>
+          <p:cNvPr id="41" name="Shape 41"/>
+          <p:cNvSpPr txBox="1">
             <a:spLocks noGrp="1"/>
           </p:cNvSpPr>
           <p:nvPr>
@@ -3727,9 +9183,16 @@
         </p:nvSpPr>
         <p:spPr>
           <a:xfrm>
-            <a:off x="722313" y="4406900"/>
-            <a:ext cx="7772400" cy="1362075"/>
+            <a:off x="839788" y="365125"/>
+            <a:ext cx="10515600" cy="1325563"/>
           </a:xfrm>
+          <a:prstGeom prst="rect">
+            <a:avLst/>
+          </a:prstGeom>
+          <a:noFill/>
+          <a:ln>
+            <a:noFill/>
+          </a:ln>
         </p:spPr>
         <p:txBody>
           <a:bodyPr/>
@@ -3748,7 +9211,7 @@
             </a:r>
             <a:r>
               <a:rPr/>
-              <a:t>2018-06-06</a:t>
+              <a:t>2018-07-09</a:t>
             </a:r>
             <a:r>
               <a:rPr/>
@@ -3764,7 +9227,7 @@
             </a:r>
             <a:r>
               <a:rPr/>
-              <a:t>2018-06-27</a:t>
+              <a:t>2018-07-30</a:t>
             </a:r>
           </a:p>
         </p:txBody>
@@ -3774,12 +9237,12 @@
 </p:sld>
 </file>
 
-<file path=ppt/slides/slide3.xml><?xml version="1.0" encoding="utf-8"?>
+<file path=ppt/slides/slide4.xml><?xml version="1.0" encoding="utf-8"?>
 <p:sld xmlns:a="http://schemas.openxmlformats.org/drawingml/2006/main" xmlns:r="http://schemas.openxmlformats.org/officeDocument/2006/relationships" xmlns:p="http://schemas.openxmlformats.org/presentationml/2006/main">
   <p:cSld>
     <p:spTree>
       <p:nvGrpSpPr>
-        <p:cNvPr id="1" name=""/>
+        <p:cNvPr id="1" name="Shape 27"/>
         <p:cNvGrpSpPr/>
         <p:nvPr/>
       </p:nvGrpSpPr>
@@ -3793,15 +9256,27 @@
       </p:grpSpPr>
       <p:sp>
         <p:nvSpPr>
-          <p:cNvPr id="2" name="Title 1"/>
-          <p:cNvSpPr>
+          <p:cNvPr id="28" name="Shape 28"/>
+          <p:cNvSpPr txBox="1">
             <a:spLocks noGrp="1"/>
           </p:cNvSpPr>
           <p:nvPr>
             <p:ph type="title"/>
           </p:nvPr>
         </p:nvSpPr>
-        <p:spPr/>
+        <p:spPr>
+          <a:xfrm>
+            <a:off x="831850" y="1709738"/>
+            <a:ext cx="10515600" cy="2852737"/>
+          </a:xfrm>
+          <a:prstGeom prst="rect">
+            <a:avLst/>
+          </a:prstGeom>
+          <a:noFill/>
+          <a:ln>
+            <a:noFill/>
+          </a:ln>
+        </p:spPr>
         <p:txBody>
           <a:bodyPr/>
           <a:lstStyle/>
@@ -3818,12 +9293,12 @@
       </p:sp>
       <p:sp>
         <p:nvSpPr>
-          <p:cNvPr id="3" name="Content Placeholder 2"/>
-          <p:cNvSpPr>
+          <p:cNvPr id="29" name="Shape 29"/>
+          <p:cNvSpPr txBox="1">
             <a:spLocks noGrp="1"/>
           </p:cNvSpPr>
           <p:nvPr>
-            <p:ph idx="1"/>
+            <p:ph type="body" idx="1"/>
           </p:nvPr>
         </p:nvSpPr>
         <p:spPr/>
@@ -3836,28 +9311,28 @@
             </a:pPr>
             <a:r>
               <a:rPr/>
-              <a:t>TSLA closed up at 342 dollars per share on 2018-06-27.</a:t>
+              <a:t>TSLA closed down at 297.18 dollars per share on 2018-07-30.</a:t>
             </a:r>
           </a:p>
           <a:p>
             <a:pPr lvl="1"/>
             <a:r>
               <a:rPr/>
-              <a:t>High: 343.55</a:t>
+              <a:t>High: 307.69</a:t>
             </a:r>
           </a:p>
           <a:p>
             <a:pPr lvl="1"/>
             <a:r>
               <a:rPr/>
-              <a:t>Low: 325.8</a:t>
+              <a:t>Low: 295.34</a:t>
             </a:r>
           </a:p>
           <a:p>
             <a:pPr lvl="1"/>
             <a:r>
               <a:rPr/>
-              <a:t>Close: 342</a:t>
+              <a:t>Close: 297.18</a:t>
             </a:r>
           </a:p>
         </p:txBody>
@@ -3867,12 +9342,12 @@
 </p:sld>
 </file>
 
-<file path=ppt/slides/slide4.xml><?xml version="1.0" encoding="utf-8"?>
+<file path=ppt/slides/slide5.xml><?xml version="1.0" encoding="utf-8"?>
 <p:sld xmlns:a="http://schemas.openxmlformats.org/drawingml/2006/main" xmlns:r="http://schemas.openxmlformats.org/officeDocument/2006/relationships" xmlns:p="http://schemas.openxmlformats.org/presentationml/2006/main">
   <p:cSld>
     <p:spTree>
       <p:nvGrpSpPr>
-        <p:cNvPr id="1" name=""/>
+        <p:cNvPr id="1" name="Shape 27"/>
         <p:cNvGrpSpPr/>
         <p:nvPr/>
       </p:nvGrpSpPr>
@@ -3886,15 +9361,27 @@
       </p:grpSpPr>
       <p:sp>
         <p:nvSpPr>
-          <p:cNvPr id="2" name="Title 1"/>
-          <p:cNvSpPr>
+          <p:cNvPr id="28" name="Shape 28"/>
+          <p:cNvSpPr txBox="1">
             <a:spLocks noGrp="1"/>
           </p:cNvSpPr>
           <p:nvPr>
             <p:ph type="title"/>
           </p:nvPr>
         </p:nvSpPr>
-        <p:spPr/>
+        <p:spPr>
+          <a:xfrm>
+            <a:off x="831850" y="1709738"/>
+            <a:ext cx="10515600" cy="2852737"/>
+          </a:xfrm>
+          <a:prstGeom prst="rect">
+            <a:avLst/>
+          </a:prstGeom>
+          <a:noFill/>
+          <a:ln>
+            <a:noFill/>
+          </a:ln>
+        </p:spPr>
         <p:txBody>
           <a:bodyPr/>
           <a:lstStyle/>
@@ -3933,8 +9420,8 @@
         </p:blipFill>
         <p:spPr bwMode="auto">
           <a:xfrm>
-            <a:off x="1752600" y="1600200"/>
-            <a:ext cx="5651500" cy="4521200"/>
+            <a:off x="5143500" y="4584700"/>
+            <a:ext cx="1879600" cy="1498600"/>
           </a:xfrm>
           <a:prstGeom prst="rect">
             <a:avLst/>
@@ -3952,12 +9439,12 @@
 </p:sld>
 </file>
 
-<file path=ppt/slides/slide5.xml><?xml version="1.0" encoding="utf-8"?>
+<file path=ppt/slides/slide6.xml><?xml version="1.0" encoding="utf-8"?>
 <p:sld xmlns:a="http://schemas.openxmlformats.org/drawingml/2006/main" xmlns:r="http://schemas.openxmlformats.org/officeDocument/2006/relationships" xmlns:p="http://schemas.openxmlformats.org/presentationml/2006/main">
   <p:cSld>
     <p:spTree>
       <p:nvGrpSpPr>
-        <p:cNvPr id="1" name=""/>
+        <p:cNvPr id="1" name="Shape 27"/>
         <p:cNvGrpSpPr/>
         <p:nvPr/>
       </p:nvGrpSpPr>
@@ -3971,15 +9458,27 @@
       </p:grpSpPr>
       <p:sp>
         <p:nvSpPr>
-          <p:cNvPr id="2" name="Title 1"/>
-          <p:cNvSpPr>
+          <p:cNvPr id="28" name="Shape 28"/>
+          <p:cNvSpPr txBox="1">
             <a:spLocks noGrp="1"/>
           </p:cNvSpPr>
           <p:nvPr>
             <p:ph type="title"/>
           </p:nvPr>
         </p:nvSpPr>
-        <p:spPr/>
+        <p:spPr>
+          <a:xfrm>
+            <a:off x="831850" y="1709738"/>
+            <a:ext cx="10515600" cy="2852737"/>
+          </a:xfrm>
+          <a:prstGeom prst="rect">
+            <a:avLst/>
+          </a:prstGeom>
+          <a:noFill/>
+          <a:ln>
+            <a:noFill/>
+          </a:ln>
+        </p:spPr>
         <p:txBody>
           <a:bodyPr/>
           <a:lstStyle/>
@@ -4021,8 +9520,8 @@
           </p:nvPr>
         </p:nvGraphicFramePr>
         <p:xfrm>
-          <a:off x="457200" y="1600200"/>
-          <a:ext cx="8229600" cy="4521200"/>
+          <a:off x="825500" y="4584700"/>
+          <a:ext cx="10515600" cy="1498600"/>
         </p:xfrm>
         <a:graphic>
           <a:graphicData uri="http://schemas.openxmlformats.org/drawingml/2006/table">
@@ -4031,11 +9530,11 @@
                 <a:tableStyleId>{5C22544A-7EE6-4342-B048-85BDC9FD1C3A}</a:tableStyleId>
               </a:tblPr>
               <a:tblGrid>
-                <a:gridCol w="1638300"/>
-                <a:gridCol w="1638300"/>
-                <a:gridCol w="1638300"/>
-                <a:gridCol w="1638300"/>
-                <a:gridCol w="1638300"/>
+                <a:gridCol w="2095500"/>
+                <a:gridCol w="2095500"/>
+                <a:gridCol w="2095500"/>
+                <a:gridCol w="2095500"/>
+                <a:gridCol w="2095500"/>
               </a:tblGrid>
               <a:tr h="0">
                 <a:tc>
@@ -4130,7 +9629,7 @@
                       </a:pPr>
                       <a:r>
                         <a:rPr/>
-                        <a:t>2018-06-18</a:t>
+                        <a:t>2018-07-19</a:t>
                       </a:r>
                     </a:p>
                   </a:txBody>
@@ -4145,7 +9644,7 @@
                       </a:pPr>
                       <a:r>
                         <a:rPr/>
-                        <a:t>355.40</a:t>
+                        <a:t>316.33</a:t>
                       </a:r>
                     </a:p>
                   </a:txBody>
@@ -4160,7 +9659,7 @@
                       </a:pPr>
                       <a:r>
                         <a:rPr/>
-                        <a:t>373.73</a:t>
+                        <a:t>323.54</a:t>
                       </a:r>
                     </a:p>
                   </a:txBody>
@@ -4175,7 +9674,7 @@
                       </a:pPr>
                       <a:r>
                         <a:rPr/>
-                        <a:t>354.50</a:t>
+                        <a:t>314.01</a:t>
                       </a:r>
                     </a:p>
                   </a:txBody>
@@ -4190,7 +9689,7 @@
                       </a:pPr>
                       <a:r>
                         <a:rPr/>
-                        <a:t>370.83</a:t>
+                        <a:t>320.23</a:t>
                       </a:r>
                     </a:p>
                   </a:txBody>
@@ -4207,7 +9706,7 @@
                       </a:pPr>
                       <a:r>
                         <a:rPr/>
-                        <a:t>2018-06-19</a:t>
+                        <a:t>2018-07-20</a:t>
                       </a:r>
                     </a:p>
                   </a:txBody>
@@ -4222,7 +9721,7 @@
                       </a:pPr>
                       <a:r>
                         <a:rPr/>
-                        <a:t>365.16</a:t>
+                        <a:t>321.23</a:t>
                       </a:r>
                     </a:p>
                   </a:txBody>
@@ -4237,7 +9736,7 @@
                       </a:pPr>
                       <a:r>
                         <a:rPr/>
-                        <a:t>370.00</a:t>
+                        <a:t>323.24</a:t>
                       </a:r>
                     </a:p>
                   </a:txBody>
@@ -4252,7 +9751,7 @@
                       </a:pPr>
                       <a:r>
                         <a:rPr/>
-                        <a:t>346.25</a:t>
+                        <a:t>311.71</a:t>
                       </a:r>
                     </a:p>
                   </a:txBody>
@@ -4267,7 +9766,7 @@
                       </a:pPr>
                       <a:r>
                         <a:rPr/>
-                        <a:t>352.55</a:t>
+                        <a:t>313.58</a:t>
                       </a:r>
                     </a:p>
                   </a:txBody>
@@ -4284,7 +9783,7 @@
                       </a:pPr>
                       <a:r>
                         <a:rPr/>
-                        <a:t>2018-06-20</a:t>
+                        <a:t>2018-07-23</a:t>
                       </a:r>
                     </a:p>
                   </a:txBody>
@@ -4299,7 +9798,7 @@
                       </a:pPr>
                       <a:r>
                         <a:rPr/>
-                        <a:t>358.04</a:t>
+                        <a:t>301.84</a:t>
                       </a:r>
                     </a:p>
                   </a:txBody>
@@ -4314,7 +9813,7 @@
                       </a:pPr>
                       <a:r>
                         <a:rPr/>
-                        <a:t>364.38</a:t>
+                        <a:t>305.50</a:t>
                       </a:r>
                     </a:p>
                   </a:txBody>
@@ -4329,7 +9828,7 @@
                       </a:pPr>
                       <a:r>
                         <a:rPr/>
-                        <a:t>352.00</a:t>
+                        <a:t>292.86</a:t>
                       </a:r>
                     </a:p>
                   </a:txBody>
@@ -4344,7 +9843,7 @@
                       </a:pPr>
                       <a:r>
                         <a:rPr/>
-                        <a:t>362.22</a:t>
+                        <a:t>303.20</a:t>
                       </a:r>
                     </a:p>
                   </a:txBody>
@@ -4361,7 +9860,7 @@
                       </a:pPr>
                       <a:r>
                         <a:rPr/>
-                        <a:t>2018-06-21</a:t>
+                        <a:t>2018-07-24</a:t>
                       </a:r>
                     </a:p>
                   </a:txBody>
@@ -4376,7 +9875,7 @@
                       </a:pPr>
                       <a:r>
                         <a:rPr/>
-                        <a:t>362.00</a:t>
+                        <a:t>304.42</a:t>
                       </a:r>
                     </a:p>
                   </a:txBody>
@@ -4391,7 +9890,7 @@
                       </a:pPr>
                       <a:r>
                         <a:rPr/>
-                        <a:t>366.21</a:t>
+                        <a:t>307.72</a:t>
                       </a:r>
                     </a:p>
                   </a:txBody>
@@ -4406,7 +9905,7 @@
                       </a:pPr>
                       <a:r>
                         <a:rPr/>
-                        <a:t>346.27</a:t>
+                        <a:t>292.55</a:t>
                       </a:r>
                     </a:p>
                   </a:txBody>
@@ -4421,7 +9920,7 @@
                       </a:pPr>
                       <a:r>
                         <a:rPr/>
-                        <a:t>347.51</a:t>
+                        <a:t>297.43</a:t>
                       </a:r>
                     </a:p>
                   </a:txBody>
@@ -4438,7 +9937,7 @@
                       </a:pPr>
                       <a:r>
                         <a:rPr/>
-                        <a:t>2018-06-22</a:t>
+                        <a:t>2018-07-25</a:t>
                       </a:r>
                     </a:p>
                   </a:txBody>
@@ -4453,7 +9952,7 @@
                       </a:pPr>
                       <a:r>
                         <a:rPr/>
-                        <a:t>351.54</a:t>
+                        <a:t>296.74</a:t>
                       </a:r>
                     </a:p>
                   </a:txBody>
@@ -4468,7 +9967,7 @@
                       </a:pPr>
                       <a:r>
                         <a:rPr/>
-                        <a:t>352.25</a:t>
+                        <a:t>309.62</a:t>
                       </a:r>
                     </a:p>
                   </a:txBody>
@@ -4483,7 +9982,7 @@
                       </a:pPr>
                       <a:r>
                         <a:rPr/>
-                        <a:t>332.00</a:t>
+                        <a:t>294.50</a:t>
                       </a:r>
                     </a:p>
                   </a:txBody>
@@ -4498,7 +9997,7 @@
                       </a:pPr>
                       <a:r>
                         <a:rPr/>
-                        <a:t>333.63</a:t>
+                        <a:t>308.74</a:t>
                       </a:r>
                     </a:p>
                   </a:txBody>
@@ -4515,7 +10014,7 @@
                       </a:pPr>
                       <a:r>
                         <a:rPr/>
-                        <a:t>2018-06-25</a:t>
+                        <a:t>2018-07-26</a:t>
                       </a:r>
                     </a:p>
                   </a:txBody>
@@ -4530,7 +10029,7 @@
                       </a:pPr>
                       <a:r>
                         <a:rPr/>
-                        <a:t>330.12</a:t>
+                        <a:t>304.85</a:t>
                       </a:r>
                     </a:p>
                   </a:txBody>
@@ -4545,7 +10044,7 @@
                       </a:pPr>
                       <a:r>
                         <a:rPr/>
-                        <a:t>338.47</a:t>
+                        <a:t>310.70</a:t>
                       </a:r>
                     </a:p>
                   </a:txBody>
@@ -4560,7 +10059,7 @@
                       </a:pPr>
                       <a:r>
                         <a:rPr/>
-                        <a:t>327.50</a:t>
+                        <a:t>303.64</a:t>
                       </a:r>
                     </a:p>
                   </a:txBody>
@@ -4575,7 +10074,7 @@
                       </a:pPr>
                       <a:r>
                         <a:rPr/>
-                        <a:t>333.01</a:t>
+                        <a:t>306.65</a:t>
                       </a:r>
                     </a:p>
                   </a:txBody>
@@ -4592,7 +10091,7 @@
                       </a:pPr>
                       <a:r>
                         <a:rPr/>
-                        <a:t>2018-06-26</a:t>
+                        <a:t>2018-07-27</a:t>
                       </a:r>
                     </a:p>
                   </a:txBody>
@@ -4607,7 +10106,7 @@
                       </a:pPr>
                       <a:r>
                         <a:rPr/>
-                        <a:t>336.05</a:t>
+                        <a:t>307.25</a:t>
                       </a:r>
                     </a:p>
                   </a:txBody>
@@ -4622,7 +10121,7 @@
                       </a:pPr>
                       <a:r>
                         <a:rPr/>
-                        <a:t>343.55</a:t>
+                        <a:t>307.69</a:t>
                       </a:r>
                     </a:p>
                   </a:txBody>
@@ -4637,7 +10136,7 @@
                       </a:pPr>
                       <a:r>
                         <a:rPr/>
-                        <a:t>325.80</a:t>
+                        <a:t>295.34</a:t>
                       </a:r>
                     </a:p>
                   </a:txBody>
@@ -4652,7 +10151,7 @@
                       </a:pPr>
                       <a:r>
                         <a:rPr/>
-                        <a:t>342.00</a:t>
+                        <a:t>297.18</a:t>
                       </a:r>
                     </a:p>
                   </a:txBody>
@@ -4667,7 +10166,7 @@
 </p:sld>
 </file>
 
-<file path=ppt/slides/slide6.xml><?xml version="1.0" encoding="utf-8"?>
+<file path=ppt/slides/slide7.xml><?xml version="1.0" encoding="utf-8"?>
 <p:sld xmlns:a="http://schemas.openxmlformats.org/drawingml/2006/main" xmlns:r="http://schemas.openxmlformats.org/officeDocument/2006/relationships" xmlns:p="http://schemas.openxmlformats.org/presentationml/2006/main">
   <p:cSld>
     <p:spTree>
@@ -4729,7 +10228,7 @@
             </a:pPr>
             <a:r>
               <a:rPr/>
-              <a:t>TSLA trading volume was 7,437,500 shares on 2018-06-27. Average trading volume over this time period was 11,597,907 shares.</a:t>
+              <a:t>TSLA trading volume was 5,698,300 shares on 2018-07-30. Average trading volume over this time period was 6,869,860 shares.</a:t>
             </a:r>
           </a:p>
         </p:txBody>
@@ -4774,45 +10273,45 @@
   <a:themeElements>
     <a:clrScheme name="Office">
       <a:dk1>
-        <a:sysClr val="windowText" lastClr="000000"/>
+        <a:srgbClr val="000000"/>
       </a:dk1>
       <a:lt1>
-        <a:sysClr val="window" lastClr="FFFFFF"/>
+        <a:srgbClr val="FFFFFF"/>
       </a:lt1>
       <a:dk2>
-        <a:srgbClr val="1F497D"/>
+        <a:srgbClr val="44546A"/>
       </a:dk2>
       <a:lt2>
-        <a:srgbClr val="EEECE1"/>
+        <a:srgbClr val="E7E6E6"/>
       </a:lt2>
       <a:accent1>
-        <a:srgbClr val="4F81BD"/>
+        <a:srgbClr val="4472C4"/>
       </a:accent1>
       <a:accent2>
-        <a:srgbClr val="C0504D"/>
+        <a:srgbClr val="ED7D31"/>
       </a:accent2>
       <a:accent3>
-        <a:srgbClr val="9BBB59"/>
+        <a:srgbClr val="A5A5A5"/>
       </a:accent3>
       <a:accent4>
-        <a:srgbClr val="8064A2"/>
+        <a:srgbClr val="FFC000"/>
       </a:accent4>
       <a:accent5>
-        <a:srgbClr val="4BACC6"/>
+        <a:srgbClr val="5B9BD5"/>
       </a:accent5>
       <a:accent6>
-        <a:srgbClr val="F79646"/>
+        <a:srgbClr val="70AD47"/>
       </a:accent6>
       <a:hlink>
-        <a:srgbClr val="0000FF"/>
+        <a:srgbClr val="0563C1"/>
       </a:hlink>
       <a:folHlink>
-        <a:srgbClr val="800080"/>
+        <a:srgbClr val="954F72"/>
       </a:folHlink>
     </a:clrScheme>
     <a:fontScheme name="Office">
       <a:majorFont>
-        <a:latin typeface="Calibri"/>
+        <a:latin typeface="Arial"/>
         <a:ea typeface=""/>
         <a:cs typeface=""/>
         <a:font script="Jpan" typeface="ＭＳ Ｐゴシック"/>
@@ -4847,7 +10346,7 @@
         <a:font script="Geor" typeface="Sylfaen"/>
       </a:majorFont>
       <a:minorFont>
-        <a:latin typeface="Calibri"/>
+        <a:latin typeface="Arial"/>
         <a:ea typeface=""/>
         <a:cs typeface=""/>
         <a:font script="Jpan" typeface="ＭＳ Ｐゴシック"/>
@@ -5045,47 +10544,13 @@
       </a:bgFillStyleLst>
     </a:fmtScheme>
   </a:themeElements>
-  <a:objectDefaults>
-    <a:spDef>
-      <a:spPr/>
-      <a:bodyPr/>
-      <a:lstStyle/>
-      <a:style>
-        <a:lnRef idx="1">
-          <a:schemeClr val="accent1"/>
-        </a:lnRef>
-        <a:fillRef idx="3">
-          <a:schemeClr val="accent1"/>
-        </a:fillRef>
-        <a:effectRef idx="2">
-          <a:schemeClr val="accent1"/>
-        </a:effectRef>
-        <a:fontRef idx="minor">
-          <a:schemeClr val="lt1"/>
-        </a:fontRef>
-      </a:style>
-    </a:spDef>
-    <a:lnDef>
-      <a:spPr/>
-      <a:bodyPr/>
-      <a:lstStyle/>
-      <a:style>
-        <a:lnRef idx="2">
-          <a:schemeClr val="accent1"/>
-        </a:lnRef>
-        <a:fillRef idx="0">
-          <a:schemeClr val="accent1"/>
-        </a:fillRef>
-        <a:effectRef idx="1">
-          <a:schemeClr val="accent1"/>
-        </a:effectRef>
-        <a:fontRef idx="minor">
-          <a:schemeClr val="tx1"/>
-        </a:fontRef>
-      </a:style>
-    </a:lnDef>
-  </a:objectDefaults>
+  <a:objectDefaults/>
   <a:extraClrSchemeLst/>
+  <a:extLst>
+    <a:ext uri="{05A4C25C-085E-4340-85A3-A5531E510DB2}">
+      <thm15:themeFamily xmlns:thm15="http://schemas.microsoft.com/office/thememl/2012/main" name="rstudio-template" id="{EFBD6A95-6017-8A4D-91AE-8774AD654A23}" vid="{97685220-61F5-0F4A-A7D1-5D5546EDA0CB}"/>
+    </a:ext>
+  </a:extLst>
 </a:theme>
 </file>
 
@@ -5094,10 +10559,10 @@
   <a:themeElements>
     <a:clrScheme name="Office">
       <a:dk1>
-        <a:sysClr val="windowText" lastClr="000000"/>
+        <a:srgbClr val="000000"/>
       </a:dk1>
       <a:lt1>
-        <a:sysClr val="window" lastClr="FFFFFF"/>
+        <a:srgbClr val="FFFFFF"/>
       </a:lt1>
       <a:dk2>
         <a:srgbClr val="44546A"/>
@@ -5106,7 +10571,7 @@
         <a:srgbClr val="E7E6E6"/>
       </a:lt2>
       <a:accent1>
-        <a:srgbClr val="5B9BD5"/>
+        <a:srgbClr val="4472C4"/>
       </a:accent1>
       <a:accent2>
         <a:srgbClr val="ED7D31"/>
@@ -5118,7 +10583,7 @@
         <a:srgbClr val="FFC000"/>
       </a:accent4>
       <a:accent5>
-        <a:srgbClr val="4472C4"/>
+        <a:srgbClr val="5B9BD5"/>
       </a:accent5>
       <a:accent6>
         <a:srgbClr val="70AD47"/>
@@ -5132,7 +10597,7 @@
     </a:clrScheme>
     <a:fontScheme name="Office">
       <a:majorFont>
-        <a:latin typeface="Calibri Light" panose="020F0302020204030204"/>
+        <a:latin typeface="Arial"/>
         <a:ea typeface=""/>
         <a:cs typeface=""/>
         <a:font script="Jpan" typeface="ＭＳ Ｐゴシック"/>
@@ -5167,7 +10632,7 @@
         <a:font script="Geor" typeface="Sylfaen"/>
       </a:majorFont>
       <a:minorFont>
-        <a:latin typeface="Calibri" panose="020F0502020204030204"/>
+        <a:latin typeface="Arial"/>
         <a:ea typeface=""/>
         <a:cs typeface=""/>
         <a:font script="Jpan" typeface="ＭＳ Ｐゴシック"/>
@@ -5211,141 +10676,161 @@
           <a:gsLst>
             <a:gs pos="0">
               <a:schemeClr val="phClr">
-                <a:lumMod val="110000"/>
-                <a:satMod val="105000"/>
-                <a:tint val="67000"/>
+                <a:tint val="50000"/>
+                <a:satMod val="300000"/>
               </a:schemeClr>
             </a:gs>
-            <a:gs pos="50000">
+            <a:gs pos="35000">
               <a:schemeClr val="phClr">
-                <a:lumMod val="105000"/>
-                <a:satMod val="103000"/>
-                <a:tint val="73000"/>
+                <a:tint val="37000"/>
+                <a:satMod val="300000"/>
               </a:schemeClr>
             </a:gs>
             <a:gs pos="100000">
               <a:schemeClr val="phClr">
-                <a:lumMod val="105000"/>
-                <a:satMod val="109000"/>
-                <a:tint val="81000"/>
+                <a:tint val="15000"/>
+                <a:satMod val="350000"/>
               </a:schemeClr>
             </a:gs>
           </a:gsLst>
-          <a:lin ang="5400000" scaled="0"/>
+          <a:lin ang="16200000" scaled="1"/>
         </a:gradFill>
         <a:gradFill rotWithShape="1">
           <a:gsLst>
             <a:gs pos="0">
               <a:schemeClr val="phClr">
-                <a:satMod val="103000"/>
-                <a:lumMod val="102000"/>
-                <a:tint val="94000"/>
-              </a:schemeClr>
-            </a:gs>
-            <a:gs pos="50000">
-              <a:schemeClr val="phClr">
-                <a:satMod val="110000"/>
-                <a:lumMod val="100000"/>
+                <a:tint val="100000"/>
                 <a:shade val="100000"/>
+                <a:satMod val="130000"/>
               </a:schemeClr>
             </a:gs>
             <a:gs pos="100000">
               <a:schemeClr val="phClr">
-                <a:lumMod val="99000"/>
-                <a:satMod val="120000"/>
-                <a:shade val="78000"/>
+                <a:tint val="50000"/>
+                <a:shade val="100000"/>
+                <a:satMod val="350000"/>
               </a:schemeClr>
             </a:gs>
           </a:gsLst>
-          <a:lin ang="5400000" scaled="0"/>
+          <a:lin ang="16200000" scaled="0"/>
         </a:gradFill>
       </a:fillStyleLst>
       <a:lnStyleLst>
-        <a:ln w="6350" cap="flat" cmpd="sng" algn="ctr">
+        <a:ln w="9525" cap="flat" cmpd="sng" algn="ctr">
+          <a:solidFill>
+            <a:schemeClr val="phClr">
+              <a:shade val="95000"/>
+              <a:satMod val="105000"/>
+            </a:schemeClr>
+          </a:solidFill>
+          <a:prstDash val="solid"/>
+        </a:ln>
+        <a:ln w="25400" cap="flat" cmpd="sng" algn="ctr">
           <a:solidFill>
             <a:schemeClr val="phClr"/>
           </a:solidFill>
           <a:prstDash val="solid"/>
-          <a:miter lim="800000"/>
         </a:ln>
-        <a:ln w="12700" cap="flat" cmpd="sng" algn="ctr">
+        <a:ln w="38100" cap="flat" cmpd="sng" algn="ctr">
           <a:solidFill>
             <a:schemeClr val="phClr"/>
           </a:solidFill>
           <a:prstDash val="solid"/>
-          <a:miter lim="800000"/>
-        </a:ln>
-        <a:ln w="19050" cap="flat" cmpd="sng" algn="ctr">
-          <a:solidFill>
-            <a:schemeClr val="phClr"/>
-          </a:solidFill>
-          <a:prstDash val="solid"/>
-          <a:miter lim="800000"/>
         </a:ln>
       </a:lnStyleLst>
       <a:effectStyleLst>
         <a:effectStyle>
-          <a:effectLst/>
-        </a:effectStyle>
-        <a:effectStyle>
-          <a:effectLst/>
+          <a:effectLst>
+            <a:outerShdw blurRad="40000" dist="20000" dir="5400000" rotWithShape="0">
+              <a:srgbClr val="000000">
+                <a:alpha val="38000"/>
+              </a:srgbClr>
+            </a:outerShdw>
+          </a:effectLst>
         </a:effectStyle>
         <a:effectStyle>
           <a:effectLst>
-            <a:outerShdw blurRad="57150" dist="19050" dir="5400000" algn="ctr" rotWithShape="0">
+            <a:outerShdw blurRad="40000" dist="23000" dir="5400000" rotWithShape="0">
               <a:srgbClr val="000000">
-                <a:alpha val="63000"/>
+                <a:alpha val="35000"/>
               </a:srgbClr>
             </a:outerShdw>
           </a:effectLst>
+        </a:effectStyle>
+        <a:effectStyle>
+          <a:effectLst>
+            <a:outerShdw blurRad="40000" dist="23000" dir="5400000" rotWithShape="0">
+              <a:srgbClr val="000000">
+                <a:alpha val="35000"/>
+              </a:srgbClr>
+            </a:outerShdw>
+          </a:effectLst>
+          <a:scene3d>
+            <a:camera prst="orthographicFront">
+              <a:rot lat="0" lon="0" rev="0"/>
+            </a:camera>
+            <a:lightRig rig="threePt" dir="t">
+              <a:rot lat="0" lon="0" rev="1200000"/>
+            </a:lightRig>
+          </a:scene3d>
+          <a:sp3d>
+            <a:bevelT w="63500" h="25400"/>
+          </a:sp3d>
         </a:effectStyle>
       </a:effectStyleLst>
       <a:bgFillStyleLst>
         <a:solidFill>
           <a:schemeClr val="phClr"/>
         </a:solidFill>
-        <a:solidFill>
-          <a:schemeClr val="phClr">
-            <a:tint val="95000"/>
-            <a:satMod val="170000"/>
-          </a:schemeClr>
-        </a:solidFill>
         <a:gradFill rotWithShape="1">
           <a:gsLst>
             <a:gs pos="0">
               <a:schemeClr val="phClr">
-                <a:tint val="93000"/>
-                <a:satMod val="150000"/>
-                <a:shade val="98000"/>
-                <a:lumMod val="102000"/>
+                <a:tint val="40000"/>
+                <a:satMod val="350000"/>
               </a:schemeClr>
             </a:gs>
-            <a:gs pos="50000">
+            <a:gs pos="40000">
               <a:schemeClr val="phClr">
-                <a:tint val="98000"/>
-                <a:satMod val="130000"/>
-                <a:shade val="90000"/>
-                <a:lumMod val="103000"/>
+                <a:tint val="45000"/>
+                <a:shade val="99000"/>
+                <a:satMod val="350000"/>
               </a:schemeClr>
             </a:gs>
             <a:gs pos="100000">
               <a:schemeClr val="phClr">
-                <a:shade val="63000"/>
-                <a:satMod val="120000"/>
+                <a:shade val="20000"/>
+                <a:satMod val="255000"/>
               </a:schemeClr>
             </a:gs>
           </a:gsLst>
-          <a:lin ang="5400000" scaled="0"/>
+          <a:path path="circle">
+            <a:fillToRect l="50000" t="-80000" r="50000" b="180000"/>
+          </a:path>
+        </a:gradFill>
+        <a:gradFill rotWithShape="1">
+          <a:gsLst>
+            <a:gs pos="0">
+              <a:schemeClr val="phClr">
+                <a:tint val="80000"/>
+                <a:satMod val="300000"/>
+              </a:schemeClr>
+            </a:gs>
+            <a:gs pos="100000">
+              <a:schemeClr val="phClr">
+                <a:shade val="30000"/>
+                <a:satMod val="200000"/>
+              </a:schemeClr>
+            </a:gs>
+          </a:gsLst>
+          <a:path path="circle">
+            <a:fillToRect l="50000" t="50000" r="50000" b="50000"/>
+          </a:path>
         </a:gradFill>
       </a:bgFillStyleLst>
     </a:fmtScheme>
   </a:themeElements>
   <a:objectDefaults/>
   <a:extraClrSchemeLst/>
-  <a:extLst>
-    <a:ext uri="{05A4C25C-085E-4340-85A3-A5531E510DB2}">
-      <thm15:themeFamily xmlns:thm15="http://schemas.microsoft.com/office/thememl/2012/main" name="Office Theme" id="{62F939B6-93AF-4DB8-9C6B-D6C7DFDC589F}" vid="{4A3C46E8-61CC-4603-A589-7422A47A8E4A}"/>
-    </a:ext>
-  </a:extLst>
 </a:theme>
 </file>